--- a/Microproject_1/ElijahWalker_ANA500_MP1.pptx
+++ b/Microproject_1/ElijahWalker_ANA500_MP1.pptx
@@ -3844,7 +3844,7 @@
           <a:p>
             <a:fld id="{3F52AFC1-4F45-459D-BC95-0F8F5E3A4294}" type="datetimeFigureOut">
               <a:rPr lang="en-US" smtClean="0"/>
-              <a:t>8/5/23</a:t>
+              <a:t>8/6/23</a:t>
             </a:fld>
             <a:endParaRPr lang="en-US"/>
           </a:p>
@@ -4042,7 +4042,7 @@
           <a:p>
             <a:fld id="{3F52AFC1-4F45-459D-BC95-0F8F5E3A4294}" type="datetimeFigureOut">
               <a:rPr lang="en-US" smtClean="0"/>
-              <a:t>8/5/23</a:t>
+              <a:t>8/6/23</a:t>
             </a:fld>
             <a:endParaRPr lang="en-US"/>
           </a:p>
@@ -4250,7 +4250,7 @@
           <a:p>
             <a:fld id="{3F52AFC1-4F45-459D-BC95-0F8F5E3A4294}" type="datetimeFigureOut">
               <a:rPr lang="en-US" smtClean="0"/>
-              <a:t>8/5/23</a:t>
+              <a:t>8/6/23</a:t>
             </a:fld>
             <a:endParaRPr lang="en-US"/>
           </a:p>
@@ -4448,7 +4448,7 @@
           <a:p>
             <a:fld id="{3F52AFC1-4F45-459D-BC95-0F8F5E3A4294}" type="datetimeFigureOut">
               <a:rPr lang="en-US" smtClean="0"/>
-              <a:t>8/5/23</a:t>
+              <a:t>8/6/23</a:t>
             </a:fld>
             <a:endParaRPr lang="en-US"/>
           </a:p>
@@ -4723,7 +4723,7 @@
           <a:p>
             <a:fld id="{3F52AFC1-4F45-459D-BC95-0F8F5E3A4294}" type="datetimeFigureOut">
               <a:rPr lang="en-US" smtClean="0"/>
-              <a:t>8/5/23</a:t>
+              <a:t>8/6/23</a:t>
             </a:fld>
             <a:endParaRPr lang="en-US"/>
           </a:p>
@@ -4988,7 +4988,7 @@
           <a:p>
             <a:fld id="{3F52AFC1-4F45-459D-BC95-0F8F5E3A4294}" type="datetimeFigureOut">
               <a:rPr lang="en-US" smtClean="0"/>
-              <a:t>8/5/23</a:t>
+              <a:t>8/6/23</a:t>
             </a:fld>
             <a:endParaRPr lang="en-US"/>
           </a:p>
@@ -5400,7 +5400,7 @@
           <a:p>
             <a:fld id="{3F52AFC1-4F45-459D-BC95-0F8F5E3A4294}" type="datetimeFigureOut">
               <a:rPr lang="en-US" smtClean="0"/>
-              <a:t>8/5/23</a:t>
+              <a:t>8/6/23</a:t>
             </a:fld>
             <a:endParaRPr lang="en-US"/>
           </a:p>
@@ -5541,7 +5541,7 @@
           <a:p>
             <a:fld id="{3F52AFC1-4F45-459D-BC95-0F8F5E3A4294}" type="datetimeFigureOut">
               <a:rPr lang="en-US" smtClean="0"/>
-              <a:t>8/5/23</a:t>
+              <a:t>8/6/23</a:t>
             </a:fld>
             <a:endParaRPr lang="en-US"/>
           </a:p>
@@ -5654,7 +5654,7 @@
           <a:p>
             <a:fld id="{3F52AFC1-4F45-459D-BC95-0F8F5E3A4294}" type="datetimeFigureOut">
               <a:rPr lang="en-US" smtClean="0"/>
-              <a:t>8/5/23</a:t>
+              <a:t>8/6/23</a:t>
             </a:fld>
             <a:endParaRPr lang="en-US"/>
           </a:p>
@@ -5965,7 +5965,7 @@
           <a:p>
             <a:fld id="{3F52AFC1-4F45-459D-BC95-0F8F5E3A4294}" type="datetimeFigureOut">
               <a:rPr lang="en-US" smtClean="0"/>
-              <a:t>8/5/23</a:t>
+              <a:t>8/6/23</a:t>
             </a:fld>
             <a:endParaRPr lang="en-US"/>
           </a:p>
@@ -6253,7 +6253,7 @@
           <a:p>
             <a:fld id="{3F52AFC1-4F45-459D-BC95-0F8F5E3A4294}" type="datetimeFigureOut">
               <a:rPr lang="en-US" smtClean="0"/>
-              <a:t>8/5/23</a:t>
+              <a:t>8/6/23</a:t>
             </a:fld>
             <a:endParaRPr lang="en-US"/>
           </a:p>
@@ -6494,7 +6494,7 @@
           <a:p>
             <a:fld id="{3F52AFC1-4F45-459D-BC95-0F8F5E3A4294}" type="datetimeFigureOut">
               <a:rPr lang="en-US" smtClean="0"/>
-              <a:t>8/5/23</a:t>
+              <a:t>8/6/23</a:t>
             </a:fld>
             <a:endParaRPr lang="en-US"/>
           </a:p>
@@ -9043,7 +9043,7 @@
 </file>
 
 <file path=ppt/slides/slide13.xml><?xml version="1.0" encoding="utf-8"?>
-<p:sld xmlns:a="http://schemas.openxmlformats.org/drawingml/2006/main" xmlns:r="http://schemas.openxmlformats.org/officeDocument/2006/relationships" xmlns:p="http://schemas.openxmlformats.org/presentationml/2006/main">
+<p:sld xmlns:a="http://schemas.openxmlformats.org/drawingml/2006/main" xmlns:r="http://schemas.openxmlformats.org/officeDocument/2006/relationships" xmlns:p="http://schemas.openxmlformats.org/presentationml/2006/main" show="0">
   <p:cSld>
     <p:spTree>
       <p:nvGrpSpPr>
@@ -9139,7 +9139,7 @@
 </file>
 
 <file path=ppt/slides/slide14.xml><?xml version="1.0" encoding="utf-8"?>
-<p:sld xmlns:a="http://schemas.openxmlformats.org/drawingml/2006/main" xmlns:r="http://schemas.openxmlformats.org/officeDocument/2006/relationships" xmlns:p="http://schemas.openxmlformats.org/presentationml/2006/main">
+<p:sld xmlns:a="http://schemas.openxmlformats.org/drawingml/2006/main" xmlns:r="http://schemas.openxmlformats.org/officeDocument/2006/relationships" xmlns:p="http://schemas.openxmlformats.org/presentationml/2006/main" show="0">
   <p:cSld>
     <p:spTree>
       <p:nvGrpSpPr>
@@ -9235,7 +9235,7 @@
 </file>
 
 <file path=ppt/slides/slide15.xml><?xml version="1.0" encoding="utf-8"?>
-<p:sld xmlns:a="http://schemas.openxmlformats.org/drawingml/2006/main" xmlns:r="http://schemas.openxmlformats.org/officeDocument/2006/relationships" xmlns:p="http://schemas.openxmlformats.org/presentationml/2006/main">
+<p:sld xmlns:a="http://schemas.openxmlformats.org/drawingml/2006/main" xmlns:r="http://schemas.openxmlformats.org/officeDocument/2006/relationships" xmlns:p="http://schemas.openxmlformats.org/presentationml/2006/main" show="0">
   <p:cSld>
     <p:spTree>
       <p:nvGrpSpPr>
@@ -9331,7 +9331,7 @@
 </file>
 
 <file path=ppt/slides/slide16.xml><?xml version="1.0" encoding="utf-8"?>
-<p:sld xmlns:a="http://schemas.openxmlformats.org/drawingml/2006/main" xmlns:r="http://schemas.openxmlformats.org/officeDocument/2006/relationships" xmlns:p="http://schemas.openxmlformats.org/presentationml/2006/main">
+<p:sld xmlns:a="http://schemas.openxmlformats.org/drawingml/2006/main" xmlns:r="http://schemas.openxmlformats.org/officeDocument/2006/relationships" xmlns:p="http://schemas.openxmlformats.org/presentationml/2006/main" show="0">
   <p:cSld>
     <p:spTree>
       <p:nvGrpSpPr>
@@ -11931,8 +11931,8 @@
           </a:fontRef>
         </p:style>
       </p:cxnSp>
-      <mc:AlternateContent xmlns:mc="http://schemas.openxmlformats.org/markup-compatibility/2006">
-        <mc:Choice xmlns:p14="http://schemas.microsoft.com/office/powerpoint/2010/main" Requires="p14">
+      <mc:AlternateContent xmlns:mc="http://schemas.openxmlformats.org/markup-compatibility/2006" xmlns:p14="http://schemas.microsoft.com/office/powerpoint/2010/main">
+        <mc:Choice Requires="p14">
           <p:contentPart p14:bwMode="auto" r:id="rId2">
             <p14:nvContentPartPr>
               <p14:cNvPr id="10" name="Ink 9">
@@ -11951,7 +11951,7 @@
             </p14:xfrm>
           </p:contentPart>
         </mc:Choice>
-        <mc:Fallback>
+        <mc:Fallback xmlns="">
           <p:pic>
             <p:nvPicPr>
               <p:cNvPr id="10" name="Ink 9">

--- a/Microproject_1/ElijahWalker_ANA500_MP1.pptx
+++ b/Microproject_1/ElijahWalker_ANA500_MP1.pptx
@@ -7023,25 +7023,12 @@
               <a:rPr lang="en-US" sz="2800" dirty="0"/>
             </a:br>
             <a:r>
-              <a:rPr lang="en-US" sz="1400" dirty="0"/>
-              <a:t>https://</a:t>
-            </a:r>
-            <a:r>
-              <a:rPr lang="en-US" sz="1400" dirty="0" err="1"/>
-              <a:t>github.com</a:t>
-            </a:r>
-            <a:r>
-              <a:rPr lang="en-US" sz="1400" dirty="0"/>
-              <a:t>/</a:t>
-            </a:r>
-            <a:r>
-              <a:rPr lang="en-US" sz="1400" dirty="0" err="1"/>
-              <a:t>elijahcw</a:t>
-            </a:r>
-            <a:r>
-              <a:rPr lang="en-US" sz="1400" dirty="0"/>
-              <a:t>-git/</a:t>
-            </a:r>
+              <a:rPr lang="en-US" sz="1400" dirty="0">
+                <a:hlinkClick r:id="rId2"/>
+              </a:rPr>
+              <a:t>https://github.com/elijahcw-git/ANA500-PFDS/tree/main/Microproject_1</a:t>
+            </a:r>
+            <a:endParaRPr lang="en-US" sz="1400" dirty="0"/>
           </a:p>
         </p:txBody>
       </p:sp>
@@ -7107,7 +7094,7 @@
           <p:nvPr/>
         </p:nvPicPr>
         <p:blipFill rotWithShape="1">
-          <a:blip r:embed="rId2"/>
+          <a:blip r:embed="rId3"/>
           <a:srcRect l="21761" r="26290" b="2"/>
           <a:stretch/>
         </p:blipFill>

--- a/Microproject_1/ElijahWalker_ANA500_MP1.pptx
+++ b/Microproject_1/ElijahWalker_ANA500_MP1.pptx
@@ -16,11 +16,20 @@
     <p:sldId id="271" r:id="rId10"/>
     <p:sldId id="272" r:id="rId11"/>
     <p:sldId id="259" r:id="rId12"/>
-    <p:sldId id="273" r:id="rId13"/>
-    <p:sldId id="260" r:id="rId14"/>
-    <p:sldId id="261" r:id="rId15"/>
-    <p:sldId id="262" r:id="rId16"/>
-    <p:sldId id="263" r:id="rId17"/>
+    <p:sldId id="260" r:id="rId13"/>
+    <p:sldId id="274" r:id="rId14"/>
+    <p:sldId id="277" r:id="rId15"/>
+    <p:sldId id="275" r:id="rId16"/>
+    <p:sldId id="276" r:id="rId17"/>
+    <p:sldId id="282" r:id="rId18"/>
+    <p:sldId id="278" r:id="rId19"/>
+    <p:sldId id="279" r:id="rId20"/>
+    <p:sldId id="280" r:id="rId21"/>
+    <p:sldId id="281" r:id="rId22"/>
+    <p:sldId id="273" r:id="rId23"/>
+    <p:sldId id="261" r:id="rId24"/>
+    <p:sldId id="262" r:id="rId25"/>
+    <p:sldId id="263" r:id="rId26"/>
   </p:sldIdLst>
   <p:sldSz cx="12192000" cy="6858000"/>
   <p:notesSz cx="6858000" cy="9144000"/>
@@ -3844,7 +3853,7 @@
           <a:p>
             <a:fld id="{3F52AFC1-4F45-459D-BC95-0F8F5E3A4294}" type="datetimeFigureOut">
               <a:rPr lang="en-US" smtClean="0"/>
-              <a:t>8/6/23</a:t>
+              <a:t>8/8/23</a:t>
             </a:fld>
             <a:endParaRPr lang="en-US"/>
           </a:p>
@@ -4042,7 +4051,7 @@
           <a:p>
             <a:fld id="{3F52AFC1-4F45-459D-BC95-0F8F5E3A4294}" type="datetimeFigureOut">
               <a:rPr lang="en-US" smtClean="0"/>
-              <a:t>8/6/23</a:t>
+              <a:t>8/8/23</a:t>
             </a:fld>
             <a:endParaRPr lang="en-US"/>
           </a:p>
@@ -4250,7 +4259,7 @@
           <a:p>
             <a:fld id="{3F52AFC1-4F45-459D-BC95-0F8F5E3A4294}" type="datetimeFigureOut">
               <a:rPr lang="en-US" smtClean="0"/>
-              <a:t>8/6/23</a:t>
+              <a:t>8/8/23</a:t>
             </a:fld>
             <a:endParaRPr lang="en-US"/>
           </a:p>
@@ -4448,7 +4457,7 @@
           <a:p>
             <a:fld id="{3F52AFC1-4F45-459D-BC95-0F8F5E3A4294}" type="datetimeFigureOut">
               <a:rPr lang="en-US" smtClean="0"/>
-              <a:t>8/6/23</a:t>
+              <a:t>8/8/23</a:t>
             </a:fld>
             <a:endParaRPr lang="en-US"/>
           </a:p>
@@ -4723,7 +4732,7 @@
           <a:p>
             <a:fld id="{3F52AFC1-4F45-459D-BC95-0F8F5E3A4294}" type="datetimeFigureOut">
               <a:rPr lang="en-US" smtClean="0"/>
-              <a:t>8/6/23</a:t>
+              <a:t>8/8/23</a:t>
             </a:fld>
             <a:endParaRPr lang="en-US"/>
           </a:p>
@@ -4988,7 +4997,7 @@
           <a:p>
             <a:fld id="{3F52AFC1-4F45-459D-BC95-0F8F5E3A4294}" type="datetimeFigureOut">
               <a:rPr lang="en-US" smtClean="0"/>
-              <a:t>8/6/23</a:t>
+              <a:t>8/8/23</a:t>
             </a:fld>
             <a:endParaRPr lang="en-US"/>
           </a:p>
@@ -5400,7 +5409,7 @@
           <a:p>
             <a:fld id="{3F52AFC1-4F45-459D-BC95-0F8F5E3A4294}" type="datetimeFigureOut">
               <a:rPr lang="en-US" smtClean="0"/>
-              <a:t>8/6/23</a:t>
+              <a:t>8/8/23</a:t>
             </a:fld>
             <a:endParaRPr lang="en-US"/>
           </a:p>
@@ -5541,7 +5550,7 @@
           <a:p>
             <a:fld id="{3F52AFC1-4F45-459D-BC95-0F8F5E3A4294}" type="datetimeFigureOut">
               <a:rPr lang="en-US" smtClean="0"/>
-              <a:t>8/6/23</a:t>
+              <a:t>8/8/23</a:t>
             </a:fld>
             <a:endParaRPr lang="en-US"/>
           </a:p>
@@ -5654,7 +5663,7 @@
           <a:p>
             <a:fld id="{3F52AFC1-4F45-459D-BC95-0F8F5E3A4294}" type="datetimeFigureOut">
               <a:rPr lang="en-US" smtClean="0"/>
-              <a:t>8/6/23</a:t>
+              <a:t>8/8/23</a:t>
             </a:fld>
             <a:endParaRPr lang="en-US"/>
           </a:p>
@@ -5965,7 +5974,7 @@
           <a:p>
             <a:fld id="{3F52AFC1-4F45-459D-BC95-0F8F5E3A4294}" type="datetimeFigureOut">
               <a:rPr lang="en-US" smtClean="0"/>
-              <a:t>8/6/23</a:t>
+              <a:t>8/8/23</a:t>
             </a:fld>
             <a:endParaRPr lang="en-US"/>
           </a:p>
@@ -6253,7 +6262,7 @@
           <a:p>
             <a:fld id="{3F52AFC1-4F45-459D-BC95-0F8F5E3A4294}" type="datetimeFigureOut">
               <a:rPr lang="en-US" smtClean="0"/>
-              <a:t>8/6/23</a:t>
+              <a:t>8/8/23</a:t>
             </a:fld>
             <a:endParaRPr lang="en-US"/>
           </a:p>
@@ -6494,7 +6503,7 @@
           <a:p>
             <a:fld id="{3F52AFC1-4F45-459D-BC95-0F8F5E3A4294}" type="datetimeFigureOut">
               <a:rPr lang="en-US" smtClean="0"/>
-              <a:t>8/6/23</a:t>
+              <a:t>8/8/23</a:t>
             </a:fld>
             <a:endParaRPr lang="en-US"/>
           </a:p>
@@ -8719,6 +8728,5550 @@
           <a:chExt cx="0" cy="0"/>
         </a:xfrm>
       </p:grpSpPr>
+      <p:sp useBgFill="1">
+        <p:nvSpPr>
+          <p:cNvPr id="20" name="Rectangle 19">
+            <a:extLst>
+              <a:ext uri="{FF2B5EF4-FFF2-40B4-BE49-F238E27FC236}">
+                <a16:creationId xmlns:a16="http://schemas.microsoft.com/office/drawing/2014/main" id="{32AEEBC8-9D30-42EF-95F2-386C2653FBF0}"/>
+              </a:ext>
+              <a:ext uri="{C183D7F6-B498-43B3-948B-1728B52AA6E4}">
+                <adec:decorative xmlns:adec="http://schemas.microsoft.com/office/drawing/2017/decorative" val="1"/>
+              </a:ext>
+            </a:extLst>
+          </p:cNvPr>
+          <p:cNvSpPr>
+            <a:spLocks noGrp="1" noRot="1" noChangeAspect="1" noMove="1" noResize="1" noEditPoints="1" noAdjustHandles="1" noChangeArrowheads="1" noChangeShapeType="1" noTextEdit="1"/>
+          </p:cNvSpPr>
+          <p:nvPr>
+            <p:extLst>
+              <p:ext uri="{386F3935-93C4-4BCD-93E2-E3B085C9AB24}">
+                <p16:designElem xmlns:p16="http://schemas.microsoft.com/office/powerpoint/2015/main" val="1"/>
+              </p:ext>
+            </p:extLst>
+          </p:nvPr>
+        </p:nvSpPr>
+        <p:spPr>
+          <a:xfrm>
+            <a:off x="0" y="0"/>
+            <a:ext cx="12192000" cy="6858000"/>
+          </a:xfrm>
+          <a:prstGeom prst="rect">
+            <a:avLst/>
+          </a:prstGeom>
+          <a:ln>
+            <a:noFill/>
+          </a:ln>
+        </p:spPr>
+        <p:style>
+          <a:lnRef idx="2">
+            <a:schemeClr val="accent1">
+              <a:shade val="50000"/>
+            </a:schemeClr>
+          </a:lnRef>
+          <a:fillRef idx="1">
+            <a:schemeClr val="accent1"/>
+          </a:fillRef>
+          <a:effectRef idx="0">
+            <a:schemeClr val="accent1"/>
+          </a:effectRef>
+          <a:fontRef idx="minor">
+            <a:schemeClr val="lt1"/>
+          </a:fontRef>
+        </p:style>
+        <p:txBody>
+          <a:bodyPr rtlCol="0" anchor="ctr"/>
+          <a:lstStyle/>
+          <a:p>
+            <a:pPr algn="ctr"/>
+            <a:endParaRPr lang="en-US"/>
+          </a:p>
+        </p:txBody>
+      </p:sp>
+      <p:sp>
+        <p:nvSpPr>
+          <p:cNvPr id="22" name="Freeform: Shape 21">
+            <a:extLst>
+              <a:ext uri="{FF2B5EF4-FFF2-40B4-BE49-F238E27FC236}">
+                <a16:creationId xmlns:a16="http://schemas.microsoft.com/office/drawing/2014/main" id="{3529E97A-97C3-40EA-8A04-5C02398D568F}"/>
+              </a:ext>
+              <a:ext uri="{C183D7F6-B498-43B3-948B-1728B52AA6E4}">
+                <adec:decorative xmlns:adec="http://schemas.microsoft.com/office/drawing/2017/decorative" val="1"/>
+              </a:ext>
+            </a:extLst>
+          </p:cNvPr>
+          <p:cNvSpPr>
+            <a:spLocks noGrp="1" noRot="1" noChangeAspect="1" noMove="1" noResize="1" noEditPoints="1" noAdjustHandles="1" noChangeArrowheads="1" noChangeShapeType="1" noTextEdit="1"/>
+          </p:cNvSpPr>
+          <p:nvPr>
+            <p:extLst>
+              <p:ext uri="{386F3935-93C4-4BCD-93E2-E3B085C9AB24}">
+                <p16:designElem xmlns:p16="http://schemas.microsoft.com/office/powerpoint/2015/main" val="1"/>
+              </p:ext>
+            </p:extLst>
+          </p:nvPr>
+        </p:nvSpPr>
+        <p:spPr>
+          <a:xfrm>
+            <a:off x="0" y="0"/>
+            <a:ext cx="12192000" cy="2877832"/>
+          </a:xfrm>
+          <a:custGeom>
+            <a:avLst/>
+            <a:gdLst>
+              <a:gd name="connsiteX0" fmla="*/ 6789701 w 12192000"/>
+              <a:gd name="connsiteY0" fmla="*/ 2809623 h 2877832"/>
+              <a:gd name="connsiteX1" fmla="*/ 6788702 w 12192000"/>
+              <a:gd name="connsiteY1" fmla="*/ 2809701 h 2877832"/>
+              <a:gd name="connsiteX2" fmla="*/ 6788476 w 12192000"/>
+              <a:gd name="connsiteY2" fmla="*/ 2810235 h 2877832"/>
+              <a:gd name="connsiteX3" fmla="*/ 0 w 12192000"/>
+              <a:gd name="connsiteY3" fmla="*/ 0 h 2877832"/>
+              <a:gd name="connsiteX4" fmla="*/ 12192000 w 12192000"/>
+              <a:gd name="connsiteY4" fmla="*/ 0 h 2877832"/>
+              <a:gd name="connsiteX5" fmla="*/ 12192000 w 12192000"/>
+              <a:gd name="connsiteY5" fmla="*/ 1915388 h 2877832"/>
+              <a:gd name="connsiteX6" fmla="*/ 12061096 w 12192000"/>
+              <a:gd name="connsiteY6" fmla="*/ 1954428 h 2877832"/>
+              <a:gd name="connsiteX7" fmla="*/ 11676800 w 12192000"/>
+              <a:gd name="connsiteY7" fmla="*/ 2058003 h 2877832"/>
+              <a:gd name="connsiteX8" fmla="*/ 10425355 w 12192000"/>
+              <a:gd name="connsiteY8" fmla="*/ 2341542 h 2877832"/>
+              <a:gd name="connsiteX9" fmla="*/ 9424022 w 12192000"/>
+              <a:gd name="connsiteY9" fmla="*/ 2516704 h 2877832"/>
+              <a:gd name="connsiteX10" fmla="*/ 8458419 w 12192000"/>
+              <a:gd name="connsiteY10" fmla="*/ 2650405 h 2877832"/>
+              <a:gd name="connsiteX11" fmla="*/ 7715970 w 12192000"/>
+              <a:gd name="connsiteY11" fmla="*/ 2730352 h 2877832"/>
+              <a:gd name="connsiteX12" fmla="*/ 6951716 w 12192000"/>
+              <a:gd name="connsiteY12" fmla="*/ 2796132 h 2877832"/>
+              <a:gd name="connsiteX13" fmla="*/ 6936303 w 12192000"/>
+              <a:gd name="connsiteY13" fmla="*/ 2798203 h 2877832"/>
+              <a:gd name="connsiteX14" fmla="*/ 6790448 w 12192000"/>
+              <a:gd name="connsiteY14" fmla="*/ 2809564 h 2877832"/>
+              <a:gd name="connsiteX15" fmla="*/ 6799941 w 12192000"/>
+              <a:gd name="connsiteY15" fmla="*/ 2811384 h 2877832"/>
+              <a:gd name="connsiteX16" fmla="*/ 6835432 w 12192000"/>
+              <a:gd name="connsiteY16" fmla="*/ 2809677 h 2877832"/>
+              <a:gd name="connsiteX17" fmla="*/ 6884003 w 12192000"/>
+              <a:gd name="connsiteY17" fmla="*/ 2806699 h 2877832"/>
+              <a:gd name="connsiteX18" fmla="*/ 7578771 w 12192000"/>
+              <a:gd name="connsiteY18" fmla="*/ 2774172 h 2877832"/>
+              <a:gd name="connsiteX19" fmla="*/ 8623845 w 12192000"/>
+              <a:gd name="connsiteY19" fmla="*/ 2687275 h 2877832"/>
+              <a:gd name="connsiteX20" fmla="*/ 9479970 w 12192000"/>
+              <a:gd name="connsiteY20" fmla="*/ 2583369 h 2877832"/>
+              <a:gd name="connsiteX21" fmla="*/ 10629308 w 12192000"/>
+              <a:gd name="connsiteY21" fmla="*/ 2389212 h 2877832"/>
+              <a:gd name="connsiteX22" fmla="*/ 11998498 w 12192000"/>
+              <a:gd name="connsiteY22" fmla="*/ 2063218 h 2877832"/>
+              <a:gd name="connsiteX23" fmla="*/ 12192000 w 12192000"/>
+              <a:gd name="connsiteY23" fmla="*/ 2006219 h 2877832"/>
+              <a:gd name="connsiteX24" fmla="*/ 12192000 w 12192000"/>
+              <a:gd name="connsiteY24" fmla="*/ 2060956 h 2877832"/>
+              <a:gd name="connsiteX25" fmla="*/ 11829257 w 12192000"/>
+              <a:gd name="connsiteY25" fmla="*/ 2166255 h 2877832"/>
+              <a:gd name="connsiteX26" fmla="*/ 10939183 w 12192000"/>
+              <a:gd name="connsiteY26" fmla="*/ 2380770 h 2877832"/>
+              <a:gd name="connsiteX27" fmla="*/ 9985530 w 12192000"/>
+              <a:gd name="connsiteY27" fmla="*/ 2560775 h 2877832"/>
+              <a:gd name="connsiteX28" fmla="*/ 9186882 w 12192000"/>
+              <a:gd name="connsiteY28" fmla="*/ 2676722 h 2877832"/>
+              <a:gd name="connsiteX29" fmla="*/ 8578198 w 12192000"/>
+              <a:gd name="connsiteY29" fmla="*/ 2746241 h 2877832"/>
+              <a:gd name="connsiteX30" fmla="*/ 7864358 w 12192000"/>
+              <a:gd name="connsiteY30" fmla="*/ 2807692 h 2877832"/>
+              <a:gd name="connsiteX31" fmla="*/ 6935502 w 12192000"/>
+              <a:gd name="connsiteY31" fmla="*/ 2859086 h 2877832"/>
+              <a:gd name="connsiteX32" fmla="*/ 6477750 w 12192000"/>
+              <a:gd name="connsiteY32" fmla="*/ 2872989 h 2877832"/>
+              <a:gd name="connsiteX33" fmla="*/ 6362294 w 12192000"/>
+              <a:gd name="connsiteY33" fmla="*/ 2877832 h 2877832"/>
+              <a:gd name="connsiteX34" fmla="*/ 6057129 w 12192000"/>
+              <a:gd name="connsiteY34" fmla="*/ 2877832 h 2877832"/>
+              <a:gd name="connsiteX35" fmla="*/ 5977784 w 12192000"/>
+              <a:gd name="connsiteY35" fmla="*/ 2873238 h 2877832"/>
+              <a:gd name="connsiteX36" fmla="*/ 5265087 w 12192000"/>
+              <a:gd name="connsiteY36" fmla="*/ 2836989 h 2877832"/>
+              <a:gd name="connsiteX37" fmla="*/ 4346277 w 12192000"/>
+              <a:gd name="connsiteY37" fmla="*/ 2774919 h 2877832"/>
+              <a:gd name="connsiteX38" fmla="*/ 3373045 w 12192000"/>
+              <a:gd name="connsiteY38" fmla="*/ 2676350 h 2877832"/>
+              <a:gd name="connsiteX39" fmla="*/ 2362173 w 12192000"/>
+              <a:gd name="connsiteY39" fmla="*/ 2557423 h 2877832"/>
+              <a:gd name="connsiteX40" fmla="*/ 1233178 w 12192000"/>
+              <a:gd name="connsiteY40" fmla="*/ 2384247 h 2877832"/>
+              <a:gd name="connsiteX41" fmla="*/ 68500 w 12192000"/>
+              <a:gd name="connsiteY41" fmla="*/ 2144540 h 2877832"/>
+              <a:gd name="connsiteX42" fmla="*/ 0 w 12192000"/>
+              <a:gd name="connsiteY42" fmla="*/ 2127185 h 2877832"/>
+              <a:gd name="connsiteX43" fmla="*/ 0 w 12192000"/>
+              <a:gd name="connsiteY43" fmla="*/ 2070696 h 2877832"/>
+              <a:gd name="connsiteX44" fmla="*/ 72441 w 12192000"/>
+              <a:gd name="connsiteY44" fmla="*/ 2089473 h 2877832"/>
+              <a:gd name="connsiteX45" fmla="*/ 600716 w 12192000"/>
+              <a:gd name="connsiteY45" fmla="*/ 2207843 h 2877832"/>
+              <a:gd name="connsiteX46" fmla="*/ 1769512 w 12192000"/>
+              <a:gd name="connsiteY46" fmla="*/ 2418011 h 2877832"/>
+              <a:gd name="connsiteX47" fmla="*/ 2613554 w 12192000"/>
+              <a:gd name="connsiteY47" fmla="*/ 2534953 h 2877832"/>
+              <a:gd name="connsiteX48" fmla="*/ 2581134 w 12192000"/>
+              <a:gd name="connsiteY48" fmla="*/ 2525022 h 2877832"/>
+              <a:gd name="connsiteX49" fmla="*/ 1112635 w 12192000"/>
+              <a:gd name="connsiteY49" fmla="*/ 2192325 h 2877832"/>
+              <a:gd name="connsiteX50" fmla="*/ 420412 w 12192000"/>
+              <a:gd name="connsiteY50" fmla="*/ 1992892 h 2877832"/>
+              <a:gd name="connsiteX51" fmla="*/ 0 w 12192000"/>
+              <a:gd name="connsiteY51" fmla="*/ 1853975 h 2877832"/>
+            </a:gdLst>
+            <a:ahLst/>
+            <a:cxnLst>
+              <a:cxn ang="0">
+                <a:pos x="connsiteX0" y="connsiteY0"/>
+              </a:cxn>
+              <a:cxn ang="0">
+                <a:pos x="connsiteX1" y="connsiteY1"/>
+              </a:cxn>
+              <a:cxn ang="0">
+                <a:pos x="connsiteX2" y="connsiteY2"/>
+              </a:cxn>
+              <a:cxn ang="0">
+                <a:pos x="connsiteX3" y="connsiteY3"/>
+              </a:cxn>
+              <a:cxn ang="0">
+                <a:pos x="connsiteX4" y="connsiteY4"/>
+              </a:cxn>
+              <a:cxn ang="0">
+                <a:pos x="connsiteX5" y="connsiteY5"/>
+              </a:cxn>
+              <a:cxn ang="0">
+                <a:pos x="connsiteX6" y="connsiteY6"/>
+              </a:cxn>
+              <a:cxn ang="0">
+                <a:pos x="connsiteX7" y="connsiteY7"/>
+              </a:cxn>
+              <a:cxn ang="0">
+                <a:pos x="connsiteX8" y="connsiteY8"/>
+              </a:cxn>
+              <a:cxn ang="0">
+                <a:pos x="connsiteX9" y="connsiteY9"/>
+              </a:cxn>
+              <a:cxn ang="0">
+                <a:pos x="connsiteX10" y="connsiteY10"/>
+              </a:cxn>
+              <a:cxn ang="0">
+                <a:pos x="connsiteX11" y="connsiteY11"/>
+              </a:cxn>
+              <a:cxn ang="0">
+                <a:pos x="connsiteX12" y="connsiteY12"/>
+              </a:cxn>
+              <a:cxn ang="0">
+                <a:pos x="connsiteX13" y="connsiteY13"/>
+              </a:cxn>
+              <a:cxn ang="0">
+                <a:pos x="connsiteX14" y="connsiteY14"/>
+              </a:cxn>
+              <a:cxn ang="0">
+                <a:pos x="connsiteX15" y="connsiteY15"/>
+              </a:cxn>
+              <a:cxn ang="0">
+                <a:pos x="connsiteX16" y="connsiteY16"/>
+              </a:cxn>
+              <a:cxn ang="0">
+                <a:pos x="connsiteX17" y="connsiteY17"/>
+              </a:cxn>
+              <a:cxn ang="0">
+                <a:pos x="connsiteX18" y="connsiteY18"/>
+              </a:cxn>
+              <a:cxn ang="0">
+                <a:pos x="connsiteX19" y="connsiteY19"/>
+              </a:cxn>
+              <a:cxn ang="0">
+                <a:pos x="connsiteX20" y="connsiteY20"/>
+              </a:cxn>
+              <a:cxn ang="0">
+                <a:pos x="connsiteX21" y="connsiteY21"/>
+              </a:cxn>
+              <a:cxn ang="0">
+                <a:pos x="connsiteX22" y="connsiteY22"/>
+              </a:cxn>
+              <a:cxn ang="0">
+                <a:pos x="connsiteX23" y="connsiteY23"/>
+              </a:cxn>
+              <a:cxn ang="0">
+                <a:pos x="connsiteX24" y="connsiteY24"/>
+              </a:cxn>
+              <a:cxn ang="0">
+                <a:pos x="connsiteX25" y="connsiteY25"/>
+              </a:cxn>
+              <a:cxn ang="0">
+                <a:pos x="connsiteX26" y="connsiteY26"/>
+              </a:cxn>
+              <a:cxn ang="0">
+                <a:pos x="connsiteX27" y="connsiteY27"/>
+              </a:cxn>
+              <a:cxn ang="0">
+                <a:pos x="connsiteX28" y="connsiteY28"/>
+              </a:cxn>
+              <a:cxn ang="0">
+                <a:pos x="connsiteX29" y="connsiteY29"/>
+              </a:cxn>
+              <a:cxn ang="0">
+                <a:pos x="connsiteX30" y="connsiteY30"/>
+              </a:cxn>
+              <a:cxn ang="0">
+                <a:pos x="connsiteX31" y="connsiteY31"/>
+              </a:cxn>
+              <a:cxn ang="0">
+                <a:pos x="connsiteX32" y="connsiteY32"/>
+              </a:cxn>
+              <a:cxn ang="0">
+                <a:pos x="connsiteX33" y="connsiteY33"/>
+              </a:cxn>
+              <a:cxn ang="0">
+                <a:pos x="connsiteX34" y="connsiteY34"/>
+              </a:cxn>
+              <a:cxn ang="0">
+                <a:pos x="connsiteX35" y="connsiteY35"/>
+              </a:cxn>
+              <a:cxn ang="0">
+                <a:pos x="connsiteX36" y="connsiteY36"/>
+              </a:cxn>
+              <a:cxn ang="0">
+                <a:pos x="connsiteX37" y="connsiteY37"/>
+              </a:cxn>
+              <a:cxn ang="0">
+                <a:pos x="connsiteX38" y="connsiteY38"/>
+              </a:cxn>
+              <a:cxn ang="0">
+                <a:pos x="connsiteX39" y="connsiteY39"/>
+              </a:cxn>
+              <a:cxn ang="0">
+                <a:pos x="connsiteX40" y="connsiteY40"/>
+              </a:cxn>
+              <a:cxn ang="0">
+                <a:pos x="connsiteX41" y="connsiteY41"/>
+              </a:cxn>
+              <a:cxn ang="0">
+                <a:pos x="connsiteX42" y="connsiteY42"/>
+              </a:cxn>
+              <a:cxn ang="0">
+                <a:pos x="connsiteX43" y="connsiteY43"/>
+              </a:cxn>
+              <a:cxn ang="0">
+                <a:pos x="connsiteX44" y="connsiteY44"/>
+              </a:cxn>
+              <a:cxn ang="0">
+                <a:pos x="connsiteX45" y="connsiteY45"/>
+              </a:cxn>
+              <a:cxn ang="0">
+                <a:pos x="connsiteX46" y="connsiteY46"/>
+              </a:cxn>
+              <a:cxn ang="0">
+                <a:pos x="connsiteX47" y="connsiteY47"/>
+              </a:cxn>
+              <a:cxn ang="0">
+                <a:pos x="connsiteX48" y="connsiteY48"/>
+              </a:cxn>
+              <a:cxn ang="0">
+                <a:pos x="connsiteX49" y="connsiteY49"/>
+              </a:cxn>
+              <a:cxn ang="0">
+                <a:pos x="connsiteX50" y="connsiteY50"/>
+              </a:cxn>
+              <a:cxn ang="0">
+                <a:pos x="connsiteX51" y="connsiteY51"/>
+              </a:cxn>
+            </a:cxnLst>
+            <a:rect l="l" t="t" r="r" b="b"/>
+            <a:pathLst>
+              <a:path w="12192000" h="2877832">
+                <a:moveTo>
+                  <a:pt x="6789701" y="2809623"/>
+                </a:moveTo>
+                <a:lnTo>
+                  <a:pt x="6788702" y="2809701"/>
+                </a:lnTo>
+                <a:lnTo>
+                  <a:pt x="6788476" y="2810235"/>
+                </a:lnTo>
+                <a:close/>
+                <a:moveTo>
+                  <a:pt x="0" y="0"/>
+                </a:moveTo>
+                <a:lnTo>
+                  <a:pt x="12192000" y="0"/>
+                </a:lnTo>
+                <a:lnTo>
+                  <a:pt x="12192000" y="1915388"/>
+                </a:lnTo>
+                <a:lnTo>
+                  <a:pt x="12061096" y="1954428"/>
+                </a:lnTo>
+                <a:cubicBezTo>
+                  <a:pt x="11933500" y="1990642"/>
+                  <a:pt x="11805390" y="2025171"/>
+                  <a:pt x="11676800" y="2058003"/>
+                </a:cubicBezTo>
+                <a:cubicBezTo>
+                  <a:pt x="11262789" y="2165510"/>
+                  <a:pt x="10845343" y="2259112"/>
+                  <a:pt x="10425355" y="2341542"/>
+                </a:cubicBezTo>
+                <a:cubicBezTo>
+                  <a:pt x="10092810" y="2406753"/>
+                  <a:pt x="9759033" y="2465150"/>
+                  <a:pt x="9424022" y="2516704"/>
+                </a:cubicBezTo>
+                <a:cubicBezTo>
+                  <a:pt x="9102997" y="2566361"/>
+                  <a:pt x="8781133" y="2610928"/>
+                  <a:pt x="8458419" y="2650405"/>
+                </a:cubicBezTo>
+                <a:cubicBezTo>
+                  <a:pt x="8211360" y="2680571"/>
+                  <a:pt x="7963792" y="2706144"/>
+                  <a:pt x="7715970" y="2730352"/>
+                </a:cubicBezTo>
+                <a:lnTo>
+                  <a:pt x="6951716" y="2796132"/>
+                </a:lnTo>
+                <a:lnTo>
+                  <a:pt x="6936303" y="2798203"/>
+                </a:lnTo>
+                <a:lnTo>
+                  <a:pt x="6790448" y="2809564"/>
+                </a:lnTo>
+                <a:lnTo>
+                  <a:pt x="6799941" y="2811384"/>
+                </a:lnTo>
+                <a:cubicBezTo>
+                  <a:pt x="6811623" y="2811850"/>
+                  <a:pt x="6823734" y="2809677"/>
+                  <a:pt x="6835432" y="2809677"/>
+                </a:cubicBezTo>
+                <a:cubicBezTo>
+                  <a:pt x="6851580" y="2809677"/>
+                  <a:pt x="6867729" y="2807070"/>
+                  <a:pt x="6884003" y="2806699"/>
+                </a:cubicBezTo>
+                <a:cubicBezTo>
+                  <a:pt x="7115805" y="2801237"/>
+                  <a:pt x="7347351" y="2789070"/>
+                  <a:pt x="7578771" y="2774172"/>
+                </a:cubicBezTo>
+                <a:cubicBezTo>
+                  <a:pt x="7927552" y="2751704"/>
+                  <a:pt x="8276080" y="2723525"/>
+                  <a:pt x="8623845" y="2687275"/>
+                </a:cubicBezTo>
+                <a:cubicBezTo>
+                  <a:pt x="8909939" y="2657977"/>
+                  <a:pt x="9195310" y="2623342"/>
+                  <a:pt x="9479970" y="2583369"/>
+                </a:cubicBezTo>
+                <a:cubicBezTo>
+                  <a:pt x="9864901" y="2528995"/>
+                  <a:pt x="10248014" y="2464281"/>
+                  <a:pt x="10629308" y="2389212"/>
+                </a:cubicBezTo>
+                <a:cubicBezTo>
+                  <a:pt x="11090114" y="2298092"/>
+                  <a:pt x="11546975" y="2190586"/>
+                  <a:pt x="11998498" y="2063218"/>
+                </a:cubicBezTo>
+                <a:lnTo>
+                  <a:pt x="12192000" y="2006219"/>
+                </a:lnTo>
+                <a:lnTo>
+                  <a:pt x="12192000" y="2060956"/>
+                </a:lnTo>
+                <a:lnTo>
+                  <a:pt x="11829257" y="2166255"/>
+                </a:lnTo>
+                <a:cubicBezTo>
+                  <a:pt x="11534769" y="2245952"/>
+                  <a:pt x="11238120" y="2316838"/>
+                  <a:pt x="10939183" y="2380770"/>
+                </a:cubicBezTo>
+                <a:cubicBezTo>
+                  <a:pt x="10622824" y="2448552"/>
+                  <a:pt x="10304941" y="2508549"/>
+                  <a:pt x="9985530" y="2560775"/>
+                </a:cubicBezTo>
+                <a:cubicBezTo>
+                  <a:pt x="9720036" y="2604224"/>
+                  <a:pt x="9453814" y="2642869"/>
+                  <a:pt x="9186882" y="2676722"/>
+                </a:cubicBezTo>
+                <a:cubicBezTo>
+                  <a:pt x="8984197" y="2702296"/>
+                  <a:pt x="8781514" y="2726379"/>
+                  <a:pt x="8578198" y="2746241"/>
+                </a:cubicBezTo>
+                <a:cubicBezTo>
+                  <a:pt x="8340547" y="2768961"/>
+                  <a:pt x="8102644" y="2790436"/>
+                  <a:pt x="7864358" y="2807692"/>
+                </a:cubicBezTo>
+                <a:cubicBezTo>
+                  <a:pt x="7554994" y="2830036"/>
+                  <a:pt x="7245502" y="2847914"/>
+                  <a:pt x="6935502" y="2859086"/>
+                </a:cubicBezTo>
+                <a:cubicBezTo>
+                  <a:pt x="6782917" y="2864549"/>
+                  <a:pt x="6630334" y="2868397"/>
+                  <a:pt x="6477750" y="2872989"/>
+                </a:cubicBezTo>
+                <a:cubicBezTo>
+                  <a:pt x="6439195" y="2870905"/>
+                  <a:pt x="6400529" y="2872530"/>
+                  <a:pt x="6362294" y="2877832"/>
+                </a:cubicBezTo>
+                <a:lnTo>
+                  <a:pt x="6057129" y="2877832"/>
+                </a:lnTo>
+                <a:lnTo>
+                  <a:pt x="5977784" y="2873238"/>
+                </a:lnTo>
+                <a:cubicBezTo>
+                  <a:pt x="5740261" y="2860825"/>
+                  <a:pt x="5502739" y="2847046"/>
+                  <a:pt x="5265087" y="2836989"/>
+                </a:cubicBezTo>
+                <a:cubicBezTo>
+                  <a:pt x="4958267" y="2824573"/>
+                  <a:pt x="4651826" y="2804093"/>
+                  <a:pt x="4346277" y="2774919"/>
+                </a:cubicBezTo>
+                <a:cubicBezTo>
+                  <a:pt x="4021654" y="2744007"/>
+                  <a:pt x="3697795" y="2709372"/>
+                  <a:pt x="3373045" y="2676350"/>
+                </a:cubicBezTo>
+                <a:cubicBezTo>
+                  <a:pt x="3035412" y="2642088"/>
+                  <a:pt x="2698456" y="2602449"/>
+                  <a:pt x="2362173" y="2557423"/>
+                </a:cubicBezTo>
+                <a:cubicBezTo>
+                  <a:pt x="1984692" y="2507270"/>
+                  <a:pt x="1608364" y="2449544"/>
+                  <a:pt x="1233178" y="2384247"/>
+                </a:cubicBezTo>
+                <a:cubicBezTo>
+                  <a:pt x="842181" y="2315534"/>
+                  <a:pt x="453758" y="2237046"/>
+                  <a:pt x="68500" y="2144540"/>
+                </a:cubicBezTo>
+                <a:lnTo>
+                  <a:pt x="0" y="2127185"/>
+                </a:lnTo>
+                <a:lnTo>
+                  <a:pt x="0" y="2070696"/>
+                </a:lnTo>
+                <a:lnTo>
+                  <a:pt x="72441" y="2089473"/>
+                </a:lnTo>
+                <a:cubicBezTo>
+                  <a:pt x="247961" y="2131651"/>
+                  <a:pt x="424164" y="2170911"/>
+                  <a:pt x="600716" y="2207843"/>
+                </a:cubicBezTo>
+                <a:cubicBezTo>
+                  <a:pt x="988279" y="2288657"/>
+                  <a:pt x="1378133" y="2357555"/>
+                  <a:pt x="1769512" y="2418011"/>
+                </a:cubicBezTo>
+                <a:cubicBezTo>
+                  <a:pt x="2052426" y="2461587"/>
+                  <a:pt x="2335725" y="2501684"/>
+                  <a:pt x="2613554" y="2534953"/>
+                </a:cubicBezTo>
+                <a:cubicBezTo>
+                  <a:pt x="2605544" y="2537560"/>
+                  <a:pt x="2594611" y="2527504"/>
+                  <a:pt x="2581134" y="2525022"/>
+                </a:cubicBezTo>
+                <a:cubicBezTo>
+                  <a:pt x="2087178" y="2433070"/>
+                  <a:pt x="1597684" y="2322177"/>
+                  <a:pt x="1112635" y="2192325"/>
+                </a:cubicBezTo>
+                <a:cubicBezTo>
+                  <a:pt x="880453" y="2130254"/>
+                  <a:pt x="649713" y="2063776"/>
+                  <a:pt x="420412" y="1992892"/>
+                </a:cubicBezTo>
+                <a:lnTo>
+                  <a:pt x="0" y="1853975"/>
+                </a:lnTo>
+                <a:close/>
+              </a:path>
+            </a:pathLst>
+          </a:custGeom>
+          <a:solidFill>
+            <a:schemeClr val="accent2"/>
+          </a:solidFill>
+          <a:ln>
+            <a:noFill/>
+          </a:ln>
+        </p:spPr>
+        <p:style>
+          <a:lnRef idx="2">
+            <a:schemeClr val="accent1">
+              <a:shade val="50000"/>
+            </a:schemeClr>
+          </a:lnRef>
+          <a:fillRef idx="1">
+            <a:schemeClr val="accent1"/>
+          </a:fillRef>
+          <a:effectRef idx="0">
+            <a:schemeClr val="accent1"/>
+          </a:effectRef>
+          <a:fontRef idx="minor">
+            <a:schemeClr val="lt1"/>
+          </a:fontRef>
+        </p:style>
+        <p:txBody>
+          <a:bodyPr wrap="square" rtlCol="0" anchor="ctr">
+            <a:noAutofit/>
+          </a:bodyPr>
+          <a:lstStyle/>
+          <a:p>
+            <a:pPr algn="ctr"/>
+            <a:endParaRPr lang="en-US"/>
+          </a:p>
+        </p:txBody>
+      </p:sp>
+      <p:sp>
+        <p:nvSpPr>
+          <p:cNvPr id="2" name="Title 1">
+            <a:extLst>
+              <a:ext uri="{FF2B5EF4-FFF2-40B4-BE49-F238E27FC236}">
+                <a16:creationId xmlns:a16="http://schemas.microsoft.com/office/drawing/2014/main" id="{DB2A7252-6823-44F9-B464-D7A15D12BB65}"/>
+              </a:ext>
+            </a:extLst>
+          </p:cNvPr>
+          <p:cNvSpPr>
+            <a:spLocks noGrp="1"/>
+          </p:cNvSpPr>
+          <p:nvPr>
+            <p:ph type="title"/>
+          </p:nvPr>
+        </p:nvSpPr>
+        <p:spPr>
+          <a:xfrm>
+            <a:off x="630936" y="630936"/>
+            <a:ext cx="3599688" cy="1463040"/>
+          </a:xfrm>
+        </p:spPr>
+        <p:txBody>
+          <a:bodyPr anchor="ctr">
+            <a:normAutofit/>
+          </a:bodyPr>
+          <a:lstStyle/>
+          <a:p>
+            <a:r>
+              <a:rPr lang="en-US" sz="4800" dirty="0">
+                <a:solidFill>
+                  <a:srgbClr val="FFFFFF"/>
+                </a:solidFill>
+              </a:rPr>
+              <a:t>Prepare</a:t>
+            </a:r>
+          </a:p>
+        </p:txBody>
+      </p:sp>
+      <p:sp>
+        <p:nvSpPr>
+          <p:cNvPr id="24" name="sketch line">
+            <a:extLst>
+              <a:ext uri="{FF2B5EF4-FFF2-40B4-BE49-F238E27FC236}">
+                <a16:creationId xmlns:a16="http://schemas.microsoft.com/office/drawing/2014/main" id="{59FA8C2E-A5A7-4490-927A-7CD58343EDBB}"/>
+              </a:ext>
+              <a:ext uri="{C183D7F6-B498-43B3-948B-1728B52AA6E4}">
+                <adec:decorative xmlns:adec="http://schemas.microsoft.com/office/drawing/2017/decorative" val="1"/>
+              </a:ext>
+            </a:extLst>
+          </p:cNvPr>
+          <p:cNvSpPr>
+            <a:spLocks noGrp="1" noRot="1" noChangeAspect="1" noMove="1" noResize="1" noEditPoints="1" noAdjustHandles="1" noChangeArrowheads="1" noChangeShapeType="1" noTextEdit="1"/>
+          </p:cNvSpPr>
+          <p:nvPr>
+            <p:extLst>
+              <p:ext uri="{386F3935-93C4-4BCD-93E2-E3B085C9AB24}">
+                <p16:designElem xmlns:p16="http://schemas.microsoft.com/office/powerpoint/2015/main" val="1"/>
+              </p:ext>
+            </p:extLst>
+          </p:nvPr>
+        </p:nvSpPr>
+        <p:spPr>
+          <a:xfrm rot="5400000">
+            <a:off x="3566159" y="1353312"/>
+            <a:ext cx="1554480" cy="18288"/>
+          </a:xfrm>
+          <a:custGeom>
+            <a:avLst/>
+            <a:gdLst>
+              <a:gd name="connsiteX0" fmla="*/ 0 w 1554480"/>
+              <a:gd name="connsiteY0" fmla="*/ 0 h 18288"/>
+              <a:gd name="connsiteX1" fmla="*/ 549250 w 1554480"/>
+              <a:gd name="connsiteY1" fmla="*/ 0 h 18288"/>
+              <a:gd name="connsiteX2" fmla="*/ 1082954 w 1554480"/>
+              <a:gd name="connsiteY2" fmla="*/ 0 h 18288"/>
+              <a:gd name="connsiteX3" fmla="*/ 1554480 w 1554480"/>
+              <a:gd name="connsiteY3" fmla="*/ 0 h 18288"/>
+              <a:gd name="connsiteX4" fmla="*/ 1554480 w 1554480"/>
+              <a:gd name="connsiteY4" fmla="*/ 18288 h 18288"/>
+              <a:gd name="connsiteX5" fmla="*/ 1067410 w 1554480"/>
+              <a:gd name="connsiteY5" fmla="*/ 18288 h 18288"/>
+              <a:gd name="connsiteX6" fmla="*/ 549250 w 1554480"/>
+              <a:gd name="connsiteY6" fmla="*/ 18288 h 18288"/>
+              <a:gd name="connsiteX7" fmla="*/ 0 w 1554480"/>
+              <a:gd name="connsiteY7" fmla="*/ 18288 h 18288"/>
+              <a:gd name="connsiteX8" fmla="*/ 0 w 1554480"/>
+              <a:gd name="connsiteY8" fmla="*/ 0 h 18288"/>
+            </a:gdLst>
+            <a:ahLst/>
+            <a:cxnLst>
+              <a:cxn ang="0">
+                <a:pos x="connsiteX0" y="connsiteY0"/>
+              </a:cxn>
+              <a:cxn ang="0">
+                <a:pos x="connsiteX1" y="connsiteY1"/>
+              </a:cxn>
+              <a:cxn ang="0">
+                <a:pos x="connsiteX2" y="connsiteY2"/>
+              </a:cxn>
+              <a:cxn ang="0">
+                <a:pos x="connsiteX3" y="connsiteY3"/>
+              </a:cxn>
+              <a:cxn ang="0">
+                <a:pos x="connsiteX4" y="connsiteY4"/>
+              </a:cxn>
+              <a:cxn ang="0">
+                <a:pos x="connsiteX5" y="connsiteY5"/>
+              </a:cxn>
+              <a:cxn ang="0">
+                <a:pos x="connsiteX6" y="connsiteY6"/>
+              </a:cxn>
+              <a:cxn ang="0">
+                <a:pos x="connsiteX7" y="connsiteY7"/>
+              </a:cxn>
+              <a:cxn ang="0">
+                <a:pos x="connsiteX8" y="connsiteY8"/>
+              </a:cxn>
+            </a:cxnLst>
+            <a:rect l="l" t="t" r="r" b="b"/>
+            <a:pathLst>
+              <a:path w="1554480" h="18288" fill="none" extrusionOk="0">
+                <a:moveTo>
+                  <a:pt x="0" y="0"/>
+                </a:moveTo>
+                <a:cubicBezTo>
+                  <a:pt x="114141" y="-19864"/>
+                  <a:pt x="345055" y="-1657"/>
+                  <a:pt x="549250" y="0"/>
+                </a:cubicBezTo>
+                <a:cubicBezTo>
+                  <a:pt x="753445" y="1657"/>
+                  <a:pt x="862292" y="-5674"/>
+                  <a:pt x="1082954" y="0"/>
+                </a:cubicBezTo>
+                <a:cubicBezTo>
+                  <a:pt x="1303616" y="5674"/>
+                  <a:pt x="1363530" y="4537"/>
+                  <a:pt x="1554480" y="0"/>
+                </a:cubicBezTo>
+                <a:cubicBezTo>
+                  <a:pt x="1554963" y="7176"/>
+                  <a:pt x="1553909" y="13682"/>
+                  <a:pt x="1554480" y="18288"/>
+                </a:cubicBezTo>
+                <a:cubicBezTo>
+                  <a:pt x="1338847" y="6127"/>
+                  <a:pt x="1215066" y="37851"/>
+                  <a:pt x="1067410" y="18288"/>
+                </a:cubicBezTo>
+                <a:cubicBezTo>
+                  <a:pt x="919754" y="-1275"/>
+                  <a:pt x="800465" y="3080"/>
+                  <a:pt x="549250" y="18288"/>
+                </a:cubicBezTo>
+                <a:cubicBezTo>
+                  <a:pt x="298035" y="33496"/>
+                  <a:pt x="158868" y="22769"/>
+                  <a:pt x="0" y="18288"/>
+                </a:cubicBezTo>
+                <a:cubicBezTo>
+                  <a:pt x="-655" y="13237"/>
+                  <a:pt x="709" y="4645"/>
+                  <a:pt x="0" y="0"/>
+                </a:cubicBezTo>
+                <a:close/>
+              </a:path>
+              <a:path w="1554480" h="18288" stroke="0" extrusionOk="0">
+                <a:moveTo>
+                  <a:pt x="0" y="0"/>
+                </a:moveTo>
+                <a:cubicBezTo>
+                  <a:pt x="249941" y="-58"/>
+                  <a:pt x="367334" y="23448"/>
+                  <a:pt x="502615" y="0"/>
+                </a:cubicBezTo>
+                <a:cubicBezTo>
+                  <a:pt x="637897" y="-23448"/>
+                  <a:pt x="813653" y="-20418"/>
+                  <a:pt x="974141" y="0"/>
+                </a:cubicBezTo>
+                <a:cubicBezTo>
+                  <a:pt x="1134629" y="20418"/>
+                  <a:pt x="1268772" y="6288"/>
+                  <a:pt x="1554480" y="0"/>
+                </a:cubicBezTo>
+                <a:cubicBezTo>
+                  <a:pt x="1554917" y="7222"/>
+                  <a:pt x="1555359" y="13299"/>
+                  <a:pt x="1554480" y="18288"/>
+                </a:cubicBezTo>
+                <a:cubicBezTo>
+                  <a:pt x="1336087" y="12172"/>
+                  <a:pt x="1310024" y="19759"/>
+                  <a:pt x="1067410" y="18288"/>
+                </a:cubicBezTo>
+                <a:cubicBezTo>
+                  <a:pt x="824796" y="16818"/>
+                  <a:pt x="787902" y="34647"/>
+                  <a:pt x="518160" y="18288"/>
+                </a:cubicBezTo>
+                <a:cubicBezTo>
+                  <a:pt x="248418" y="1930"/>
+                  <a:pt x="133160" y="9205"/>
+                  <a:pt x="0" y="18288"/>
+                </a:cubicBezTo>
+                <a:cubicBezTo>
+                  <a:pt x="-643" y="9451"/>
+                  <a:pt x="-340" y="7114"/>
+                  <a:pt x="0" y="0"/>
+                </a:cubicBezTo>
+                <a:close/>
+              </a:path>
+            </a:pathLst>
+          </a:custGeom>
+          <a:solidFill>
+            <a:srgbClr val="FFFFFF"/>
+          </a:solidFill>
+          <a:ln w="41275" cap="rnd">
+            <a:solidFill>
+              <a:srgbClr val="FFFFFF"/>
+            </a:solidFill>
+            <a:round/>
+            <a:extLst>
+              <a:ext uri="{C807C97D-BFC1-408E-A445-0C87EB9F89A2}">
+                <ask:lineSketchStyleProps xmlns:ask="http://schemas.microsoft.com/office/drawing/2018/sketchyshapes" sd="1219033472">
+                  <a:prstGeom prst="rect">
+                    <a:avLst/>
+                  </a:prstGeom>
+                  <ask:type>
+                    <ask:lineSketchFreehand/>
+                  </ask:type>
+                </ask:lineSketchStyleProps>
+              </a:ext>
+            </a:extLst>
+          </a:ln>
+        </p:spPr>
+        <p:style>
+          <a:lnRef idx="2">
+            <a:schemeClr val="accent1">
+              <a:shade val="50000"/>
+            </a:schemeClr>
+          </a:lnRef>
+          <a:fillRef idx="1">
+            <a:schemeClr val="accent1"/>
+          </a:fillRef>
+          <a:effectRef idx="0">
+            <a:schemeClr val="accent1"/>
+          </a:effectRef>
+          <a:fontRef idx="minor">
+            <a:schemeClr val="lt1"/>
+          </a:fontRef>
+        </p:style>
+        <p:txBody>
+          <a:bodyPr rtlCol="0" anchor="ctr"/>
+          <a:lstStyle/>
+          <a:p>
+            <a:pPr algn="ctr"/>
+            <a:endParaRPr lang="en-US"/>
+          </a:p>
+        </p:txBody>
+      </p:sp>
+      <p:sp>
+        <p:nvSpPr>
+          <p:cNvPr id="3" name="Content Placeholder 2">
+            <a:extLst>
+              <a:ext uri="{FF2B5EF4-FFF2-40B4-BE49-F238E27FC236}">
+                <a16:creationId xmlns:a16="http://schemas.microsoft.com/office/drawing/2014/main" id="{7FEAE391-6366-4E20-A14E-0ECFAEA8029A}"/>
+              </a:ext>
+            </a:extLst>
+          </p:cNvPr>
+          <p:cNvSpPr>
+            <a:spLocks noGrp="1"/>
+          </p:cNvSpPr>
+          <p:nvPr>
+            <p:ph idx="1"/>
+          </p:nvPr>
+        </p:nvSpPr>
+        <p:spPr>
+          <a:xfrm>
+            <a:off x="4474462" y="776243"/>
+            <a:ext cx="7074409" cy="1463040"/>
+          </a:xfrm>
+        </p:spPr>
+        <p:txBody>
+          <a:bodyPr anchor="ctr">
+            <a:normAutofit/>
+          </a:bodyPr>
+          <a:lstStyle/>
+          <a:p>
+            <a:r>
+              <a:rPr lang="en-US" sz="1700" dirty="0">
+                <a:solidFill>
+                  <a:srgbClr val="FFFFFF"/>
+                </a:solidFill>
+                <a:latin typeface="Times New Roman" panose="02020603050405020304" pitchFamily="18" charset="0"/>
+                <a:ea typeface="Times New Roman" panose="02020603050405020304" pitchFamily="18" charset="0"/>
+              </a:rPr>
+              <a:t>Using </a:t>
+            </a:r>
+            <a:r>
+              <a:rPr lang="en-US" sz="1700" dirty="0" err="1">
+                <a:solidFill>
+                  <a:srgbClr val="FFFFFF"/>
+                </a:solidFill>
+                <a:latin typeface="Times New Roman" panose="02020603050405020304" pitchFamily="18" charset="0"/>
+                <a:ea typeface="Times New Roman" panose="02020603050405020304" pitchFamily="18" charset="0"/>
+              </a:rPr>
+              <a:t>Jupyter</a:t>
+            </a:r>
+            <a:r>
+              <a:rPr lang="en-US" sz="1700" dirty="0">
+                <a:solidFill>
+                  <a:srgbClr val="FFFFFF"/>
+                </a:solidFill>
+                <a:latin typeface="Times New Roman" panose="02020603050405020304" pitchFamily="18" charset="0"/>
+                <a:ea typeface="Times New Roman" panose="02020603050405020304" pitchFamily="18" charset="0"/>
+              </a:rPr>
+              <a:t> Notebook, exploratory data analysis (EDA) will be conducted, and any notable characteristics of the data will be noted and corrected to maintain the integrity of the analysis.</a:t>
+            </a:r>
+          </a:p>
+          <a:p>
+            <a:r>
+              <a:rPr lang="en-US" sz="1700" dirty="0">
+                <a:solidFill>
+                  <a:srgbClr val="FFFFFF"/>
+                </a:solidFill>
+                <a:effectLst/>
+                <a:latin typeface="Times New Roman" panose="02020603050405020304" pitchFamily="18" charset="0"/>
+                <a:ea typeface="Times New Roman" panose="02020603050405020304" pitchFamily="18" charset="0"/>
+              </a:rPr>
+              <a:t>The </a:t>
+            </a:r>
+            <a:r>
+              <a:rPr lang="en-US" sz="1700" dirty="0">
+                <a:solidFill>
+                  <a:srgbClr val="FFFFFF"/>
+                </a:solidFill>
+                <a:latin typeface="Times New Roman" panose="02020603050405020304" pitchFamily="18" charset="0"/>
+                <a:ea typeface="Times New Roman" panose="02020603050405020304" pitchFamily="18" charset="0"/>
+              </a:rPr>
+              <a:t>pandas head() function shows the first 5 rows with no immediately obvious discrepancies and shows the dataset contains 23 variables</a:t>
+            </a:r>
+            <a:endParaRPr lang="en-US" sz="1700" dirty="0">
+              <a:solidFill>
+                <a:srgbClr val="FFFFFF"/>
+              </a:solidFill>
+              <a:effectLst/>
+              <a:latin typeface="Times New Roman" panose="02020603050405020304" pitchFamily="18" charset="0"/>
+              <a:ea typeface="Times New Roman" panose="02020603050405020304" pitchFamily="18" charset="0"/>
+            </a:endParaRPr>
+          </a:p>
+          <a:p>
+            <a:pPr marL="0" indent="0">
+              <a:buNone/>
+            </a:pPr>
+            <a:endParaRPr lang="en-US" sz="1700" dirty="0">
+              <a:solidFill>
+                <a:srgbClr val="FFFFFF"/>
+              </a:solidFill>
+            </a:endParaRPr>
+          </a:p>
+          <a:p>
+            <a:pPr marL="0" indent="0">
+              <a:buNone/>
+            </a:pPr>
+            <a:endParaRPr lang="en-US" sz="1700" dirty="0">
+              <a:solidFill>
+                <a:srgbClr val="FFFFFF"/>
+              </a:solidFill>
+            </a:endParaRPr>
+          </a:p>
+        </p:txBody>
+      </p:sp>
+      <p:pic>
+        <p:nvPicPr>
+          <p:cNvPr id="5" name="Picture 4">
+            <a:extLst>
+              <a:ext uri="{FF2B5EF4-FFF2-40B4-BE49-F238E27FC236}">
+                <a16:creationId xmlns:a16="http://schemas.microsoft.com/office/drawing/2014/main" id="{7F7A3CAB-EB3D-89A1-8765-6BB4080B2EDC}"/>
+              </a:ext>
+            </a:extLst>
+          </p:cNvPr>
+          <p:cNvPicPr>
+            <a:picLocks noChangeAspect="1"/>
+          </p:cNvPicPr>
+          <p:nvPr/>
+        </p:nvPicPr>
+        <p:blipFill>
+          <a:blip r:embed="rId2"/>
+          <a:stretch>
+            <a:fillRect/>
+          </a:stretch>
+        </p:blipFill>
+        <p:spPr>
+          <a:xfrm>
+            <a:off x="557996" y="3203925"/>
+            <a:ext cx="10990875" cy="2877832"/>
+          </a:xfrm>
+          <a:prstGeom prst="rect">
+            <a:avLst/>
+          </a:prstGeom>
+        </p:spPr>
+      </p:pic>
+    </p:spTree>
+    <p:extLst>
+      <p:ext uri="{BB962C8B-B14F-4D97-AF65-F5344CB8AC3E}">
+        <p14:creationId xmlns:p14="http://schemas.microsoft.com/office/powerpoint/2010/main" val="2788217980"/>
+      </p:ext>
+    </p:extLst>
+  </p:cSld>
+  <p:clrMapOvr>
+    <a:masterClrMapping/>
+  </p:clrMapOvr>
+</p:sld>
+</file>
+
+<file path=ppt/slides/slide13.xml><?xml version="1.0" encoding="utf-8"?>
+<p:sld xmlns:a="http://schemas.openxmlformats.org/drawingml/2006/main" xmlns:r="http://schemas.openxmlformats.org/officeDocument/2006/relationships" xmlns:p="http://schemas.openxmlformats.org/presentationml/2006/main">
+  <p:cSld>
+    <p:bg>
+      <p:bgPr>
+        <a:solidFill>
+          <a:schemeClr val="bg1"/>
+        </a:solidFill>
+        <a:effectLst/>
+      </p:bgPr>
+    </p:bg>
+    <p:spTree>
+      <p:nvGrpSpPr>
+        <p:cNvPr id="1" name=""/>
+        <p:cNvGrpSpPr/>
+        <p:nvPr/>
+      </p:nvGrpSpPr>
+      <p:grpSpPr>
+        <a:xfrm>
+          <a:off x="0" y="0"/>
+          <a:ext cx="0" cy="0"/>
+          <a:chOff x="0" y="0"/>
+          <a:chExt cx="0" cy="0"/>
+        </a:xfrm>
+      </p:grpSpPr>
+      <p:sp useBgFill="1">
+        <p:nvSpPr>
+          <p:cNvPr id="11" name="Rectangle 10">
+            <a:extLst>
+              <a:ext uri="{FF2B5EF4-FFF2-40B4-BE49-F238E27FC236}">
+                <a16:creationId xmlns:a16="http://schemas.microsoft.com/office/drawing/2014/main" id="{743AA782-23D1-4521-8CAD-47662984AA08}"/>
+              </a:ext>
+              <a:ext uri="{C183D7F6-B498-43B3-948B-1728B52AA6E4}">
+                <adec:decorative xmlns:adec="http://schemas.microsoft.com/office/drawing/2017/decorative" val="1"/>
+              </a:ext>
+            </a:extLst>
+          </p:cNvPr>
+          <p:cNvSpPr>
+            <a:spLocks noGrp="1" noRot="1" noChangeAspect="1" noMove="1" noResize="1" noEditPoints="1" noAdjustHandles="1" noChangeArrowheads="1" noChangeShapeType="1" noTextEdit="1"/>
+          </p:cNvSpPr>
+          <p:nvPr>
+            <p:extLst>
+              <p:ext uri="{386F3935-93C4-4BCD-93E2-E3B085C9AB24}">
+                <p16:designElem xmlns:p16="http://schemas.microsoft.com/office/powerpoint/2015/main" val="1"/>
+              </p:ext>
+            </p:extLst>
+          </p:nvPr>
+        </p:nvSpPr>
+        <p:spPr>
+          <a:xfrm>
+            <a:off x="0" y="0"/>
+            <a:ext cx="12192000" cy="6858000"/>
+          </a:xfrm>
+          <a:prstGeom prst="rect">
+            <a:avLst/>
+          </a:prstGeom>
+          <a:ln>
+            <a:noFill/>
+          </a:ln>
+        </p:spPr>
+        <p:style>
+          <a:lnRef idx="2">
+            <a:schemeClr val="accent1">
+              <a:shade val="50000"/>
+            </a:schemeClr>
+          </a:lnRef>
+          <a:fillRef idx="1">
+            <a:schemeClr val="accent1"/>
+          </a:fillRef>
+          <a:effectRef idx="0">
+            <a:schemeClr val="accent1"/>
+          </a:effectRef>
+          <a:fontRef idx="minor">
+            <a:schemeClr val="lt1"/>
+          </a:fontRef>
+        </p:style>
+        <p:txBody>
+          <a:bodyPr rtlCol="0" anchor="ctr"/>
+          <a:lstStyle/>
+          <a:p>
+            <a:pPr algn="ctr"/>
+            <a:endParaRPr lang="en-US"/>
+          </a:p>
+        </p:txBody>
+      </p:sp>
+      <p:sp>
+        <p:nvSpPr>
+          <p:cNvPr id="2" name="Title 1">
+            <a:extLst>
+              <a:ext uri="{FF2B5EF4-FFF2-40B4-BE49-F238E27FC236}">
+                <a16:creationId xmlns:a16="http://schemas.microsoft.com/office/drawing/2014/main" id="{E0EA1BD8-AC03-80C9-71F8-31A26531CCED}"/>
+              </a:ext>
+            </a:extLst>
+          </p:cNvPr>
+          <p:cNvSpPr>
+            <a:spLocks noGrp="1"/>
+          </p:cNvSpPr>
+          <p:nvPr>
+            <p:ph type="title"/>
+          </p:nvPr>
+        </p:nvSpPr>
+        <p:spPr>
+          <a:xfrm>
+            <a:off x="630936" y="640080"/>
+            <a:ext cx="4818888" cy="1481328"/>
+          </a:xfrm>
+        </p:spPr>
+        <p:txBody>
+          <a:bodyPr anchor="b">
+            <a:normAutofit/>
+          </a:bodyPr>
+          <a:lstStyle/>
+          <a:p>
+            <a:r>
+              <a:rPr lang="en-US" sz="4200"/>
+              <a:t>Prepare – Dataframe information</a:t>
+            </a:r>
+          </a:p>
+        </p:txBody>
+      </p:sp>
+      <p:sp>
+        <p:nvSpPr>
+          <p:cNvPr id="13" name="sketch line">
+            <a:extLst>
+              <a:ext uri="{FF2B5EF4-FFF2-40B4-BE49-F238E27FC236}">
+                <a16:creationId xmlns:a16="http://schemas.microsoft.com/office/drawing/2014/main" id="{71877DBC-BB60-40F0-AC93-2ACDBAAE60CE}"/>
+              </a:ext>
+              <a:ext uri="{C183D7F6-B498-43B3-948B-1728B52AA6E4}">
+                <adec:decorative xmlns:adec="http://schemas.microsoft.com/office/drawing/2017/decorative" val="1"/>
+              </a:ext>
+            </a:extLst>
+          </p:cNvPr>
+          <p:cNvSpPr>
+            <a:spLocks noGrp="1" noRot="1" noChangeAspect="1" noMove="1" noResize="1" noEditPoints="1" noAdjustHandles="1" noChangeArrowheads="1" noChangeShapeType="1" noTextEdit="1"/>
+          </p:cNvSpPr>
+          <p:nvPr>
+            <p:extLst>
+              <p:ext uri="{386F3935-93C4-4BCD-93E2-E3B085C9AB24}">
+                <p16:designElem xmlns:p16="http://schemas.microsoft.com/office/powerpoint/2015/main" val="1"/>
+              </p:ext>
+            </p:extLst>
+          </p:nvPr>
+        </p:nvSpPr>
+        <p:spPr>
+          <a:xfrm>
+            <a:off x="643278" y="2372868"/>
+            <a:ext cx="3255095" cy="18288"/>
+          </a:xfrm>
+          <a:custGeom>
+            <a:avLst/>
+            <a:gdLst>
+              <a:gd name="connsiteX0" fmla="*/ 0 w 3255095"/>
+              <a:gd name="connsiteY0" fmla="*/ 0 h 18288"/>
+              <a:gd name="connsiteX1" fmla="*/ 618468 w 3255095"/>
+              <a:gd name="connsiteY1" fmla="*/ 0 h 18288"/>
+              <a:gd name="connsiteX2" fmla="*/ 1269487 w 3255095"/>
+              <a:gd name="connsiteY2" fmla="*/ 0 h 18288"/>
+              <a:gd name="connsiteX3" fmla="*/ 1953057 w 3255095"/>
+              <a:gd name="connsiteY3" fmla="*/ 0 h 18288"/>
+              <a:gd name="connsiteX4" fmla="*/ 2636627 w 3255095"/>
+              <a:gd name="connsiteY4" fmla="*/ 0 h 18288"/>
+              <a:gd name="connsiteX5" fmla="*/ 3255095 w 3255095"/>
+              <a:gd name="connsiteY5" fmla="*/ 0 h 18288"/>
+              <a:gd name="connsiteX6" fmla="*/ 3255095 w 3255095"/>
+              <a:gd name="connsiteY6" fmla="*/ 18288 h 18288"/>
+              <a:gd name="connsiteX7" fmla="*/ 2538974 w 3255095"/>
+              <a:gd name="connsiteY7" fmla="*/ 18288 h 18288"/>
+              <a:gd name="connsiteX8" fmla="*/ 1822853 w 3255095"/>
+              <a:gd name="connsiteY8" fmla="*/ 18288 h 18288"/>
+              <a:gd name="connsiteX9" fmla="*/ 1171834 w 3255095"/>
+              <a:gd name="connsiteY9" fmla="*/ 18288 h 18288"/>
+              <a:gd name="connsiteX10" fmla="*/ 0 w 3255095"/>
+              <a:gd name="connsiteY10" fmla="*/ 18288 h 18288"/>
+              <a:gd name="connsiteX11" fmla="*/ 0 w 3255095"/>
+              <a:gd name="connsiteY11" fmla="*/ 0 h 18288"/>
+            </a:gdLst>
+            <a:ahLst/>
+            <a:cxnLst>
+              <a:cxn ang="0">
+                <a:pos x="connsiteX0" y="connsiteY0"/>
+              </a:cxn>
+              <a:cxn ang="0">
+                <a:pos x="connsiteX1" y="connsiteY1"/>
+              </a:cxn>
+              <a:cxn ang="0">
+                <a:pos x="connsiteX2" y="connsiteY2"/>
+              </a:cxn>
+              <a:cxn ang="0">
+                <a:pos x="connsiteX3" y="connsiteY3"/>
+              </a:cxn>
+              <a:cxn ang="0">
+                <a:pos x="connsiteX4" y="connsiteY4"/>
+              </a:cxn>
+              <a:cxn ang="0">
+                <a:pos x="connsiteX5" y="connsiteY5"/>
+              </a:cxn>
+              <a:cxn ang="0">
+                <a:pos x="connsiteX6" y="connsiteY6"/>
+              </a:cxn>
+              <a:cxn ang="0">
+                <a:pos x="connsiteX7" y="connsiteY7"/>
+              </a:cxn>
+              <a:cxn ang="0">
+                <a:pos x="connsiteX8" y="connsiteY8"/>
+              </a:cxn>
+              <a:cxn ang="0">
+                <a:pos x="connsiteX9" y="connsiteY9"/>
+              </a:cxn>
+              <a:cxn ang="0">
+                <a:pos x="connsiteX10" y="connsiteY10"/>
+              </a:cxn>
+              <a:cxn ang="0">
+                <a:pos x="connsiteX11" y="connsiteY11"/>
+              </a:cxn>
+            </a:cxnLst>
+            <a:rect l="l" t="t" r="r" b="b"/>
+            <a:pathLst>
+              <a:path w="3255095" h="18288" fill="none" extrusionOk="0">
+                <a:moveTo>
+                  <a:pt x="0" y="0"/>
+                </a:moveTo>
+                <a:cubicBezTo>
+                  <a:pt x="240201" y="-22123"/>
+                  <a:pt x="462021" y="-19623"/>
+                  <a:pt x="618468" y="0"/>
+                </a:cubicBezTo>
+                <a:cubicBezTo>
+                  <a:pt x="774915" y="19623"/>
+                  <a:pt x="974734" y="2035"/>
+                  <a:pt x="1269487" y="0"/>
+                </a:cubicBezTo>
+                <a:cubicBezTo>
+                  <a:pt x="1564240" y="-2035"/>
+                  <a:pt x="1733579" y="10639"/>
+                  <a:pt x="1953057" y="0"/>
+                </a:cubicBezTo>
+                <a:cubicBezTo>
+                  <a:pt x="2172535" y="-10639"/>
+                  <a:pt x="2453962" y="14018"/>
+                  <a:pt x="2636627" y="0"/>
+                </a:cubicBezTo>
+                <a:cubicBezTo>
+                  <a:pt x="2819292" y="-14018"/>
+                  <a:pt x="3121375" y="5399"/>
+                  <a:pt x="3255095" y="0"/>
+                </a:cubicBezTo>
+                <a:cubicBezTo>
+                  <a:pt x="3254386" y="8157"/>
+                  <a:pt x="3254682" y="12125"/>
+                  <a:pt x="3255095" y="18288"/>
+                </a:cubicBezTo>
+                <a:cubicBezTo>
+                  <a:pt x="3088545" y="23203"/>
+                  <a:pt x="2687475" y="7419"/>
+                  <a:pt x="2538974" y="18288"/>
+                </a:cubicBezTo>
+                <a:cubicBezTo>
+                  <a:pt x="2390473" y="29157"/>
+                  <a:pt x="2137381" y="-8959"/>
+                  <a:pt x="1822853" y="18288"/>
+                </a:cubicBezTo>
+                <a:cubicBezTo>
+                  <a:pt x="1508325" y="45535"/>
+                  <a:pt x="1466437" y="20385"/>
+                  <a:pt x="1171834" y="18288"/>
+                </a:cubicBezTo>
+                <a:cubicBezTo>
+                  <a:pt x="877231" y="16191"/>
+                  <a:pt x="561097" y="37643"/>
+                  <a:pt x="0" y="18288"/>
+                </a:cubicBezTo>
+                <a:cubicBezTo>
+                  <a:pt x="-46" y="12483"/>
+                  <a:pt x="-203" y="6491"/>
+                  <a:pt x="0" y="0"/>
+                </a:cubicBezTo>
+                <a:close/>
+              </a:path>
+              <a:path w="3255095" h="18288" stroke="0" extrusionOk="0">
+                <a:moveTo>
+                  <a:pt x="0" y="0"/>
+                </a:moveTo>
+                <a:cubicBezTo>
+                  <a:pt x="291965" y="19429"/>
+                  <a:pt x="363155" y="8568"/>
+                  <a:pt x="618468" y="0"/>
+                </a:cubicBezTo>
+                <a:cubicBezTo>
+                  <a:pt x="873781" y="-8568"/>
+                  <a:pt x="904459" y="-19505"/>
+                  <a:pt x="1171834" y="0"/>
+                </a:cubicBezTo>
+                <a:cubicBezTo>
+                  <a:pt x="1439209" y="19505"/>
+                  <a:pt x="1744369" y="9790"/>
+                  <a:pt x="1887955" y="0"/>
+                </a:cubicBezTo>
+                <a:cubicBezTo>
+                  <a:pt x="2031541" y="-9790"/>
+                  <a:pt x="2346378" y="21240"/>
+                  <a:pt x="2506423" y="0"/>
+                </a:cubicBezTo>
+                <a:cubicBezTo>
+                  <a:pt x="2666468" y="-21240"/>
+                  <a:pt x="2990257" y="30414"/>
+                  <a:pt x="3255095" y="0"/>
+                </a:cubicBezTo>
+                <a:cubicBezTo>
+                  <a:pt x="3254831" y="4493"/>
+                  <a:pt x="3255479" y="9472"/>
+                  <a:pt x="3255095" y="18288"/>
+                </a:cubicBezTo>
+                <a:cubicBezTo>
+                  <a:pt x="3120743" y="16690"/>
+                  <a:pt x="2759628" y="42462"/>
+                  <a:pt x="2604076" y="18288"/>
+                </a:cubicBezTo>
+                <a:cubicBezTo>
+                  <a:pt x="2448524" y="-5886"/>
+                  <a:pt x="2184336" y="19599"/>
+                  <a:pt x="1887955" y="18288"/>
+                </a:cubicBezTo>
+                <a:cubicBezTo>
+                  <a:pt x="1591574" y="16977"/>
+                  <a:pt x="1548845" y="6870"/>
+                  <a:pt x="1334589" y="18288"/>
+                </a:cubicBezTo>
+                <a:cubicBezTo>
+                  <a:pt x="1120333" y="29706"/>
+                  <a:pt x="996014" y="9662"/>
+                  <a:pt x="683570" y="18288"/>
+                </a:cubicBezTo>
+                <a:cubicBezTo>
+                  <a:pt x="371126" y="26914"/>
+                  <a:pt x="198687" y="16167"/>
+                  <a:pt x="0" y="18288"/>
+                </a:cubicBezTo>
+                <a:cubicBezTo>
+                  <a:pt x="843" y="9577"/>
+                  <a:pt x="371" y="6900"/>
+                  <a:pt x="0" y="0"/>
+                </a:cubicBezTo>
+                <a:close/>
+              </a:path>
+            </a:pathLst>
+          </a:custGeom>
+          <a:solidFill>
+            <a:schemeClr val="accent2"/>
+          </a:solidFill>
+          <a:ln w="38100" cap="rnd">
+            <a:solidFill>
+              <a:schemeClr val="accent2"/>
+            </a:solidFill>
+            <a:round/>
+            <a:extLst>
+              <a:ext uri="{C807C97D-BFC1-408E-A445-0C87EB9F89A2}">
+                <ask:lineSketchStyleProps xmlns:ask="http://schemas.microsoft.com/office/drawing/2018/sketchyshapes" sd="1219033472">
+                  <a:prstGeom prst="rect">
+                    <a:avLst/>
+                  </a:prstGeom>
+                  <ask:type>
+                    <ask:lineSketchFreehand/>
+                  </ask:type>
+                </ask:lineSketchStyleProps>
+              </a:ext>
+            </a:extLst>
+          </a:ln>
+        </p:spPr>
+        <p:style>
+          <a:lnRef idx="2">
+            <a:schemeClr val="accent1">
+              <a:shade val="50000"/>
+            </a:schemeClr>
+          </a:lnRef>
+          <a:fillRef idx="1">
+            <a:schemeClr val="accent1"/>
+          </a:fillRef>
+          <a:effectRef idx="0">
+            <a:schemeClr val="accent1"/>
+          </a:effectRef>
+          <a:fontRef idx="minor">
+            <a:schemeClr val="lt1"/>
+          </a:fontRef>
+        </p:style>
+        <p:txBody>
+          <a:bodyPr rtlCol="0" anchor="ctr"/>
+          <a:lstStyle/>
+          <a:p>
+            <a:pPr algn="ctr"/>
+            <a:endParaRPr lang="en-US"/>
+          </a:p>
+        </p:txBody>
+      </p:sp>
+      <p:sp>
+        <p:nvSpPr>
+          <p:cNvPr id="3" name="Content Placeholder 2">
+            <a:extLst>
+              <a:ext uri="{FF2B5EF4-FFF2-40B4-BE49-F238E27FC236}">
+                <a16:creationId xmlns:a16="http://schemas.microsoft.com/office/drawing/2014/main" id="{B06FAC1F-B283-3DF8-AD97-9ADC86F7D86E}"/>
+              </a:ext>
+            </a:extLst>
+          </p:cNvPr>
+          <p:cNvSpPr>
+            <a:spLocks noGrp="1"/>
+          </p:cNvSpPr>
+          <p:nvPr>
+            <p:ph idx="1"/>
+          </p:nvPr>
+        </p:nvSpPr>
+        <p:spPr>
+          <a:xfrm>
+            <a:off x="630936" y="2660904"/>
+            <a:ext cx="4818888" cy="3547872"/>
+          </a:xfrm>
+        </p:spPr>
+        <p:txBody>
+          <a:bodyPr anchor="t">
+            <a:normAutofit/>
+          </a:bodyPr>
+          <a:lstStyle/>
+          <a:p>
+            <a:r>
+              <a:rPr lang="en-US" sz="2200" dirty="0"/>
+              <a:t>The </a:t>
+            </a:r>
+            <a:r>
+              <a:rPr lang="en-US" sz="2200" dirty="0" err="1"/>
+              <a:t>dataframe</a:t>
+            </a:r>
+            <a:r>
+              <a:rPr lang="en-US" sz="2200" dirty="0"/>
+              <a:t> contains 8,124 observations</a:t>
+            </a:r>
+          </a:p>
+          <a:p>
+            <a:r>
+              <a:rPr lang="en-US" sz="2200" dirty="0"/>
+              <a:t>All 23 variables are listed</a:t>
+            </a:r>
+          </a:p>
+          <a:p>
+            <a:r>
+              <a:rPr lang="en-US" sz="2200" dirty="0"/>
+              <a:t>All variables are categorical and categorized by letters respective to each column (letters are not ordinal or uniform across the data)</a:t>
+            </a:r>
+          </a:p>
+        </p:txBody>
+      </p:sp>
+      <p:pic>
+        <p:nvPicPr>
+          <p:cNvPr id="6" name="Picture 5">
+            <a:extLst>
+              <a:ext uri="{FF2B5EF4-FFF2-40B4-BE49-F238E27FC236}">
+                <a16:creationId xmlns:a16="http://schemas.microsoft.com/office/drawing/2014/main" id="{6FC5A4CD-BB72-8E01-7207-17B97D084075}"/>
+              </a:ext>
+            </a:extLst>
+          </p:cNvPr>
+          <p:cNvPicPr>
+            <a:picLocks noChangeAspect="1"/>
+          </p:cNvPicPr>
+          <p:nvPr/>
+        </p:nvPicPr>
+        <p:blipFill>
+          <a:blip r:embed="rId2"/>
+          <a:stretch>
+            <a:fillRect/>
+          </a:stretch>
+        </p:blipFill>
+        <p:spPr>
+          <a:xfrm>
+            <a:off x="6311532" y="640080"/>
+            <a:ext cx="5034000" cy="5577840"/>
+          </a:xfrm>
+          <a:prstGeom prst="rect">
+            <a:avLst/>
+          </a:prstGeom>
+        </p:spPr>
+      </p:pic>
+    </p:spTree>
+    <p:extLst>
+      <p:ext uri="{BB962C8B-B14F-4D97-AF65-F5344CB8AC3E}">
+        <p14:creationId xmlns:p14="http://schemas.microsoft.com/office/powerpoint/2010/main" val="2503079325"/>
+      </p:ext>
+    </p:extLst>
+  </p:cSld>
+  <p:clrMapOvr>
+    <a:masterClrMapping/>
+  </p:clrMapOvr>
+</p:sld>
+</file>
+
+<file path=ppt/slides/slide14.xml><?xml version="1.0" encoding="utf-8"?>
+<p:sld xmlns:a="http://schemas.openxmlformats.org/drawingml/2006/main" xmlns:r="http://schemas.openxmlformats.org/officeDocument/2006/relationships" xmlns:p="http://schemas.openxmlformats.org/presentationml/2006/main">
+  <p:cSld>
+    <p:bg>
+      <p:bgPr>
+        <a:solidFill>
+          <a:schemeClr val="bg1"/>
+        </a:solidFill>
+        <a:effectLst/>
+      </p:bgPr>
+    </p:bg>
+    <p:spTree>
+      <p:nvGrpSpPr>
+        <p:cNvPr id="1" name=""/>
+        <p:cNvGrpSpPr/>
+        <p:nvPr/>
+      </p:nvGrpSpPr>
+      <p:grpSpPr>
+        <a:xfrm>
+          <a:off x="0" y="0"/>
+          <a:ext cx="0" cy="0"/>
+          <a:chOff x="0" y="0"/>
+          <a:chExt cx="0" cy="0"/>
+        </a:xfrm>
+      </p:grpSpPr>
+      <p:sp useBgFill="1">
+        <p:nvSpPr>
+          <p:cNvPr id="19" name="Rectangle 18">
+            <a:extLst>
+              <a:ext uri="{FF2B5EF4-FFF2-40B4-BE49-F238E27FC236}">
+                <a16:creationId xmlns:a16="http://schemas.microsoft.com/office/drawing/2014/main" id="{743AA782-23D1-4521-8CAD-47662984AA08}"/>
+              </a:ext>
+              <a:ext uri="{C183D7F6-B498-43B3-948B-1728B52AA6E4}">
+                <adec:decorative xmlns:adec="http://schemas.microsoft.com/office/drawing/2017/decorative" val="1"/>
+              </a:ext>
+            </a:extLst>
+          </p:cNvPr>
+          <p:cNvSpPr>
+            <a:spLocks noGrp="1" noRot="1" noChangeAspect="1" noMove="1" noResize="1" noEditPoints="1" noAdjustHandles="1" noChangeArrowheads="1" noChangeShapeType="1" noTextEdit="1"/>
+          </p:cNvSpPr>
+          <p:nvPr>
+            <p:extLst>
+              <p:ext uri="{386F3935-93C4-4BCD-93E2-E3B085C9AB24}">
+                <p16:designElem xmlns:p16="http://schemas.microsoft.com/office/powerpoint/2015/main" val="1"/>
+              </p:ext>
+            </p:extLst>
+          </p:nvPr>
+        </p:nvSpPr>
+        <p:spPr>
+          <a:xfrm>
+            <a:off x="0" y="0"/>
+            <a:ext cx="12192000" cy="6858000"/>
+          </a:xfrm>
+          <a:prstGeom prst="rect">
+            <a:avLst/>
+          </a:prstGeom>
+          <a:ln>
+            <a:noFill/>
+          </a:ln>
+        </p:spPr>
+        <p:style>
+          <a:lnRef idx="2">
+            <a:schemeClr val="accent1">
+              <a:shade val="50000"/>
+            </a:schemeClr>
+          </a:lnRef>
+          <a:fillRef idx="1">
+            <a:schemeClr val="accent1"/>
+          </a:fillRef>
+          <a:effectRef idx="0">
+            <a:schemeClr val="accent1"/>
+          </a:effectRef>
+          <a:fontRef idx="minor">
+            <a:schemeClr val="lt1"/>
+          </a:fontRef>
+        </p:style>
+        <p:txBody>
+          <a:bodyPr rtlCol="0" anchor="ctr"/>
+          <a:lstStyle/>
+          <a:p>
+            <a:pPr algn="ctr"/>
+            <a:endParaRPr lang="en-US"/>
+          </a:p>
+        </p:txBody>
+      </p:sp>
+      <p:sp>
+        <p:nvSpPr>
+          <p:cNvPr id="2" name="Title 1">
+            <a:extLst>
+              <a:ext uri="{FF2B5EF4-FFF2-40B4-BE49-F238E27FC236}">
+                <a16:creationId xmlns:a16="http://schemas.microsoft.com/office/drawing/2014/main" id="{D491CAAE-22E7-6F34-3988-6B090747BA04}"/>
+              </a:ext>
+            </a:extLst>
+          </p:cNvPr>
+          <p:cNvSpPr>
+            <a:spLocks noGrp="1"/>
+          </p:cNvSpPr>
+          <p:nvPr>
+            <p:ph type="title"/>
+          </p:nvPr>
+        </p:nvSpPr>
+        <p:spPr>
+          <a:xfrm>
+            <a:off x="630936" y="640080"/>
+            <a:ext cx="4818888" cy="1481328"/>
+          </a:xfrm>
+        </p:spPr>
+        <p:txBody>
+          <a:bodyPr anchor="b">
+            <a:normAutofit fontScale="90000"/>
+          </a:bodyPr>
+          <a:lstStyle/>
+          <a:p>
+            <a:r>
+              <a:rPr lang="en-US" sz="5400" dirty="0"/>
+              <a:t>Prepare – Categorical Values</a:t>
+            </a:r>
+          </a:p>
+        </p:txBody>
+      </p:sp>
+      <p:sp>
+        <p:nvSpPr>
+          <p:cNvPr id="21" name="sketch line">
+            <a:extLst>
+              <a:ext uri="{FF2B5EF4-FFF2-40B4-BE49-F238E27FC236}">
+                <a16:creationId xmlns:a16="http://schemas.microsoft.com/office/drawing/2014/main" id="{650D18FE-0824-4A46-B22C-A86B52E5780A}"/>
+              </a:ext>
+              <a:ext uri="{C183D7F6-B498-43B3-948B-1728B52AA6E4}">
+                <adec:decorative xmlns:adec="http://schemas.microsoft.com/office/drawing/2017/decorative" val="1"/>
+              </a:ext>
+            </a:extLst>
+          </p:cNvPr>
+          <p:cNvSpPr>
+            <a:spLocks noGrp="1" noRot="1" noChangeAspect="1" noMove="1" noResize="1" noEditPoints="1" noAdjustHandles="1" noChangeArrowheads="1" noChangeShapeType="1" noTextEdit="1"/>
+          </p:cNvSpPr>
+          <p:nvPr>
+            <p:extLst>
+              <p:ext uri="{386F3935-93C4-4BCD-93E2-E3B085C9AB24}">
+                <p16:designElem xmlns:p16="http://schemas.microsoft.com/office/powerpoint/2015/main" val="1"/>
+              </p:ext>
+            </p:extLst>
+          </p:nvPr>
+        </p:nvSpPr>
+        <p:spPr>
+          <a:xfrm>
+            <a:off x="643278" y="2372868"/>
+            <a:ext cx="3255095" cy="18288"/>
+          </a:xfrm>
+          <a:custGeom>
+            <a:avLst/>
+            <a:gdLst>
+              <a:gd name="connsiteX0" fmla="*/ 0 w 3255095"/>
+              <a:gd name="connsiteY0" fmla="*/ 0 h 18288"/>
+              <a:gd name="connsiteX1" fmla="*/ 618468 w 3255095"/>
+              <a:gd name="connsiteY1" fmla="*/ 0 h 18288"/>
+              <a:gd name="connsiteX2" fmla="*/ 1269487 w 3255095"/>
+              <a:gd name="connsiteY2" fmla="*/ 0 h 18288"/>
+              <a:gd name="connsiteX3" fmla="*/ 1953057 w 3255095"/>
+              <a:gd name="connsiteY3" fmla="*/ 0 h 18288"/>
+              <a:gd name="connsiteX4" fmla="*/ 2636627 w 3255095"/>
+              <a:gd name="connsiteY4" fmla="*/ 0 h 18288"/>
+              <a:gd name="connsiteX5" fmla="*/ 3255095 w 3255095"/>
+              <a:gd name="connsiteY5" fmla="*/ 0 h 18288"/>
+              <a:gd name="connsiteX6" fmla="*/ 3255095 w 3255095"/>
+              <a:gd name="connsiteY6" fmla="*/ 18288 h 18288"/>
+              <a:gd name="connsiteX7" fmla="*/ 2538974 w 3255095"/>
+              <a:gd name="connsiteY7" fmla="*/ 18288 h 18288"/>
+              <a:gd name="connsiteX8" fmla="*/ 1822853 w 3255095"/>
+              <a:gd name="connsiteY8" fmla="*/ 18288 h 18288"/>
+              <a:gd name="connsiteX9" fmla="*/ 1171834 w 3255095"/>
+              <a:gd name="connsiteY9" fmla="*/ 18288 h 18288"/>
+              <a:gd name="connsiteX10" fmla="*/ 0 w 3255095"/>
+              <a:gd name="connsiteY10" fmla="*/ 18288 h 18288"/>
+              <a:gd name="connsiteX11" fmla="*/ 0 w 3255095"/>
+              <a:gd name="connsiteY11" fmla="*/ 0 h 18288"/>
+            </a:gdLst>
+            <a:ahLst/>
+            <a:cxnLst>
+              <a:cxn ang="0">
+                <a:pos x="connsiteX0" y="connsiteY0"/>
+              </a:cxn>
+              <a:cxn ang="0">
+                <a:pos x="connsiteX1" y="connsiteY1"/>
+              </a:cxn>
+              <a:cxn ang="0">
+                <a:pos x="connsiteX2" y="connsiteY2"/>
+              </a:cxn>
+              <a:cxn ang="0">
+                <a:pos x="connsiteX3" y="connsiteY3"/>
+              </a:cxn>
+              <a:cxn ang="0">
+                <a:pos x="connsiteX4" y="connsiteY4"/>
+              </a:cxn>
+              <a:cxn ang="0">
+                <a:pos x="connsiteX5" y="connsiteY5"/>
+              </a:cxn>
+              <a:cxn ang="0">
+                <a:pos x="connsiteX6" y="connsiteY6"/>
+              </a:cxn>
+              <a:cxn ang="0">
+                <a:pos x="connsiteX7" y="connsiteY7"/>
+              </a:cxn>
+              <a:cxn ang="0">
+                <a:pos x="connsiteX8" y="connsiteY8"/>
+              </a:cxn>
+              <a:cxn ang="0">
+                <a:pos x="connsiteX9" y="connsiteY9"/>
+              </a:cxn>
+              <a:cxn ang="0">
+                <a:pos x="connsiteX10" y="connsiteY10"/>
+              </a:cxn>
+              <a:cxn ang="0">
+                <a:pos x="connsiteX11" y="connsiteY11"/>
+              </a:cxn>
+            </a:cxnLst>
+            <a:rect l="l" t="t" r="r" b="b"/>
+            <a:pathLst>
+              <a:path w="3255095" h="18288" fill="none" extrusionOk="0">
+                <a:moveTo>
+                  <a:pt x="0" y="0"/>
+                </a:moveTo>
+                <a:cubicBezTo>
+                  <a:pt x="240201" y="-22123"/>
+                  <a:pt x="462021" y="-19623"/>
+                  <a:pt x="618468" y="0"/>
+                </a:cubicBezTo>
+                <a:cubicBezTo>
+                  <a:pt x="774915" y="19623"/>
+                  <a:pt x="974734" y="2035"/>
+                  <a:pt x="1269487" y="0"/>
+                </a:cubicBezTo>
+                <a:cubicBezTo>
+                  <a:pt x="1564240" y="-2035"/>
+                  <a:pt x="1733579" y="10639"/>
+                  <a:pt x="1953057" y="0"/>
+                </a:cubicBezTo>
+                <a:cubicBezTo>
+                  <a:pt x="2172535" y="-10639"/>
+                  <a:pt x="2453962" y="14018"/>
+                  <a:pt x="2636627" y="0"/>
+                </a:cubicBezTo>
+                <a:cubicBezTo>
+                  <a:pt x="2819292" y="-14018"/>
+                  <a:pt x="3121375" y="5399"/>
+                  <a:pt x="3255095" y="0"/>
+                </a:cubicBezTo>
+                <a:cubicBezTo>
+                  <a:pt x="3254386" y="8157"/>
+                  <a:pt x="3254682" y="12125"/>
+                  <a:pt x="3255095" y="18288"/>
+                </a:cubicBezTo>
+                <a:cubicBezTo>
+                  <a:pt x="3088545" y="23203"/>
+                  <a:pt x="2687475" y="7419"/>
+                  <a:pt x="2538974" y="18288"/>
+                </a:cubicBezTo>
+                <a:cubicBezTo>
+                  <a:pt x="2390473" y="29157"/>
+                  <a:pt x="2137381" y="-8959"/>
+                  <a:pt x="1822853" y="18288"/>
+                </a:cubicBezTo>
+                <a:cubicBezTo>
+                  <a:pt x="1508325" y="45535"/>
+                  <a:pt x="1466437" y="20385"/>
+                  <a:pt x="1171834" y="18288"/>
+                </a:cubicBezTo>
+                <a:cubicBezTo>
+                  <a:pt x="877231" y="16191"/>
+                  <a:pt x="561097" y="37643"/>
+                  <a:pt x="0" y="18288"/>
+                </a:cubicBezTo>
+                <a:cubicBezTo>
+                  <a:pt x="-46" y="12483"/>
+                  <a:pt x="-203" y="6491"/>
+                  <a:pt x="0" y="0"/>
+                </a:cubicBezTo>
+                <a:close/>
+              </a:path>
+              <a:path w="3255095" h="18288" stroke="0" extrusionOk="0">
+                <a:moveTo>
+                  <a:pt x="0" y="0"/>
+                </a:moveTo>
+                <a:cubicBezTo>
+                  <a:pt x="291965" y="19429"/>
+                  <a:pt x="363155" y="8568"/>
+                  <a:pt x="618468" y="0"/>
+                </a:cubicBezTo>
+                <a:cubicBezTo>
+                  <a:pt x="873781" y="-8568"/>
+                  <a:pt x="904459" y="-19505"/>
+                  <a:pt x="1171834" y="0"/>
+                </a:cubicBezTo>
+                <a:cubicBezTo>
+                  <a:pt x="1439209" y="19505"/>
+                  <a:pt x="1744369" y="9790"/>
+                  <a:pt x="1887955" y="0"/>
+                </a:cubicBezTo>
+                <a:cubicBezTo>
+                  <a:pt x="2031541" y="-9790"/>
+                  <a:pt x="2346378" y="21240"/>
+                  <a:pt x="2506423" y="0"/>
+                </a:cubicBezTo>
+                <a:cubicBezTo>
+                  <a:pt x="2666468" y="-21240"/>
+                  <a:pt x="2990257" y="30414"/>
+                  <a:pt x="3255095" y="0"/>
+                </a:cubicBezTo>
+                <a:cubicBezTo>
+                  <a:pt x="3254831" y="4493"/>
+                  <a:pt x="3255479" y="9472"/>
+                  <a:pt x="3255095" y="18288"/>
+                </a:cubicBezTo>
+                <a:cubicBezTo>
+                  <a:pt x="3120743" y="16690"/>
+                  <a:pt x="2759628" y="42462"/>
+                  <a:pt x="2604076" y="18288"/>
+                </a:cubicBezTo>
+                <a:cubicBezTo>
+                  <a:pt x="2448524" y="-5886"/>
+                  <a:pt x="2184336" y="19599"/>
+                  <a:pt x="1887955" y="18288"/>
+                </a:cubicBezTo>
+                <a:cubicBezTo>
+                  <a:pt x="1591574" y="16977"/>
+                  <a:pt x="1548845" y="6870"/>
+                  <a:pt x="1334589" y="18288"/>
+                </a:cubicBezTo>
+                <a:cubicBezTo>
+                  <a:pt x="1120333" y="29706"/>
+                  <a:pt x="996014" y="9662"/>
+                  <a:pt x="683570" y="18288"/>
+                </a:cubicBezTo>
+                <a:cubicBezTo>
+                  <a:pt x="371126" y="26914"/>
+                  <a:pt x="198687" y="16167"/>
+                  <a:pt x="0" y="18288"/>
+                </a:cubicBezTo>
+                <a:cubicBezTo>
+                  <a:pt x="843" y="9577"/>
+                  <a:pt x="371" y="6900"/>
+                  <a:pt x="0" y="0"/>
+                </a:cubicBezTo>
+                <a:close/>
+              </a:path>
+            </a:pathLst>
+          </a:custGeom>
+          <a:solidFill>
+            <a:schemeClr val="accent2"/>
+          </a:solidFill>
+          <a:ln w="38100" cap="rnd">
+            <a:solidFill>
+              <a:schemeClr val="accent2"/>
+            </a:solidFill>
+            <a:round/>
+            <a:extLst>
+              <a:ext uri="{C807C97D-BFC1-408E-A445-0C87EB9F89A2}">
+                <ask:lineSketchStyleProps xmlns:ask="http://schemas.microsoft.com/office/drawing/2018/sketchyshapes" sd="1219033472">
+                  <a:prstGeom prst="rect">
+                    <a:avLst/>
+                  </a:prstGeom>
+                  <ask:type>
+                    <ask:lineSketchFreehand/>
+                  </ask:type>
+                </ask:lineSketchStyleProps>
+              </a:ext>
+            </a:extLst>
+          </a:ln>
+        </p:spPr>
+        <p:style>
+          <a:lnRef idx="2">
+            <a:schemeClr val="accent1">
+              <a:shade val="50000"/>
+            </a:schemeClr>
+          </a:lnRef>
+          <a:fillRef idx="1">
+            <a:schemeClr val="accent1"/>
+          </a:fillRef>
+          <a:effectRef idx="0">
+            <a:schemeClr val="accent1"/>
+          </a:effectRef>
+          <a:fontRef idx="minor">
+            <a:schemeClr val="lt1"/>
+          </a:fontRef>
+        </p:style>
+        <p:txBody>
+          <a:bodyPr rtlCol="0" anchor="ctr"/>
+          <a:lstStyle/>
+          <a:p>
+            <a:pPr algn="ctr"/>
+            <a:endParaRPr lang="en-US"/>
+          </a:p>
+        </p:txBody>
+      </p:sp>
+      <p:sp>
+        <p:nvSpPr>
+          <p:cNvPr id="3" name="Content Placeholder 2">
+            <a:extLst>
+              <a:ext uri="{FF2B5EF4-FFF2-40B4-BE49-F238E27FC236}">
+                <a16:creationId xmlns:a16="http://schemas.microsoft.com/office/drawing/2014/main" id="{1E096436-785D-166E-474E-39CE7E41FC23}"/>
+              </a:ext>
+            </a:extLst>
+          </p:cNvPr>
+          <p:cNvSpPr>
+            <a:spLocks noGrp="1"/>
+          </p:cNvSpPr>
+          <p:nvPr>
+            <p:ph idx="1"/>
+          </p:nvPr>
+        </p:nvSpPr>
+        <p:spPr>
+          <a:xfrm>
+            <a:off x="630936" y="2660904"/>
+            <a:ext cx="4818888" cy="3547872"/>
+          </a:xfrm>
+        </p:spPr>
+        <p:txBody>
+          <a:bodyPr anchor="t">
+            <a:normAutofit lnSpcReduction="10000"/>
+          </a:bodyPr>
+          <a:lstStyle/>
+          <a:p>
+            <a:r>
+              <a:rPr lang="en-US" sz="2200" dirty="0"/>
+              <a:t>This is a merged dataset containing all possible categorical values a variable can take</a:t>
+            </a:r>
+          </a:p>
+          <a:p>
+            <a:r>
+              <a:rPr lang="en-US" sz="2200" dirty="0"/>
+              <a:t>Some appear to be ordinal alphabetic, others are intuitive. </a:t>
+            </a:r>
+          </a:p>
+          <a:p>
+            <a:r>
+              <a:rPr lang="en-US" sz="2200" dirty="0"/>
+              <a:t>Example – The class variable only contains values for “e” and “p” which stand for edible and poisonous, respectively.</a:t>
+            </a:r>
+          </a:p>
+          <a:p>
+            <a:r>
+              <a:rPr lang="en-US" sz="2200" dirty="0"/>
+              <a:t>It may be necessary to create dummy variables</a:t>
+            </a:r>
+          </a:p>
+        </p:txBody>
+      </p:sp>
+      <p:pic>
+        <p:nvPicPr>
+          <p:cNvPr id="4" name="Picture 3">
+            <a:extLst>
+              <a:ext uri="{FF2B5EF4-FFF2-40B4-BE49-F238E27FC236}">
+                <a16:creationId xmlns:a16="http://schemas.microsoft.com/office/drawing/2014/main" id="{85936CEC-5E26-4111-7561-149A19231E4F}"/>
+              </a:ext>
+            </a:extLst>
+          </p:cNvPr>
+          <p:cNvPicPr>
+            <a:picLocks noChangeAspect="1"/>
+          </p:cNvPicPr>
+          <p:nvPr/>
+        </p:nvPicPr>
+        <p:blipFill>
+          <a:blip r:embed="rId2"/>
+          <a:stretch>
+            <a:fillRect/>
+          </a:stretch>
+        </p:blipFill>
+        <p:spPr>
+          <a:xfrm>
+            <a:off x="6099048" y="1027054"/>
+            <a:ext cx="5458968" cy="4803891"/>
+          </a:xfrm>
+          <a:prstGeom prst="rect">
+            <a:avLst/>
+          </a:prstGeom>
+        </p:spPr>
+      </p:pic>
+    </p:spTree>
+    <p:extLst>
+      <p:ext uri="{BB962C8B-B14F-4D97-AF65-F5344CB8AC3E}">
+        <p14:creationId xmlns:p14="http://schemas.microsoft.com/office/powerpoint/2010/main" val="3348966482"/>
+      </p:ext>
+    </p:extLst>
+  </p:cSld>
+  <p:clrMapOvr>
+    <a:masterClrMapping/>
+  </p:clrMapOvr>
+</p:sld>
+</file>
+
+<file path=ppt/slides/slide15.xml><?xml version="1.0" encoding="utf-8"?>
+<p:sld xmlns:a="http://schemas.openxmlformats.org/drawingml/2006/main" xmlns:r="http://schemas.openxmlformats.org/officeDocument/2006/relationships" xmlns:p="http://schemas.openxmlformats.org/presentationml/2006/main">
+  <p:cSld>
+    <p:bg>
+      <p:bgPr>
+        <a:solidFill>
+          <a:schemeClr val="bg1"/>
+        </a:solidFill>
+        <a:effectLst/>
+      </p:bgPr>
+    </p:bg>
+    <p:spTree>
+      <p:nvGrpSpPr>
+        <p:cNvPr id="1" name=""/>
+        <p:cNvGrpSpPr/>
+        <p:nvPr/>
+      </p:nvGrpSpPr>
+      <p:grpSpPr>
+        <a:xfrm>
+          <a:off x="0" y="0"/>
+          <a:ext cx="0" cy="0"/>
+          <a:chOff x="0" y="0"/>
+          <a:chExt cx="0" cy="0"/>
+        </a:xfrm>
+      </p:grpSpPr>
+      <p:sp useBgFill="1">
+        <p:nvSpPr>
+          <p:cNvPr id="11" name="Rectangle 10">
+            <a:extLst>
+              <a:ext uri="{FF2B5EF4-FFF2-40B4-BE49-F238E27FC236}">
+                <a16:creationId xmlns:a16="http://schemas.microsoft.com/office/drawing/2014/main" id="{743AA782-23D1-4521-8CAD-47662984AA08}"/>
+              </a:ext>
+              <a:ext uri="{C183D7F6-B498-43B3-948B-1728B52AA6E4}">
+                <adec:decorative xmlns:adec="http://schemas.microsoft.com/office/drawing/2017/decorative" val="1"/>
+              </a:ext>
+            </a:extLst>
+          </p:cNvPr>
+          <p:cNvSpPr>
+            <a:spLocks noGrp="1" noRot="1" noChangeAspect="1" noMove="1" noResize="1" noEditPoints="1" noAdjustHandles="1" noChangeArrowheads="1" noChangeShapeType="1" noTextEdit="1"/>
+          </p:cNvSpPr>
+          <p:nvPr>
+            <p:extLst>
+              <p:ext uri="{386F3935-93C4-4BCD-93E2-E3B085C9AB24}">
+                <p16:designElem xmlns:p16="http://schemas.microsoft.com/office/powerpoint/2015/main" val="1"/>
+              </p:ext>
+            </p:extLst>
+          </p:nvPr>
+        </p:nvSpPr>
+        <p:spPr>
+          <a:xfrm>
+            <a:off x="0" y="0"/>
+            <a:ext cx="12192000" cy="6858000"/>
+          </a:xfrm>
+          <a:prstGeom prst="rect">
+            <a:avLst/>
+          </a:prstGeom>
+          <a:ln>
+            <a:noFill/>
+          </a:ln>
+        </p:spPr>
+        <p:style>
+          <a:lnRef idx="2">
+            <a:schemeClr val="accent1">
+              <a:shade val="50000"/>
+            </a:schemeClr>
+          </a:lnRef>
+          <a:fillRef idx="1">
+            <a:schemeClr val="accent1"/>
+          </a:fillRef>
+          <a:effectRef idx="0">
+            <a:schemeClr val="accent1"/>
+          </a:effectRef>
+          <a:fontRef idx="minor">
+            <a:schemeClr val="lt1"/>
+          </a:fontRef>
+        </p:style>
+        <p:txBody>
+          <a:bodyPr rtlCol="0" anchor="ctr"/>
+          <a:lstStyle/>
+          <a:p>
+            <a:pPr algn="ctr"/>
+            <a:endParaRPr lang="en-US"/>
+          </a:p>
+        </p:txBody>
+      </p:sp>
+      <p:sp>
+        <p:nvSpPr>
+          <p:cNvPr id="2" name="Title 1">
+            <a:extLst>
+              <a:ext uri="{FF2B5EF4-FFF2-40B4-BE49-F238E27FC236}">
+                <a16:creationId xmlns:a16="http://schemas.microsoft.com/office/drawing/2014/main" id="{F5644EF6-E77A-3C89-B753-A315A522CCB2}"/>
+              </a:ext>
+            </a:extLst>
+          </p:cNvPr>
+          <p:cNvSpPr>
+            <a:spLocks noGrp="1"/>
+          </p:cNvSpPr>
+          <p:nvPr>
+            <p:ph type="title"/>
+          </p:nvPr>
+        </p:nvSpPr>
+        <p:spPr>
+          <a:xfrm>
+            <a:off x="630936" y="640080"/>
+            <a:ext cx="4818888" cy="1481328"/>
+          </a:xfrm>
+        </p:spPr>
+        <p:txBody>
+          <a:bodyPr anchor="b">
+            <a:normAutofit/>
+          </a:bodyPr>
+          <a:lstStyle/>
+          <a:p>
+            <a:r>
+              <a:rPr lang="en-US" sz="5000"/>
+              <a:t>Prepare – Data Integrity</a:t>
+            </a:r>
+          </a:p>
+        </p:txBody>
+      </p:sp>
+      <p:sp>
+        <p:nvSpPr>
+          <p:cNvPr id="13" name="sketch line">
+            <a:extLst>
+              <a:ext uri="{FF2B5EF4-FFF2-40B4-BE49-F238E27FC236}">
+                <a16:creationId xmlns:a16="http://schemas.microsoft.com/office/drawing/2014/main" id="{650D18FE-0824-4A46-B22C-A86B52E5780A}"/>
+              </a:ext>
+              <a:ext uri="{C183D7F6-B498-43B3-948B-1728B52AA6E4}">
+                <adec:decorative xmlns:adec="http://schemas.microsoft.com/office/drawing/2017/decorative" val="1"/>
+              </a:ext>
+            </a:extLst>
+          </p:cNvPr>
+          <p:cNvSpPr>
+            <a:spLocks noGrp="1" noRot="1" noChangeAspect="1" noMove="1" noResize="1" noEditPoints="1" noAdjustHandles="1" noChangeArrowheads="1" noChangeShapeType="1" noTextEdit="1"/>
+          </p:cNvSpPr>
+          <p:nvPr>
+            <p:extLst>
+              <p:ext uri="{386F3935-93C4-4BCD-93E2-E3B085C9AB24}">
+                <p16:designElem xmlns:p16="http://schemas.microsoft.com/office/powerpoint/2015/main" val="1"/>
+              </p:ext>
+            </p:extLst>
+          </p:nvPr>
+        </p:nvSpPr>
+        <p:spPr>
+          <a:xfrm>
+            <a:off x="643278" y="2372868"/>
+            <a:ext cx="3255095" cy="18288"/>
+          </a:xfrm>
+          <a:custGeom>
+            <a:avLst/>
+            <a:gdLst>
+              <a:gd name="connsiteX0" fmla="*/ 0 w 3255095"/>
+              <a:gd name="connsiteY0" fmla="*/ 0 h 18288"/>
+              <a:gd name="connsiteX1" fmla="*/ 618468 w 3255095"/>
+              <a:gd name="connsiteY1" fmla="*/ 0 h 18288"/>
+              <a:gd name="connsiteX2" fmla="*/ 1269487 w 3255095"/>
+              <a:gd name="connsiteY2" fmla="*/ 0 h 18288"/>
+              <a:gd name="connsiteX3" fmla="*/ 1953057 w 3255095"/>
+              <a:gd name="connsiteY3" fmla="*/ 0 h 18288"/>
+              <a:gd name="connsiteX4" fmla="*/ 2636627 w 3255095"/>
+              <a:gd name="connsiteY4" fmla="*/ 0 h 18288"/>
+              <a:gd name="connsiteX5" fmla="*/ 3255095 w 3255095"/>
+              <a:gd name="connsiteY5" fmla="*/ 0 h 18288"/>
+              <a:gd name="connsiteX6" fmla="*/ 3255095 w 3255095"/>
+              <a:gd name="connsiteY6" fmla="*/ 18288 h 18288"/>
+              <a:gd name="connsiteX7" fmla="*/ 2538974 w 3255095"/>
+              <a:gd name="connsiteY7" fmla="*/ 18288 h 18288"/>
+              <a:gd name="connsiteX8" fmla="*/ 1822853 w 3255095"/>
+              <a:gd name="connsiteY8" fmla="*/ 18288 h 18288"/>
+              <a:gd name="connsiteX9" fmla="*/ 1171834 w 3255095"/>
+              <a:gd name="connsiteY9" fmla="*/ 18288 h 18288"/>
+              <a:gd name="connsiteX10" fmla="*/ 0 w 3255095"/>
+              <a:gd name="connsiteY10" fmla="*/ 18288 h 18288"/>
+              <a:gd name="connsiteX11" fmla="*/ 0 w 3255095"/>
+              <a:gd name="connsiteY11" fmla="*/ 0 h 18288"/>
+            </a:gdLst>
+            <a:ahLst/>
+            <a:cxnLst>
+              <a:cxn ang="0">
+                <a:pos x="connsiteX0" y="connsiteY0"/>
+              </a:cxn>
+              <a:cxn ang="0">
+                <a:pos x="connsiteX1" y="connsiteY1"/>
+              </a:cxn>
+              <a:cxn ang="0">
+                <a:pos x="connsiteX2" y="connsiteY2"/>
+              </a:cxn>
+              <a:cxn ang="0">
+                <a:pos x="connsiteX3" y="connsiteY3"/>
+              </a:cxn>
+              <a:cxn ang="0">
+                <a:pos x="connsiteX4" y="connsiteY4"/>
+              </a:cxn>
+              <a:cxn ang="0">
+                <a:pos x="connsiteX5" y="connsiteY5"/>
+              </a:cxn>
+              <a:cxn ang="0">
+                <a:pos x="connsiteX6" y="connsiteY6"/>
+              </a:cxn>
+              <a:cxn ang="0">
+                <a:pos x="connsiteX7" y="connsiteY7"/>
+              </a:cxn>
+              <a:cxn ang="0">
+                <a:pos x="connsiteX8" y="connsiteY8"/>
+              </a:cxn>
+              <a:cxn ang="0">
+                <a:pos x="connsiteX9" y="connsiteY9"/>
+              </a:cxn>
+              <a:cxn ang="0">
+                <a:pos x="connsiteX10" y="connsiteY10"/>
+              </a:cxn>
+              <a:cxn ang="0">
+                <a:pos x="connsiteX11" y="connsiteY11"/>
+              </a:cxn>
+            </a:cxnLst>
+            <a:rect l="l" t="t" r="r" b="b"/>
+            <a:pathLst>
+              <a:path w="3255095" h="18288" fill="none" extrusionOk="0">
+                <a:moveTo>
+                  <a:pt x="0" y="0"/>
+                </a:moveTo>
+                <a:cubicBezTo>
+                  <a:pt x="240201" y="-22123"/>
+                  <a:pt x="462021" y="-19623"/>
+                  <a:pt x="618468" y="0"/>
+                </a:cubicBezTo>
+                <a:cubicBezTo>
+                  <a:pt x="774915" y="19623"/>
+                  <a:pt x="974734" y="2035"/>
+                  <a:pt x="1269487" y="0"/>
+                </a:cubicBezTo>
+                <a:cubicBezTo>
+                  <a:pt x="1564240" y="-2035"/>
+                  <a:pt x="1733579" y="10639"/>
+                  <a:pt x="1953057" y="0"/>
+                </a:cubicBezTo>
+                <a:cubicBezTo>
+                  <a:pt x="2172535" y="-10639"/>
+                  <a:pt x="2453962" y="14018"/>
+                  <a:pt x="2636627" y="0"/>
+                </a:cubicBezTo>
+                <a:cubicBezTo>
+                  <a:pt x="2819292" y="-14018"/>
+                  <a:pt x="3121375" y="5399"/>
+                  <a:pt x="3255095" y="0"/>
+                </a:cubicBezTo>
+                <a:cubicBezTo>
+                  <a:pt x="3254386" y="8157"/>
+                  <a:pt x="3254682" y="12125"/>
+                  <a:pt x="3255095" y="18288"/>
+                </a:cubicBezTo>
+                <a:cubicBezTo>
+                  <a:pt x="3088545" y="23203"/>
+                  <a:pt x="2687475" y="7419"/>
+                  <a:pt x="2538974" y="18288"/>
+                </a:cubicBezTo>
+                <a:cubicBezTo>
+                  <a:pt x="2390473" y="29157"/>
+                  <a:pt x="2137381" y="-8959"/>
+                  <a:pt x="1822853" y="18288"/>
+                </a:cubicBezTo>
+                <a:cubicBezTo>
+                  <a:pt x="1508325" y="45535"/>
+                  <a:pt x="1466437" y="20385"/>
+                  <a:pt x="1171834" y="18288"/>
+                </a:cubicBezTo>
+                <a:cubicBezTo>
+                  <a:pt x="877231" y="16191"/>
+                  <a:pt x="561097" y="37643"/>
+                  <a:pt x="0" y="18288"/>
+                </a:cubicBezTo>
+                <a:cubicBezTo>
+                  <a:pt x="-46" y="12483"/>
+                  <a:pt x="-203" y="6491"/>
+                  <a:pt x="0" y="0"/>
+                </a:cubicBezTo>
+                <a:close/>
+              </a:path>
+              <a:path w="3255095" h="18288" stroke="0" extrusionOk="0">
+                <a:moveTo>
+                  <a:pt x="0" y="0"/>
+                </a:moveTo>
+                <a:cubicBezTo>
+                  <a:pt x="291965" y="19429"/>
+                  <a:pt x="363155" y="8568"/>
+                  <a:pt x="618468" y="0"/>
+                </a:cubicBezTo>
+                <a:cubicBezTo>
+                  <a:pt x="873781" y="-8568"/>
+                  <a:pt x="904459" y="-19505"/>
+                  <a:pt x="1171834" y="0"/>
+                </a:cubicBezTo>
+                <a:cubicBezTo>
+                  <a:pt x="1439209" y="19505"/>
+                  <a:pt x="1744369" y="9790"/>
+                  <a:pt x="1887955" y="0"/>
+                </a:cubicBezTo>
+                <a:cubicBezTo>
+                  <a:pt x="2031541" y="-9790"/>
+                  <a:pt x="2346378" y="21240"/>
+                  <a:pt x="2506423" y="0"/>
+                </a:cubicBezTo>
+                <a:cubicBezTo>
+                  <a:pt x="2666468" y="-21240"/>
+                  <a:pt x="2990257" y="30414"/>
+                  <a:pt x="3255095" y="0"/>
+                </a:cubicBezTo>
+                <a:cubicBezTo>
+                  <a:pt x="3254831" y="4493"/>
+                  <a:pt x="3255479" y="9472"/>
+                  <a:pt x="3255095" y="18288"/>
+                </a:cubicBezTo>
+                <a:cubicBezTo>
+                  <a:pt x="3120743" y="16690"/>
+                  <a:pt x="2759628" y="42462"/>
+                  <a:pt x="2604076" y="18288"/>
+                </a:cubicBezTo>
+                <a:cubicBezTo>
+                  <a:pt x="2448524" y="-5886"/>
+                  <a:pt x="2184336" y="19599"/>
+                  <a:pt x="1887955" y="18288"/>
+                </a:cubicBezTo>
+                <a:cubicBezTo>
+                  <a:pt x="1591574" y="16977"/>
+                  <a:pt x="1548845" y="6870"/>
+                  <a:pt x="1334589" y="18288"/>
+                </a:cubicBezTo>
+                <a:cubicBezTo>
+                  <a:pt x="1120333" y="29706"/>
+                  <a:pt x="996014" y="9662"/>
+                  <a:pt x="683570" y="18288"/>
+                </a:cubicBezTo>
+                <a:cubicBezTo>
+                  <a:pt x="371126" y="26914"/>
+                  <a:pt x="198687" y="16167"/>
+                  <a:pt x="0" y="18288"/>
+                </a:cubicBezTo>
+                <a:cubicBezTo>
+                  <a:pt x="843" y="9577"/>
+                  <a:pt x="371" y="6900"/>
+                  <a:pt x="0" y="0"/>
+                </a:cubicBezTo>
+                <a:close/>
+              </a:path>
+            </a:pathLst>
+          </a:custGeom>
+          <a:solidFill>
+            <a:schemeClr val="accent2"/>
+          </a:solidFill>
+          <a:ln w="38100" cap="rnd">
+            <a:solidFill>
+              <a:schemeClr val="accent2"/>
+            </a:solidFill>
+            <a:round/>
+            <a:extLst>
+              <a:ext uri="{C807C97D-BFC1-408E-A445-0C87EB9F89A2}">
+                <ask:lineSketchStyleProps xmlns:ask="http://schemas.microsoft.com/office/drawing/2018/sketchyshapes" sd="1219033472">
+                  <a:prstGeom prst="rect">
+                    <a:avLst/>
+                  </a:prstGeom>
+                  <ask:type>
+                    <ask:lineSketchFreehand/>
+                  </ask:type>
+                </ask:lineSketchStyleProps>
+              </a:ext>
+            </a:extLst>
+          </a:ln>
+        </p:spPr>
+        <p:style>
+          <a:lnRef idx="2">
+            <a:schemeClr val="accent1">
+              <a:shade val="50000"/>
+            </a:schemeClr>
+          </a:lnRef>
+          <a:fillRef idx="1">
+            <a:schemeClr val="accent1"/>
+          </a:fillRef>
+          <a:effectRef idx="0">
+            <a:schemeClr val="accent1"/>
+          </a:effectRef>
+          <a:fontRef idx="minor">
+            <a:schemeClr val="lt1"/>
+          </a:fontRef>
+        </p:style>
+        <p:txBody>
+          <a:bodyPr rtlCol="0" anchor="ctr"/>
+          <a:lstStyle/>
+          <a:p>
+            <a:pPr algn="ctr"/>
+            <a:endParaRPr lang="en-US"/>
+          </a:p>
+        </p:txBody>
+      </p:sp>
+      <p:sp>
+        <p:nvSpPr>
+          <p:cNvPr id="3" name="Content Placeholder 2">
+            <a:extLst>
+              <a:ext uri="{FF2B5EF4-FFF2-40B4-BE49-F238E27FC236}">
+                <a16:creationId xmlns:a16="http://schemas.microsoft.com/office/drawing/2014/main" id="{57F176F8-1C0C-64E8-4E6B-56CAC4C9C18B}"/>
+              </a:ext>
+            </a:extLst>
+          </p:cNvPr>
+          <p:cNvSpPr>
+            <a:spLocks noGrp="1"/>
+          </p:cNvSpPr>
+          <p:nvPr>
+            <p:ph idx="1"/>
+          </p:nvPr>
+        </p:nvSpPr>
+        <p:spPr>
+          <a:xfrm>
+            <a:off x="630936" y="2660904"/>
+            <a:ext cx="4818888" cy="3547872"/>
+          </a:xfrm>
+        </p:spPr>
+        <p:txBody>
+          <a:bodyPr anchor="t">
+            <a:normAutofit/>
+          </a:bodyPr>
+          <a:lstStyle/>
+          <a:p>
+            <a:r>
+              <a:rPr lang="en-US" sz="2200" dirty="0"/>
+              <a:t>The dataset contains no missing values for any variable, suggesting high data integrity</a:t>
+            </a:r>
+          </a:p>
+          <a:p>
+            <a:r>
+              <a:rPr lang="en-US" sz="2200" dirty="0"/>
+              <a:t>There may be categorical imbalances in any of the variables, which could specify the need for certain classification algorithms</a:t>
+            </a:r>
+          </a:p>
+          <a:p>
+            <a:endParaRPr lang="en-US" sz="2200" dirty="0"/>
+          </a:p>
+        </p:txBody>
+      </p:sp>
+      <p:pic>
+        <p:nvPicPr>
+          <p:cNvPr id="6" name="Picture 5">
+            <a:extLst>
+              <a:ext uri="{FF2B5EF4-FFF2-40B4-BE49-F238E27FC236}">
+                <a16:creationId xmlns:a16="http://schemas.microsoft.com/office/drawing/2014/main" id="{CDCB1A9C-B7A0-D3E5-0C32-B7E1D588B160}"/>
+              </a:ext>
+            </a:extLst>
+          </p:cNvPr>
+          <p:cNvPicPr>
+            <a:picLocks noChangeAspect="1"/>
+          </p:cNvPicPr>
+          <p:nvPr/>
+        </p:nvPicPr>
+        <p:blipFill>
+          <a:blip r:embed="rId2"/>
+          <a:stretch>
+            <a:fillRect/>
+          </a:stretch>
+        </p:blipFill>
+        <p:spPr>
+          <a:xfrm>
+            <a:off x="6381255" y="640080"/>
+            <a:ext cx="4894554" cy="5577840"/>
+          </a:xfrm>
+          <a:prstGeom prst="rect">
+            <a:avLst/>
+          </a:prstGeom>
+        </p:spPr>
+      </p:pic>
+    </p:spTree>
+    <p:extLst>
+      <p:ext uri="{BB962C8B-B14F-4D97-AF65-F5344CB8AC3E}">
+        <p14:creationId xmlns:p14="http://schemas.microsoft.com/office/powerpoint/2010/main" val="863207787"/>
+      </p:ext>
+    </p:extLst>
+  </p:cSld>
+  <p:clrMapOvr>
+    <a:masterClrMapping/>
+  </p:clrMapOvr>
+</p:sld>
+</file>
+
+<file path=ppt/slides/slide16.xml><?xml version="1.0" encoding="utf-8"?>
+<p:sld xmlns:a="http://schemas.openxmlformats.org/drawingml/2006/main" xmlns:r="http://schemas.openxmlformats.org/officeDocument/2006/relationships" xmlns:p="http://schemas.openxmlformats.org/presentationml/2006/main">
+  <p:cSld>
+    <p:bg>
+      <p:bgPr>
+        <a:solidFill>
+          <a:schemeClr val="bg1"/>
+        </a:solidFill>
+        <a:effectLst/>
+      </p:bgPr>
+    </p:bg>
+    <p:spTree>
+      <p:nvGrpSpPr>
+        <p:cNvPr id="1" name=""/>
+        <p:cNvGrpSpPr/>
+        <p:nvPr/>
+      </p:nvGrpSpPr>
+      <p:grpSpPr>
+        <a:xfrm>
+          <a:off x="0" y="0"/>
+          <a:ext cx="0" cy="0"/>
+          <a:chOff x="0" y="0"/>
+          <a:chExt cx="0" cy="0"/>
+        </a:xfrm>
+      </p:grpSpPr>
+      <p:sp useBgFill="1">
+        <p:nvSpPr>
+          <p:cNvPr id="9" name="Rectangle 8">
+            <a:extLst>
+              <a:ext uri="{FF2B5EF4-FFF2-40B4-BE49-F238E27FC236}">
+                <a16:creationId xmlns:a16="http://schemas.microsoft.com/office/drawing/2014/main" id="{743AA782-23D1-4521-8CAD-47662984AA08}"/>
+              </a:ext>
+              <a:ext uri="{C183D7F6-B498-43B3-948B-1728B52AA6E4}">
+                <adec:decorative xmlns:adec="http://schemas.microsoft.com/office/drawing/2017/decorative" val="1"/>
+              </a:ext>
+            </a:extLst>
+          </p:cNvPr>
+          <p:cNvSpPr>
+            <a:spLocks noGrp="1" noRot="1" noChangeAspect="1" noMove="1" noResize="1" noEditPoints="1" noAdjustHandles="1" noChangeArrowheads="1" noChangeShapeType="1" noTextEdit="1"/>
+          </p:cNvSpPr>
+          <p:nvPr>
+            <p:extLst>
+              <p:ext uri="{386F3935-93C4-4BCD-93E2-E3B085C9AB24}">
+                <p16:designElem xmlns:p16="http://schemas.microsoft.com/office/powerpoint/2015/main" val="1"/>
+              </p:ext>
+            </p:extLst>
+          </p:nvPr>
+        </p:nvSpPr>
+        <p:spPr>
+          <a:xfrm>
+            <a:off x="0" y="0"/>
+            <a:ext cx="12192000" cy="6858000"/>
+          </a:xfrm>
+          <a:prstGeom prst="rect">
+            <a:avLst/>
+          </a:prstGeom>
+          <a:ln>
+            <a:noFill/>
+          </a:ln>
+        </p:spPr>
+        <p:style>
+          <a:lnRef idx="2">
+            <a:schemeClr val="accent1">
+              <a:shade val="50000"/>
+            </a:schemeClr>
+          </a:lnRef>
+          <a:fillRef idx="1">
+            <a:schemeClr val="accent1"/>
+          </a:fillRef>
+          <a:effectRef idx="0">
+            <a:schemeClr val="accent1"/>
+          </a:effectRef>
+          <a:fontRef idx="minor">
+            <a:schemeClr val="lt1"/>
+          </a:fontRef>
+        </p:style>
+        <p:txBody>
+          <a:bodyPr rtlCol="0" anchor="ctr"/>
+          <a:lstStyle/>
+          <a:p>
+            <a:pPr algn="ctr"/>
+            <a:endParaRPr lang="en-US"/>
+          </a:p>
+        </p:txBody>
+      </p:sp>
+      <p:sp>
+        <p:nvSpPr>
+          <p:cNvPr id="2" name="Title 1">
+            <a:extLst>
+              <a:ext uri="{FF2B5EF4-FFF2-40B4-BE49-F238E27FC236}">
+                <a16:creationId xmlns:a16="http://schemas.microsoft.com/office/drawing/2014/main" id="{C6D6B341-8C67-422C-BF81-EA0580F8A4FD}"/>
+              </a:ext>
+            </a:extLst>
+          </p:cNvPr>
+          <p:cNvSpPr>
+            <a:spLocks noGrp="1"/>
+          </p:cNvSpPr>
+          <p:nvPr>
+            <p:ph type="title"/>
+          </p:nvPr>
+        </p:nvSpPr>
+        <p:spPr>
+          <a:xfrm>
+            <a:off x="630936" y="640080"/>
+            <a:ext cx="4818888" cy="1481328"/>
+          </a:xfrm>
+        </p:spPr>
+        <p:txBody>
+          <a:bodyPr anchor="b">
+            <a:normAutofit/>
+          </a:bodyPr>
+          <a:lstStyle/>
+          <a:p>
+            <a:r>
+              <a:rPr lang="en-US" sz="3600" dirty="0"/>
+              <a:t>Prepare – Target Variable Distribution</a:t>
+            </a:r>
+          </a:p>
+        </p:txBody>
+      </p:sp>
+      <p:sp>
+        <p:nvSpPr>
+          <p:cNvPr id="11" name="sketch line">
+            <a:extLst>
+              <a:ext uri="{FF2B5EF4-FFF2-40B4-BE49-F238E27FC236}">
+                <a16:creationId xmlns:a16="http://schemas.microsoft.com/office/drawing/2014/main" id="{650D18FE-0824-4A46-B22C-A86B52E5780A}"/>
+              </a:ext>
+              <a:ext uri="{C183D7F6-B498-43B3-948B-1728B52AA6E4}">
+                <adec:decorative xmlns:adec="http://schemas.microsoft.com/office/drawing/2017/decorative" val="1"/>
+              </a:ext>
+            </a:extLst>
+          </p:cNvPr>
+          <p:cNvSpPr>
+            <a:spLocks noGrp="1" noRot="1" noChangeAspect="1" noMove="1" noResize="1" noEditPoints="1" noAdjustHandles="1" noChangeArrowheads="1" noChangeShapeType="1" noTextEdit="1"/>
+          </p:cNvSpPr>
+          <p:nvPr>
+            <p:extLst>
+              <p:ext uri="{386F3935-93C4-4BCD-93E2-E3B085C9AB24}">
+                <p16:designElem xmlns:p16="http://schemas.microsoft.com/office/powerpoint/2015/main" val="1"/>
+              </p:ext>
+            </p:extLst>
+          </p:nvPr>
+        </p:nvSpPr>
+        <p:spPr>
+          <a:xfrm>
+            <a:off x="643278" y="2372868"/>
+            <a:ext cx="3255095" cy="18288"/>
+          </a:xfrm>
+          <a:custGeom>
+            <a:avLst/>
+            <a:gdLst>
+              <a:gd name="connsiteX0" fmla="*/ 0 w 3255095"/>
+              <a:gd name="connsiteY0" fmla="*/ 0 h 18288"/>
+              <a:gd name="connsiteX1" fmla="*/ 618468 w 3255095"/>
+              <a:gd name="connsiteY1" fmla="*/ 0 h 18288"/>
+              <a:gd name="connsiteX2" fmla="*/ 1269487 w 3255095"/>
+              <a:gd name="connsiteY2" fmla="*/ 0 h 18288"/>
+              <a:gd name="connsiteX3" fmla="*/ 1953057 w 3255095"/>
+              <a:gd name="connsiteY3" fmla="*/ 0 h 18288"/>
+              <a:gd name="connsiteX4" fmla="*/ 2636627 w 3255095"/>
+              <a:gd name="connsiteY4" fmla="*/ 0 h 18288"/>
+              <a:gd name="connsiteX5" fmla="*/ 3255095 w 3255095"/>
+              <a:gd name="connsiteY5" fmla="*/ 0 h 18288"/>
+              <a:gd name="connsiteX6" fmla="*/ 3255095 w 3255095"/>
+              <a:gd name="connsiteY6" fmla="*/ 18288 h 18288"/>
+              <a:gd name="connsiteX7" fmla="*/ 2538974 w 3255095"/>
+              <a:gd name="connsiteY7" fmla="*/ 18288 h 18288"/>
+              <a:gd name="connsiteX8" fmla="*/ 1822853 w 3255095"/>
+              <a:gd name="connsiteY8" fmla="*/ 18288 h 18288"/>
+              <a:gd name="connsiteX9" fmla="*/ 1171834 w 3255095"/>
+              <a:gd name="connsiteY9" fmla="*/ 18288 h 18288"/>
+              <a:gd name="connsiteX10" fmla="*/ 0 w 3255095"/>
+              <a:gd name="connsiteY10" fmla="*/ 18288 h 18288"/>
+              <a:gd name="connsiteX11" fmla="*/ 0 w 3255095"/>
+              <a:gd name="connsiteY11" fmla="*/ 0 h 18288"/>
+            </a:gdLst>
+            <a:ahLst/>
+            <a:cxnLst>
+              <a:cxn ang="0">
+                <a:pos x="connsiteX0" y="connsiteY0"/>
+              </a:cxn>
+              <a:cxn ang="0">
+                <a:pos x="connsiteX1" y="connsiteY1"/>
+              </a:cxn>
+              <a:cxn ang="0">
+                <a:pos x="connsiteX2" y="connsiteY2"/>
+              </a:cxn>
+              <a:cxn ang="0">
+                <a:pos x="connsiteX3" y="connsiteY3"/>
+              </a:cxn>
+              <a:cxn ang="0">
+                <a:pos x="connsiteX4" y="connsiteY4"/>
+              </a:cxn>
+              <a:cxn ang="0">
+                <a:pos x="connsiteX5" y="connsiteY5"/>
+              </a:cxn>
+              <a:cxn ang="0">
+                <a:pos x="connsiteX6" y="connsiteY6"/>
+              </a:cxn>
+              <a:cxn ang="0">
+                <a:pos x="connsiteX7" y="connsiteY7"/>
+              </a:cxn>
+              <a:cxn ang="0">
+                <a:pos x="connsiteX8" y="connsiteY8"/>
+              </a:cxn>
+              <a:cxn ang="0">
+                <a:pos x="connsiteX9" y="connsiteY9"/>
+              </a:cxn>
+              <a:cxn ang="0">
+                <a:pos x="connsiteX10" y="connsiteY10"/>
+              </a:cxn>
+              <a:cxn ang="0">
+                <a:pos x="connsiteX11" y="connsiteY11"/>
+              </a:cxn>
+            </a:cxnLst>
+            <a:rect l="l" t="t" r="r" b="b"/>
+            <a:pathLst>
+              <a:path w="3255095" h="18288" fill="none" extrusionOk="0">
+                <a:moveTo>
+                  <a:pt x="0" y="0"/>
+                </a:moveTo>
+                <a:cubicBezTo>
+                  <a:pt x="240201" y="-22123"/>
+                  <a:pt x="462021" y="-19623"/>
+                  <a:pt x="618468" y="0"/>
+                </a:cubicBezTo>
+                <a:cubicBezTo>
+                  <a:pt x="774915" y="19623"/>
+                  <a:pt x="974734" y="2035"/>
+                  <a:pt x="1269487" y="0"/>
+                </a:cubicBezTo>
+                <a:cubicBezTo>
+                  <a:pt x="1564240" y="-2035"/>
+                  <a:pt x="1733579" y="10639"/>
+                  <a:pt x="1953057" y="0"/>
+                </a:cubicBezTo>
+                <a:cubicBezTo>
+                  <a:pt x="2172535" y="-10639"/>
+                  <a:pt x="2453962" y="14018"/>
+                  <a:pt x="2636627" y="0"/>
+                </a:cubicBezTo>
+                <a:cubicBezTo>
+                  <a:pt x="2819292" y="-14018"/>
+                  <a:pt x="3121375" y="5399"/>
+                  <a:pt x="3255095" y="0"/>
+                </a:cubicBezTo>
+                <a:cubicBezTo>
+                  <a:pt x="3254386" y="8157"/>
+                  <a:pt x="3254682" y="12125"/>
+                  <a:pt x="3255095" y="18288"/>
+                </a:cubicBezTo>
+                <a:cubicBezTo>
+                  <a:pt x="3088545" y="23203"/>
+                  <a:pt x="2687475" y="7419"/>
+                  <a:pt x="2538974" y="18288"/>
+                </a:cubicBezTo>
+                <a:cubicBezTo>
+                  <a:pt x="2390473" y="29157"/>
+                  <a:pt x="2137381" y="-8959"/>
+                  <a:pt x="1822853" y="18288"/>
+                </a:cubicBezTo>
+                <a:cubicBezTo>
+                  <a:pt x="1508325" y="45535"/>
+                  <a:pt x="1466437" y="20385"/>
+                  <a:pt x="1171834" y="18288"/>
+                </a:cubicBezTo>
+                <a:cubicBezTo>
+                  <a:pt x="877231" y="16191"/>
+                  <a:pt x="561097" y="37643"/>
+                  <a:pt x="0" y="18288"/>
+                </a:cubicBezTo>
+                <a:cubicBezTo>
+                  <a:pt x="-46" y="12483"/>
+                  <a:pt x="-203" y="6491"/>
+                  <a:pt x="0" y="0"/>
+                </a:cubicBezTo>
+                <a:close/>
+              </a:path>
+              <a:path w="3255095" h="18288" stroke="0" extrusionOk="0">
+                <a:moveTo>
+                  <a:pt x="0" y="0"/>
+                </a:moveTo>
+                <a:cubicBezTo>
+                  <a:pt x="291965" y="19429"/>
+                  <a:pt x="363155" y="8568"/>
+                  <a:pt x="618468" y="0"/>
+                </a:cubicBezTo>
+                <a:cubicBezTo>
+                  <a:pt x="873781" y="-8568"/>
+                  <a:pt x="904459" y="-19505"/>
+                  <a:pt x="1171834" y="0"/>
+                </a:cubicBezTo>
+                <a:cubicBezTo>
+                  <a:pt x="1439209" y="19505"/>
+                  <a:pt x="1744369" y="9790"/>
+                  <a:pt x="1887955" y="0"/>
+                </a:cubicBezTo>
+                <a:cubicBezTo>
+                  <a:pt x="2031541" y="-9790"/>
+                  <a:pt x="2346378" y="21240"/>
+                  <a:pt x="2506423" y="0"/>
+                </a:cubicBezTo>
+                <a:cubicBezTo>
+                  <a:pt x="2666468" y="-21240"/>
+                  <a:pt x="2990257" y="30414"/>
+                  <a:pt x="3255095" y="0"/>
+                </a:cubicBezTo>
+                <a:cubicBezTo>
+                  <a:pt x="3254831" y="4493"/>
+                  <a:pt x="3255479" y="9472"/>
+                  <a:pt x="3255095" y="18288"/>
+                </a:cubicBezTo>
+                <a:cubicBezTo>
+                  <a:pt x="3120743" y="16690"/>
+                  <a:pt x="2759628" y="42462"/>
+                  <a:pt x="2604076" y="18288"/>
+                </a:cubicBezTo>
+                <a:cubicBezTo>
+                  <a:pt x="2448524" y="-5886"/>
+                  <a:pt x="2184336" y="19599"/>
+                  <a:pt x="1887955" y="18288"/>
+                </a:cubicBezTo>
+                <a:cubicBezTo>
+                  <a:pt x="1591574" y="16977"/>
+                  <a:pt x="1548845" y="6870"/>
+                  <a:pt x="1334589" y="18288"/>
+                </a:cubicBezTo>
+                <a:cubicBezTo>
+                  <a:pt x="1120333" y="29706"/>
+                  <a:pt x="996014" y="9662"/>
+                  <a:pt x="683570" y="18288"/>
+                </a:cubicBezTo>
+                <a:cubicBezTo>
+                  <a:pt x="371126" y="26914"/>
+                  <a:pt x="198687" y="16167"/>
+                  <a:pt x="0" y="18288"/>
+                </a:cubicBezTo>
+                <a:cubicBezTo>
+                  <a:pt x="843" y="9577"/>
+                  <a:pt x="371" y="6900"/>
+                  <a:pt x="0" y="0"/>
+                </a:cubicBezTo>
+                <a:close/>
+              </a:path>
+            </a:pathLst>
+          </a:custGeom>
+          <a:solidFill>
+            <a:schemeClr val="accent2"/>
+          </a:solidFill>
+          <a:ln w="38100" cap="rnd">
+            <a:solidFill>
+              <a:schemeClr val="accent2"/>
+            </a:solidFill>
+            <a:round/>
+            <a:extLst>
+              <a:ext uri="{C807C97D-BFC1-408E-A445-0C87EB9F89A2}">
+                <ask:lineSketchStyleProps xmlns:ask="http://schemas.microsoft.com/office/drawing/2018/sketchyshapes" sd="1219033472">
+                  <a:prstGeom prst="rect">
+                    <a:avLst/>
+                  </a:prstGeom>
+                  <ask:type>
+                    <ask:lineSketchFreehand/>
+                  </ask:type>
+                </ask:lineSketchStyleProps>
+              </a:ext>
+            </a:extLst>
+          </a:ln>
+        </p:spPr>
+        <p:style>
+          <a:lnRef idx="2">
+            <a:schemeClr val="accent1">
+              <a:shade val="50000"/>
+            </a:schemeClr>
+          </a:lnRef>
+          <a:fillRef idx="1">
+            <a:schemeClr val="accent1"/>
+          </a:fillRef>
+          <a:effectRef idx="0">
+            <a:schemeClr val="accent1"/>
+          </a:effectRef>
+          <a:fontRef idx="minor">
+            <a:schemeClr val="lt1"/>
+          </a:fontRef>
+        </p:style>
+        <p:txBody>
+          <a:bodyPr rtlCol="0" anchor="ctr"/>
+          <a:lstStyle/>
+          <a:p>
+            <a:pPr algn="ctr"/>
+            <a:endParaRPr lang="en-US"/>
+          </a:p>
+        </p:txBody>
+      </p:sp>
+      <p:sp>
+        <p:nvSpPr>
+          <p:cNvPr id="3" name="Content Placeholder 2">
+            <a:extLst>
+              <a:ext uri="{FF2B5EF4-FFF2-40B4-BE49-F238E27FC236}">
+                <a16:creationId xmlns:a16="http://schemas.microsoft.com/office/drawing/2014/main" id="{AF88B126-5735-8BC7-806F-C340194C351B}"/>
+              </a:ext>
+            </a:extLst>
+          </p:cNvPr>
+          <p:cNvSpPr>
+            <a:spLocks noGrp="1"/>
+          </p:cNvSpPr>
+          <p:nvPr>
+            <p:ph idx="1"/>
+          </p:nvPr>
+        </p:nvSpPr>
+        <p:spPr>
+          <a:xfrm>
+            <a:off x="630936" y="2660904"/>
+            <a:ext cx="4818888" cy="3547872"/>
+          </a:xfrm>
+        </p:spPr>
+        <p:txBody>
+          <a:bodyPr anchor="t">
+            <a:normAutofit/>
+          </a:bodyPr>
+          <a:lstStyle/>
+          <a:p>
+            <a:r>
+              <a:rPr lang="en-US" sz="2200" dirty="0"/>
+              <a:t>The target variable is mostly even, slightly favoring the presence edible mushrooms</a:t>
+            </a:r>
+          </a:p>
+          <a:p>
+            <a:r>
+              <a:rPr lang="en-US" sz="2200" dirty="0"/>
+              <a:t>The imbalance is minimal, meaning weights may not need to be assigned</a:t>
+            </a:r>
+          </a:p>
+          <a:p>
+            <a:pPr marL="0" indent="0">
+              <a:buNone/>
+            </a:pPr>
+            <a:endParaRPr lang="en-US" sz="2200" dirty="0"/>
+          </a:p>
+        </p:txBody>
+      </p:sp>
+      <p:pic>
+        <p:nvPicPr>
+          <p:cNvPr id="4" name="Picture 3">
+            <a:extLst>
+              <a:ext uri="{FF2B5EF4-FFF2-40B4-BE49-F238E27FC236}">
+                <a16:creationId xmlns:a16="http://schemas.microsoft.com/office/drawing/2014/main" id="{A5CCB773-F9C4-F123-0D97-D96F82B88E29}"/>
+              </a:ext>
+            </a:extLst>
+          </p:cNvPr>
+          <p:cNvPicPr>
+            <a:picLocks noChangeAspect="1"/>
+          </p:cNvPicPr>
+          <p:nvPr/>
+        </p:nvPicPr>
+        <p:blipFill>
+          <a:blip r:embed="rId2"/>
+          <a:stretch>
+            <a:fillRect/>
+          </a:stretch>
+        </p:blipFill>
+        <p:spPr>
+          <a:xfrm>
+            <a:off x="6099048" y="747282"/>
+            <a:ext cx="5458968" cy="5363435"/>
+          </a:xfrm>
+          <a:prstGeom prst="rect">
+            <a:avLst/>
+          </a:prstGeom>
+        </p:spPr>
+      </p:pic>
+    </p:spTree>
+    <p:extLst>
+      <p:ext uri="{BB962C8B-B14F-4D97-AF65-F5344CB8AC3E}">
+        <p14:creationId xmlns:p14="http://schemas.microsoft.com/office/powerpoint/2010/main" val="2553303664"/>
+      </p:ext>
+    </p:extLst>
+  </p:cSld>
+  <p:clrMapOvr>
+    <a:masterClrMapping/>
+  </p:clrMapOvr>
+</p:sld>
+</file>
+
+<file path=ppt/slides/slide17.xml><?xml version="1.0" encoding="utf-8"?>
+<p:sld xmlns:a="http://schemas.openxmlformats.org/drawingml/2006/main" xmlns:r="http://schemas.openxmlformats.org/officeDocument/2006/relationships" xmlns:p="http://schemas.openxmlformats.org/presentationml/2006/main">
+  <p:cSld>
+    <p:bg>
+      <p:bgPr>
+        <a:solidFill>
+          <a:schemeClr val="bg1"/>
+        </a:solidFill>
+        <a:effectLst/>
+      </p:bgPr>
+    </p:bg>
+    <p:spTree>
+      <p:nvGrpSpPr>
+        <p:cNvPr id="1" name=""/>
+        <p:cNvGrpSpPr/>
+        <p:nvPr/>
+      </p:nvGrpSpPr>
+      <p:grpSpPr>
+        <a:xfrm>
+          <a:off x="0" y="0"/>
+          <a:ext cx="0" cy="0"/>
+          <a:chOff x="0" y="0"/>
+          <a:chExt cx="0" cy="0"/>
+        </a:xfrm>
+      </p:grpSpPr>
+      <p:sp useBgFill="1">
+        <p:nvSpPr>
+          <p:cNvPr id="9" name="Rectangle 8">
+            <a:extLst>
+              <a:ext uri="{FF2B5EF4-FFF2-40B4-BE49-F238E27FC236}">
+                <a16:creationId xmlns:a16="http://schemas.microsoft.com/office/drawing/2014/main" id="{743AA782-23D1-4521-8CAD-47662984AA08}"/>
+              </a:ext>
+              <a:ext uri="{C183D7F6-B498-43B3-948B-1728B52AA6E4}">
+                <adec:decorative xmlns:adec="http://schemas.microsoft.com/office/drawing/2017/decorative" val="1"/>
+              </a:ext>
+            </a:extLst>
+          </p:cNvPr>
+          <p:cNvSpPr>
+            <a:spLocks noGrp="1" noRot="1" noChangeAspect="1" noMove="1" noResize="1" noEditPoints="1" noAdjustHandles="1" noChangeArrowheads="1" noChangeShapeType="1" noTextEdit="1"/>
+          </p:cNvSpPr>
+          <p:nvPr>
+            <p:extLst>
+              <p:ext uri="{386F3935-93C4-4BCD-93E2-E3B085C9AB24}">
+                <p16:designElem xmlns:p16="http://schemas.microsoft.com/office/powerpoint/2015/main" val="1"/>
+              </p:ext>
+            </p:extLst>
+          </p:nvPr>
+        </p:nvSpPr>
+        <p:spPr>
+          <a:xfrm>
+            <a:off x="0" y="0"/>
+            <a:ext cx="12192000" cy="6858000"/>
+          </a:xfrm>
+          <a:prstGeom prst="rect">
+            <a:avLst/>
+          </a:prstGeom>
+          <a:ln>
+            <a:noFill/>
+          </a:ln>
+        </p:spPr>
+        <p:style>
+          <a:lnRef idx="2">
+            <a:schemeClr val="accent1">
+              <a:shade val="50000"/>
+            </a:schemeClr>
+          </a:lnRef>
+          <a:fillRef idx="1">
+            <a:schemeClr val="accent1"/>
+          </a:fillRef>
+          <a:effectRef idx="0">
+            <a:schemeClr val="accent1"/>
+          </a:effectRef>
+          <a:fontRef idx="minor">
+            <a:schemeClr val="lt1"/>
+          </a:fontRef>
+        </p:style>
+        <p:txBody>
+          <a:bodyPr rtlCol="0" anchor="ctr"/>
+          <a:lstStyle/>
+          <a:p>
+            <a:pPr algn="ctr"/>
+            <a:endParaRPr lang="en-US"/>
+          </a:p>
+        </p:txBody>
+      </p:sp>
+      <p:sp>
+        <p:nvSpPr>
+          <p:cNvPr id="2" name="Title 1">
+            <a:extLst>
+              <a:ext uri="{FF2B5EF4-FFF2-40B4-BE49-F238E27FC236}">
+                <a16:creationId xmlns:a16="http://schemas.microsoft.com/office/drawing/2014/main" id="{C1B0741E-65FD-CAFE-AD89-390A6CB219F7}"/>
+              </a:ext>
+            </a:extLst>
+          </p:cNvPr>
+          <p:cNvSpPr>
+            <a:spLocks noGrp="1"/>
+          </p:cNvSpPr>
+          <p:nvPr>
+            <p:ph type="title"/>
+          </p:nvPr>
+        </p:nvSpPr>
+        <p:spPr>
+          <a:xfrm>
+            <a:off x="630936" y="640080"/>
+            <a:ext cx="4818888" cy="1481328"/>
+          </a:xfrm>
+        </p:spPr>
+        <p:txBody>
+          <a:bodyPr anchor="b">
+            <a:normAutofit fontScale="90000"/>
+          </a:bodyPr>
+          <a:lstStyle/>
+          <a:p>
+            <a:r>
+              <a:rPr lang="en-US" sz="5400" dirty="0"/>
+              <a:t>Prepare – Odor vs Edibility</a:t>
+            </a:r>
+          </a:p>
+        </p:txBody>
+      </p:sp>
+      <p:sp>
+        <p:nvSpPr>
+          <p:cNvPr id="11" name="sketch line">
+            <a:extLst>
+              <a:ext uri="{FF2B5EF4-FFF2-40B4-BE49-F238E27FC236}">
+                <a16:creationId xmlns:a16="http://schemas.microsoft.com/office/drawing/2014/main" id="{650D18FE-0824-4A46-B22C-A86B52E5780A}"/>
+              </a:ext>
+              <a:ext uri="{C183D7F6-B498-43B3-948B-1728B52AA6E4}">
+                <adec:decorative xmlns:adec="http://schemas.microsoft.com/office/drawing/2017/decorative" val="1"/>
+              </a:ext>
+            </a:extLst>
+          </p:cNvPr>
+          <p:cNvSpPr>
+            <a:spLocks noGrp="1" noRot="1" noChangeAspect="1" noMove="1" noResize="1" noEditPoints="1" noAdjustHandles="1" noChangeArrowheads="1" noChangeShapeType="1" noTextEdit="1"/>
+          </p:cNvSpPr>
+          <p:nvPr>
+            <p:extLst>
+              <p:ext uri="{386F3935-93C4-4BCD-93E2-E3B085C9AB24}">
+                <p16:designElem xmlns:p16="http://schemas.microsoft.com/office/powerpoint/2015/main" val="1"/>
+              </p:ext>
+            </p:extLst>
+          </p:nvPr>
+        </p:nvSpPr>
+        <p:spPr>
+          <a:xfrm>
+            <a:off x="643278" y="2372868"/>
+            <a:ext cx="3255095" cy="18288"/>
+          </a:xfrm>
+          <a:custGeom>
+            <a:avLst/>
+            <a:gdLst>
+              <a:gd name="connsiteX0" fmla="*/ 0 w 3255095"/>
+              <a:gd name="connsiteY0" fmla="*/ 0 h 18288"/>
+              <a:gd name="connsiteX1" fmla="*/ 618468 w 3255095"/>
+              <a:gd name="connsiteY1" fmla="*/ 0 h 18288"/>
+              <a:gd name="connsiteX2" fmla="*/ 1269487 w 3255095"/>
+              <a:gd name="connsiteY2" fmla="*/ 0 h 18288"/>
+              <a:gd name="connsiteX3" fmla="*/ 1953057 w 3255095"/>
+              <a:gd name="connsiteY3" fmla="*/ 0 h 18288"/>
+              <a:gd name="connsiteX4" fmla="*/ 2636627 w 3255095"/>
+              <a:gd name="connsiteY4" fmla="*/ 0 h 18288"/>
+              <a:gd name="connsiteX5" fmla="*/ 3255095 w 3255095"/>
+              <a:gd name="connsiteY5" fmla="*/ 0 h 18288"/>
+              <a:gd name="connsiteX6" fmla="*/ 3255095 w 3255095"/>
+              <a:gd name="connsiteY6" fmla="*/ 18288 h 18288"/>
+              <a:gd name="connsiteX7" fmla="*/ 2538974 w 3255095"/>
+              <a:gd name="connsiteY7" fmla="*/ 18288 h 18288"/>
+              <a:gd name="connsiteX8" fmla="*/ 1822853 w 3255095"/>
+              <a:gd name="connsiteY8" fmla="*/ 18288 h 18288"/>
+              <a:gd name="connsiteX9" fmla="*/ 1171834 w 3255095"/>
+              <a:gd name="connsiteY9" fmla="*/ 18288 h 18288"/>
+              <a:gd name="connsiteX10" fmla="*/ 0 w 3255095"/>
+              <a:gd name="connsiteY10" fmla="*/ 18288 h 18288"/>
+              <a:gd name="connsiteX11" fmla="*/ 0 w 3255095"/>
+              <a:gd name="connsiteY11" fmla="*/ 0 h 18288"/>
+            </a:gdLst>
+            <a:ahLst/>
+            <a:cxnLst>
+              <a:cxn ang="0">
+                <a:pos x="connsiteX0" y="connsiteY0"/>
+              </a:cxn>
+              <a:cxn ang="0">
+                <a:pos x="connsiteX1" y="connsiteY1"/>
+              </a:cxn>
+              <a:cxn ang="0">
+                <a:pos x="connsiteX2" y="connsiteY2"/>
+              </a:cxn>
+              <a:cxn ang="0">
+                <a:pos x="connsiteX3" y="connsiteY3"/>
+              </a:cxn>
+              <a:cxn ang="0">
+                <a:pos x="connsiteX4" y="connsiteY4"/>
+              </a:cxn>
+              <a:cxn ang="0">
+                <a:pos x="connsiteX5" y="connsiteY5"/>
+              </a:cxn>
+              <a:cxn ang="0">
+                <a:pos x="connsiteX6" y="connsiteY6"/>
+              </a:cxn>
+              <a:cxn ang="0">
+                <a:pos x="connsiteX7" y="connsiteY7"/>
+              </a:cxn>
+              <a:cxn ang="0">
+                <a:pos x="connsiteX8" y="connsiteY8"/>
+              </a:cxn>
+              <a:cxn ang="0">
+                <a:pos x="connsiteX9" y="connsiteY9"/>
+              </a:cxn>
+              <a:cxn ang="0">
+                <a:pos x="connsiteX10" y="connsiteY10"/>
+              </a:cxn>
+              <a:cxn ang="0">
+                <a:pos x="connsiteX11" y="connsiteY11"/>
+              </a:cxn>
+            </a:cxnLst>
+            <a:rect l="l" t="t" r="r" b="b"/>
+            <a:pathLst>
+              <a:path w="3255095" h="18288" fill="none" extrusionOk="0">
+                <a:moveTo>
+                  <a:pt x="0" y="0"/>
+                </a:moveTo>
+                <a:cubicBezTo>
+                  <a:pt x="240201" y="-22123"/>
+                  <a:pt x="462021" y="-19623"/>
+                  <a:pt x="618468" y="0"/>
+                </a:cubicBezTo>
+                <a:cubicBezTo>
+                  <a:pt x="774915" y="19623"/>
+                  <a:pt x="974734" y="2035"/>
+                  <a:pt x="1269487" y="0"/>
+                </a:cubicBezTo>
+                <a:cubicBezTo>
+                  <a:pt x="1564240" y="-2035"/>
+                  <a:pt x="1733579" y="10639"/>
+                  <a:pt x="1953057" y="0"/>
+                </a:cubicBezTo>
+                <a:cubicBezTo>
+                  <a:pt x="2172535" y="-10639"/>
+                  <a:pt x="2453962" y="14018"/>
+                  <a:pt x="2636627" y="0"/>
+                </a:cubicBezTo>
+                <a:cubicBezTo>
+                  <a:pt x="2819292" y="-14018"/>
+                  <a:pt x="3121375" y="5399"/>
+                  <a:pt x="3255095" y="0"/>
+                </a:cubicBezTo>
+                <a:cubicBezTo>
+                  <a:pt x="3254386" y="8157"/>
+                  <a:pt x="3254682" y="12125"/>
+                  <a:pt x="3255095" y="18288"/>
+                </a:cubicBezTo>
+                <a:cubicBezTo>
+                  <a:pt x="3088545" y="23203"/>
+                  <a:pt x="2687475" y="7419"/>
+                  <a:pt x="2538974" y="18288"/>
+                </a:cubicBezTo>
+                <a:cubicBezTo>
+                  <a:pt x="2390473" y="29157"/>
+                  <a:pt x="2137381" y="-8959"/>
+                  <a:pt x="1822853" y="18288"/>
+                </a:cubicBezTo>
+                <a:cubicBezTo>
+                  <a:pt x="1508325" y="45535"/>
+                  <a:pt x="1466437" y="20385"/>
+                  <a:pt x="1171834" y="18288"/>
+                </a:cubicBezTo>
+                <a:cubicBezTo>
+                  <a:pt x="877231" y="16191"/>
+                  <a:pt x="561097" y="37643"/>
+                  <a:pt x="0" y="18288"/>
+                </a:cubicBezTo>
+                <a:cubicBezTo>
+                  <a:pt x="-46" y="12483"/>
+                  <a:pt x="-203" y="6491"/>
+                  <a:pt x="0" y="0"/>
+                </a:cubicBezTo>
+                <a:close/>
+              </a:path>
+              <a:path w="3255095" h="18288" stroke="0" extrusionOk="0">
+                <a:moveTo>
+                  <a:pt x="0" y="0"/>
+                </a:moveTo>
+                <a:cubicBezTo>
+                  <a:pt x="291965" y="19429"/>
+                  <a:pt x="363155" y="8568"/>
+                  <a:pt x="618468" y="0"/>
+                </a:cubicBezTo>
+                <a:cubicBezTo>
+                  <a:pt x="873781" y="-8568"/>
+                  <a:pt x="904459" y="-19505"/>
+                  <a:pt x="1171834" y="0"/>
+                </a:cubicBezTo>
+                <a:cubicBezTo>
+                  <a:pt x="1439209" y="19505"/>
+                  <a:pt x="1744369" y="9790"/>
+                  <a:pt x="1887955" y="0"/>
+                </a:cubicBezTo>
+                <a:cubicBezTo>
+                  <a:pt x="2031541" y="-9790"/>
+                  <a:pt x="2346378" y="21240"/>
+                  <a:pt x="2506423" y="0"/>
+                </a:cubicBezTo>
+                <a:cubicBezTo>
+                  <a:pt x="2666468" y="-21240"/>
+                  <a:pt x="2990257" y="30414"/>
+                  <a:pt x="3255095" y="0"/>
+                </a:cubicBezTo>
+                <a:cubicBezTo>
+                  <a:pt x="3254831" y="4493"/>
+                  <a:pt x="3255479" y="9472"/>
+                  <a:pt x="3255095" y="18288"/>
+                </a:cubicBezTo>
+                <a:cubicBezTo>
+                  <a:pt x="3120743" y="16690"/>
+                  <a:pt x="2759628" y="42462"/>
+                  <a:pt x="2604076" y="18288"/>
+                </a:cubicBezTo>
+                <a:cubicBezTo>
+                  <a:pt x="2448524" y="-5886"/>
+                  <a:pt x="2184336" y="19599"/>
+                  <a:pt x="1887955" y="18288"/>
+                </a:cubicBezTo>
+                <a:cubicBezTo>
+                  <a:pt x="1591574" y="16977"/>
+                  <a:pt x="1548845" y="6870"/>
+                  <a:pt x="1334589" y="18288"/>
+                </a:cubicBezTo>
+                <a:cubicBezTo>
+                  <a:pt x="1120333" y="29706"/>
+                  <a:pt x="996014" y="9662"/>
+                  <a:pt x="683570" y="18288"/>
+                </a:cubicBezTo>
+                <a:cubicBezTo>
+                  <a:pt x="371126" y="26914"/>
+                  <a:pt x="198687" y="16167"/>
+                  <a:pt x="0" y="18288"/>
+                </a:cubicBezTo>
+                <a:cubicBezTo>
+                  <a:pt x="843" y="9577"/>
+                  <a:pt x="371" y="6900"/>
+                  <a:pt x="0" y="0"/>
+                </a:cubicBezTo>
+                <a:close/>
+              </a:path>
+            </a:pathLst>
+          </a:custGeom>
+          <a:solidFill>
+            <a:schemeClr val="accent2"/>
+          </a:solidFill>
+          <a:ln w="38100" cap="rnd">
+            <a:solidFill>
+              <a:schemeClr val="accent2"/>
+            </a:solidFill>
+            <a:round/>
+            <a:extLst>
+              <a:ext uri="{C807C97D-BFC1-408E-A445-0C87EB9F89A2}">
+                <ask:lineSketchStyleProps xmlns:ask="http://schemas.microsoft.com/office/drawing/2018/sketchyshapes" sd="1219033472">
+                  <a:prstGeom prst="rect">
+                    <a:avLst/>
+                  </a:prstGeom>
+                  <ask:type>
+                    <ask:lineSketchFreehand/>
+                  </ask:type>
+                </ask:lineSketchStyleProps>
+              </a:ext>
+            </a:extLst>
+          </a:ln>
+        </p:spPr>
+        <p:style>
+          <a:lnRef idx="2">
+            <a:schemeClr val="accent1">
+              <a:shade val="50000"/>
+            </a:schemeClr>
+          </a:lnRef>
+          <a:fillRef idx="1">
+            <a:schemeClr val="accent1"/>
+          </a:fillRef>
+          <a:effectRef idx="0">
+            <a:schemeClr val="accent1"/>
+          </a:effectRef>
+          <a:fontRef idx="minor">
+            <a:schemeClr val="lt1"/>
+          </a:fontRef>
+        </p:style>
+        <p:txBody>
+          <a:bodyPr rtlCol="0" anchor="ctr"/>
+          <a:lstStyle/>
+          <a:p>
+            <a:pPr algn="ctr"/>
+            <a:endParaRPr lang="en-US"/>
+          </a:p>
+        </p:txBody>
+      </p:sp>
+      <p:sp>
+        <p:nvSpPr>
+          <p:cNvPr id="3" name="Content Placeholder 2">
+            <a:extLst>
+              <a:ext uri="{FF2B5EF4-FFF2-40B4-BE49-F238E27FC236}">
+                <a16:creationId xmlns:a16="http://schemas.microsoft.com/office/drawing/2014/main" id="{4D0D5B06-B835-3F04-BDB1-8DEF55F43318}"/>
+              </a:ext>
+            </a:extLst>
+          </p:cNvPr>
+          <p:cNvSpPr>
+            <a:spLocks noGrp="1"/>
+          </p:cNvSpPr>
+          <p:nvPr>
+            <p:ph idx="1"/>
+          </p:nvPr>
+        </p:nvSpPr>
+        <p:spPr>
+          <a:xfrm>
+            <a:off x="630936" y="2660904"/>
+            <a:ext cx="4818888" cy="3547872"/>
+          </a:xfrm>
+        </p:spPr>
+        <p:txBody>
+          <a:bodyPr anchor="t">
+            <a:normAutofit/>
+          </a:bodyPr>
+          <a:lstStyle/>
+          <a:p>
+            <a:r>
+              <a:rPr lang="en-US" sz="2200" dirty="0"/>
+              <a:t>There appear to be patterns where certain odors are more correlated to poisonous and edible mushrooms</a:t>
+            </a:r>
+          </a:p>
+          <a:p>
+            <a:r>
+              <a:rPr lang="en-US" sz="2200" dirty="0"/>
+              <a:t>The data is dominated by odor categories “n” and “f” where “n” means no odor and “f” means foul.</a:t>
+            </a:r>
+          </a:p>
+          <a:p>
+            <a:pPr marL="0" indent="0">
+              <a:buNone/>
+            </a:pPr>
+            <a:endParaRPr lang="en-US" sz="2200" dirty="0"/>
+          </a:p>
+        </p:txBody>
+      </p:sp>
+      <p:pic>
+        <p:nvPicPr>
+          <p:cNvPr id="4" name="Picture 3" descr="A screen shot of a graph&#10;&#10;Description automatically generated">
+            <a:extLst>
+              <a:ext uri="{FF2B5EF4-FFF2-40B4-BE49-F238E27FC236}">
+                <a16:creationId xmlns:a16="http://schemas.microsoft.com/office/drawing/2014/main" id="{4633306B-1611-C536-0F85-B727C157C969}"/>
+              </a:ext>
+            </a:extLst>
+          </p:cNvPr>
+          <p:cNvPicPr>
+            <a:picLocks noChangeAspect="1"/>
+          </p:cNvPicPr>
+          <p:nvPr/>
+        </p:nvPicPr>
+        <p:blipFill>
+          <a:blip r:embed="rId2"/>
+          <a:stretch>
+            <a:fillRect/>
+          </a:stretch>
+        </p:blipFill>
+        <p:spPr>
+          <a:xfrm>
+            <a:off x="6099048" y="1020230"/>
+            <a:ext cx="5458968" cy="4817539"/>
+          </a:xfrm>
+          <a:prstGeom prst="rect">
+            <a:avLst/>
+          </a:prstGeom>
+        </p:spPr>
+      </p:pic>
+    </p:spTree>
+    <p:extLst>
+      <p:ext uri="{BB962C8B-B14F-4D97-AF65-F5344CB8AC3E}">
+        <p14:creationId xmlns:p14="http://schemas.microsoft.com/office/powerpoint/2010/main" val="4007061087"/>
+      </p:ext>
+    </p:extLst>
+  </p:cSld>
+  <p:clrMapOvr>
+    <a:masterClrMapping/>
+  </p:clrMapOvr>
+</p:sld>
+</file>
+
+<file path=ppt/slides/slide18.xml><?xml version="1.0" encoding="utf-8"?>
+<p:sld xmlns:a="http://schemas.openxmlformats.org/drawingml/2006/main" xmlns:r="http://schemas.openxmlformats.org/officeDocument/2006/relationships" xmlns:p="http://schemas.openxmlformats.org/presentationml/2006/main">
+  <p:cSld>
+    <p:bg>
+      <p:bgPr>
+        <a:solidFill>
+          <a:schemeClr val="bg1"/>
+        </a:solidFill>
+        <a:effectLst/>
+      </p:bgPr>
+    </p:bg>
+    <p:spTree>
+      <p:nvGrpSpPr>
+        <p:cNvPr id="1" name=""/>
+        <p:cNvGrpSpPr/>
+        <p:nvPr/>
+      </p:nvGrpSpPr>
+      <p:grpSpPr>
+        <a:xfrm>
+          <a:off x="0" y="0"/>
+          <a:ext cx="0" cy="0"/>
+          <a:chOff x="0" y="0"/>
+          <a:chExt cx="0" cy="0"/>
+        </a:xfrm>
+      </p:grpSpPr>
+      <p:sp useBgFill="1">
+        <p:nvSpPr>
+          <p:cNvPr id="9" name="Rectangle 8">
+            <a:extLst>
+              <a:ext uri="{FF2B5EF4-FFF2-40B4-BE49-F238E27FC236}">
+                <a16:creationId xmlns:a16="http://schemas.microsoft.com/office/drawing/2014/main" id="{743AA782-23D1-4521-8CAD-47662984AA08}"/>
+              </a:ext>
+              <a:ext uri="{C183D7F6-B498-43B3-948B-1728B52AA6E4}">
+                <adec:decorative xmlns:adec="http://schemas.microsoft.com/office/drawing/2017/decorative" val="1"/>
+              </a:ext>
+            </a:extLst>
+          </p:cNvPr>
+          <p:cNvSpPr>
+            <a:spLocks noGrp="1" noRot="1" noChangeAspect="1" noMove="1" noResize="1" noEditPoints="1" noAdjustHandles="1" noChangeArrowheads="1" noChangeShapeType="1" noTextEdit="1"/>
+          </p:cNvSpPr>
+          <p:nvPr>
+            <p:extLst>
+              <p:ext uri="{386F3935-93C4-4BCD-93E2-E3B085C9AB24}">
+                <p16:designElem xmlns:p16="http://schemas.microsoft.com/office/powerpoint/2015/main" val="1"/>
+              </p:ext>
+            </p:extLst>
+          </p:nvPr>
+        </p:nvSpPr>
+        <p:spPr>
+          <a:xfrm>
+            <a:off x="0" y="0"/>
+            <a:ext cx="12192000" cy="6858000"/>
+          </a:xfrm>
+          <a:prstGeom prst="rect">
+            <a:avLst/>
+          </a:prstGeom>
+          <a:ln>
+            <a:noFill/>
+          </a:ln>
+        </p:spPr>
+        <p:style>
+          <a:lnRef idx="2">
+            <a:schemeClr val="accent1">
+              <a:shade val="50000"/>
+            </a:schemeClr>
+          </a:lnRef>
+          <a:fillRef idx="1">
+            <a:schemeClr val="accent1"/>
+          </a:fillRef>
+          <a:effectRef idx="0">
+            <a:schemeClr val="accent1"/>
+          </a:effectRef>
+          <a:fontRef idx="minor">
+            <a:schemeClr val="lt1"/>
+          </a:fontRef>
+        </p:style>
+        <p:txBody>
+          <a:bodyPr rtlCol="0" anchor="ctr"/>
+          <a:lstStyle/>
+          <a:p>
+            <a:pPr algn="ctr"/>
+            <a:endParaRPr lang="en-US"/>
+          </a:p>
+        </p:txBody>
+      </p:sp>
+      <p:sp>
+        <p:nvSpPr>
+          <p:cNvPr id="2" name="Title 1">
+            <a:extLst>
+              <a:ext uri="{FF2B5EF4-FFF2-40B4-BE49-F238E27FC236}">
+                <a16:creationId xmlns:a16="http://schemas.microsoft.com/office/drawing/2014/main" id="{00A4AD66-CD82-21C3-4908-757A506347DA}"/>
+              </a:ext>
+            </a:extLst>
+          </p:cNvPr>
+          <p:cNvSpPr>
+            <a:spLocks noGrp="1"/>
+          </p:cNvSpPr>
+          <p:nvPr>
+            <p:ph type="title"/>
+          </p:nvPr>
+        </p:nvSpPr>
+        <p:spPr>
+          <a:xfrm>
+            <a:off x="630936" y="640080"/>
+            <a:ext cx="4818888" cy="1481328"/>
+          </a:xfrm>
+        </p:spPr>
+        <p:txBody>
+          <a:bodyPr anchor="b">
+            <a:normAutofit fontScale="90000"/>
+          </a:bodyPr>
+          <a:lstStyle/>
+          <a:p>
+            <a:r>
+              <a:rPr lang="en-US" sz="5400" dirty="0"/>
+              <a:t>Prepare – Cap Color vs Edibility</a:t>
+            </a:r>
+          </a:p>
+        </p:txBody>
+      </p:sp>
+      <p:sp>
+        <p:nvSpPr>
+          <p:cNvPr id="11" name="sketch line">
+            <a:extLst>
+              <a:ext uri="{FF2B5EF4-FFF2-40B4-BE49-F238E27FC236}">
+                <a16:creationId xmlns:a16="http://schemas.microsoft.com/office/drawing/2014/main" id="{650D18FE-0824-4A46-B22C-A86B52E5780A}"/>
+              </a:ext>
+              <a:ext uri="{C183D7F6-B498-43B3-948B-1728B52AA6E4}">
+                <adec:decorative xmlns:adec="http://schemas.microsoft.com/office/drawing/2017/decorative" val="1"/>
+              </a:ext>
+            </a:extLst>
+          </p:cNvPr>
+          <p:cNvSpPr>
+            <a:spLocks noGrp="1" noRot="1" noChangeAspect="1" noMove="1" noResize="1" noEditPoints="1" noAdjustHandles="1" noChangeArrowheads="1" noChangeShapeType="1" noTextEdit="1"/>
+          </p:cNvSpPr>
+          <p:nvPr>
+            <p:extLst>
+              <p:ext uri="{386F3935-93C4-4BCD-93E2-E3B085C9AB24}">
+                <p16:designElem xmlns:p16="http://schemas.microsoft.com/office/powerpoint/2015/main" val="1"/>
+              </p:ext>
+            </p:extLst>
+          </p:nvPr>
+        </p:nvSpPr>
+        <p:spPr>
+          <a:xfrm>
+            <a:off x="643278" y="2372868"/>
+            <a:ext cx="3255095" cy="18288"/>
+          </a:xfrm>
+          <a:custGeom>
+            <a:avLst/>
+            <a:gdLst>
+              <a:gd name="connsiteX0" fmla="*/ 0 w 3255095"/>
+              <a:gd name="connsiteY0" fmla="*/ 0 h 18288"/>
+              <a:gd name="connsiteX1" fmla="*/ 618468 w 3255095"/>
+              <a:gd name="connsiteY1" fmla="*/ 0 h 18288"/>
+              <a:gd name="connsiteX2" fmla="*/ 1269487 w 3255095"/>
+              <a:gd name="connsiteY2" fmla="*/ 0 h 18288"/>
+              <a:gd name="connsiteX3" fmla="*/ 1953057 w 3255095"/>
+              <a:gd name="connsiteY3" fmla="*/ 0 h 18288"/>
+              <a:gd name="connsiteX4" fmla="*/ 2636627 w 3255095"/>
+              <a:gd name="connsiteY4" fmla="*/ 0 h 18288"/>
+              <a:gd name="connsiteX5" fmla="*/ 3255095 w 3255095"/>
+              <a:gd name="connsiteY5" fmla="*/ 0 h 18288"/>
+              <a:gd name="connsiteX6" fmla="*/ 3255095 w 3255095"/>
+              <a:gd name="connsiteY6" fmla="*/ 18288 h 18288"/>
+              <a:gd name="connsiteX7" fmla="*/ 2538974 w 3255095"/>
+              <a:gd name="connsiteY7" fmla="*/ 18288 h 18288"/>
+              <a:gd name="connsiteX8" fmla="*/ 1822853 w 3255095"/>
+              <a:gd name="connsiteY8" fmla="*/ 18288 h 18288"/>
+              <a:gd name="connsiteX9" fmla="*/ 1171834 w 3255095"/>
+              <a:gd name="connsiteY9" fmla="*/ 18288 h 18288"/>
+              <a:gd name="connsiteX10" fmla="*/ 0 w 3255095"/>
+              <a:gd name="connsiteY10" fmla="*/ 18288 h 18288"/>
+              <a:gd name="connsiteX11" fmla="*/ 0 w 3255095"/>
+              <a:gd name="connsiteY11" fmla="*/ 0 h 18288"/>
+            </a:gdLst>
+            <a:ahLst/>
+            <a:cxnLst>
+              <a:cxn ang="0">
+                <a:pos x="connsiteX0" y="connsiteY0"/>
+              </a:cxn>
+              <a:cxn ang="0">
+                <a:pos x="connsiteX1" y="connsiteY1"/>
+              </a:cxn>
+              <a:cxn ang="0">
+                <a:pos x="connsiteX2" y="connsiteY2"/>
+              </a:cxn>
+              <a:cxn ang="0">
+                <a:pos x="connsiteX3" y="connsiteY3"/>
+              </a:cxn>
+              <a:cxn ang="0">
+                <a:pos x="connsiteX4" y="connsiteY4"/>
+              </a:cxn>
+              <a:cxn ang="0">
+                <a:pos x="connsiteX5" y="connsiteY5"/>
+              </a:cxn>
+              <a:cxn ang="0">
+                <a:pos x="connsiteX6" y="connsiteY6"/>
+              </a:cxn>
+              <a:cxn ang="0">
+                <a:pos x="connsiteX7" y="connsiteY7"/>
+              </a:cxn>
+              <a:cxn ang="0">
+                <a:pos x="connsiteX8" y="connsiteY8"/>
+              </a:cxn>
+              <a:cxn ang="0">
+                <a:pos x="connsiteX9" y="connsiteY9"/>
+              </a:cxn>
+              <a:cxn ang="0">
+                <a:pos x="connsiteX10" y="connsiteY10"/>
+              </a:cxn>
+              <a:cxn ang="0">
+                <a:pos x="connsiteX11" y="connsiteY11"/>
+              </a:cxn>
+            </a:cxnLst>
+            <a:rect l="l" t="t" r="r" b="b"/>
+            <a:pathLst>
+              <a:path w="3255095" h="18288" fill="none" extrusionOk="0">
+                <a:moveTo>
+                  <a:pt x="0" y="0"/>
+                </a:moveTo>
+                <a:cubicBezTo>
+                  <a:pt x="240201" y="-22123"/>
+                  <a:pt x="462021" y="-19623"/>
+                  <a:pt x="618468" y="0"/>
+                </a:cubicBezTo>
+                <a:cubicBezTo>
+                  <a:pt x="774915" y="19623"/>
+                  <a:pt x="974734" y="2035"/>
+                  <a:pt x="1269487" y="0"/>
+                </a:cubicBezTo>
+                <a:cubicBezTo>
+                  <a:pt x="1564240" y="-2035"/>
+                  <a:pt x="1733579" y="10639"/>
+                  <a:pt x="1953057" y="0"/>
+                </a:cubicBezTo>
+                <a:cubicBezTo>
+                  <a:pt x="2172535" y="-10639"/>
+                  <a:pt x="2453962" y="14018"/>
+                  <a:pt x="2636627" y="0"/>
+                </a:cubicBezTo>
+                <a:cubicBezTo>
+                  <a:pt x="2819292" y="-14018"/>
+                  <a:pt x="3121375" y="5399"/>
+                  <a:pt x="3255095" y="0"/>
+                </a:cubicBezTo>
+                <a:cubicBezTo>
+                  <a:pt x="3254386" y="8157"/>
+                  <a:pt x="3254682" y="12125"/>
+                  <a:pt x="3255095" y="18288"/>
+                </a:cubicBezTo>
+                <a:cubicBezTo>
+                  <a:pt x="3088545" y="23203"/>
+                  <a:pt x="2687475" y="7419"/>
+                  <a:pt x="2538974" y="18288"/>
+                </a:cubicBezTo>
+                <a:cubicBezTo>
+                  <a:pt x="2390473" y="29157"/>
+                  <a:pt x="2137381" y="-8959"/>
+                  <a:pt x="1822853" y="18288"/>
+                </a:cubicBezTo>
+                <a:cubicBezTo>
+                  <a:pt x="1508325" y="45535"/>
+                  <a:pt x="1466437" y="20385"/>
+                  <a:pt x="1171834" y="18288"/>
+                </a:cubicBezTo>
+                <a:cubicBezTo>
+                  <a:pt x="877231" y="16191"/>
+                  <a:pt x="561097" y="37643"/>
+                  <a:pt x="0" y="18288"/>
+                </a:cubicBezTo>
+                <a:cubicBezTo>
+                  <a:pt x="-46" y="12483"/>
+                  <a:pt x="-203" y="6491"/>
+                  <a:pt x="0" y="0"/>
+                </a:cubicBezTo>
+                <a:close/>
+              </a:path>
+              <a:path w="3255095" h="18288" stroke="0" extrusionOk="0">
+                <a:moveTo>
+                  <a:pt x="0" y="0"/>
+                </a:moveTo>
+                <a:cubicBezTo>
+                  <a:pt x="291965" y="19429"/>
+                  <a:pt x="363155" y="8568"/>
+                  <a:pt x="618468" y="0"/>
+                </a:cubicBezTo>
+                <a:cubicBezTo>
+                  <a:pt x="873781" y="-8568"/>
+                  <a:pt x="904459" y="-19505"/>
+                  <a:pt x="1171834" y="0"/>
+                </a:cubicBezTo>
+                <a:cubicBezTo>
+                  <a:pt x="1439209" y="19505"/>
+                  <a:pt x="1744369" y="9790"/>
+                  <a:pt x="1887955" y="0"/>
+                </a:cubicBezTo>
+                <a:cubicBezTo>
+                  <a:pt x="2031541" y="-9790"/>
+                  <a:pt x="2346378" y="21240"/>
+                  <a:pt x="2506423" y="0"/>
+                </a:cubicBezTo>
+                <a:cubicBezTo>
+                  <a:pt x="2666468" y="-21240"/>
+                  <a:pt x="2990257" y="30414"/>
+                  <a:pt x="3255095" y="0"/>
+                </a:cubicBezTo>
+                <a:cubicBezTo>
+                  <a:pt x="3254831" y="4493"/>
+                  <a:pt x="3255479" y="9472"/>
+                  <a:pt x="3255095" y="18288"/>
+                </a:cubicBezTo>
+                <a:cubicBezTo>
+                  <a:pt x="3120743" y="16690"/>
+                  <a:pt x="2759628" y="42462"/>
+                  <a:pt x="2604076" y="18288"/>
+                </a:cubicBezTo>
+                <a:cubicBezTo>
+                  <a:pt x="2448524" y="-5886"/>
+                  <a:pt x="2184336" y="19599"/>
+                  <a:pt x="1887955" y="18288"/>
+                </a:cubicBezTo>
+                <a:cubicBezTo>
+                  <a:pt x="1591574" y="16977"/>
+                  <a:pt x="1548845" y="6870"/>
+                  <a:pt x="1334589" y="18288"/>
+                </a:cubicBezTo>
+                <a:cubicBezTo>
+                  <a:pt x="1120333" y="29706"/>
+                  <a:pt x="996014" y="9662"/>
+                  <a:pt x="683570" y="18288"/>
+                </a:cubicBezTo>
+                <a:cubicBezTo>
+                  <a:pt x="371126" y="26914"/>
+                  <a:pt x="198687" y="16167"/>
+                  <a:pt x="0" y="18288"/>
+                </a:cubicBezTo>
+                <a:cubicBezTo>
+                  <a:pt x="843" y="9577"/>
+                  <a:pt x="371" y="6900"/>
+                  <a:pt x="0" y="0"/>
+                </a:cubicBezTo>
+                <a:close/>
+              </a:path>
+            </a:pathLst>
+          </a:custGeom>
+          <a:solidFill>
+            <a:schemeClr val="accent2"/>
+          </a:solidFill>
+          <a:ln w="38100" cap="rnd">
+            <a:solidFill>
+              <a:schemeClr val="accent2"/>
+            </a:solidFill>
+            <a:round/>
+            <a:extLst>
+              <a:ext uri="{C807C97D-BFC1-408E-A445-0C87EB9F89A2}">
+                <ask:lineSketchStyleProps xmlns:ask="http://schemas.microsoft.com/office/drawing/2018/sketchyshapes" sd="1219033472">
+                  <a:prstGeom prst="rect">
+                    <a:avLst/>
+                  </a:prstGeom>
+                  <ask:type>
+                    <ask:lineSketchFreehand/>
+                  </ask:type>
+                </ask:lineSketchStyleProps>
+              </a:ext>
+            </a:extLst>
+          </a:ln>
+        </p:spPr>
+        <p:style>
+          <a:lnRef idx="2">
+            <a:schemeClr val="accent1">
+              <a:shade val="50000"/>
+            </a:schemeClr>
+          </a:lnRef>
+          <a:fillRef idx="1">
+            <a:schemeClr val="accent1"/>
+          </a:fillRef>
+          <a:effectRef idx="0">
+            <a:schemeClr val="accent1"/>
+          </a:effectRef>
+          <a:fontRef idx="minor">
+            <a:schemeClr val="lt1"/>
+          </a:fontRef>
+        </p:style>
+        <p:txBody>
+          <a:bodyPr rtlCol="0" anchor="ctr"/>
+          <a:lstStyle/>
+          <a:p>
+            <a:pPr algn="ctr"/>
+            <a:endParaRPr lang="en-US"/>
+          </a:p>
+        </p:txBody>
+      </p:sp>
+      <p:sp>
+        <p:nvSpPr>
+          <p:cNvPr id="3" name="Content Placeholder 2">
+            <a:extLst>
+              <a:ext uri="{FF2B5EF4-FFF2-40B4-BE49-F238E27FC236}">
+                <a16:creationId xmlns:a16="http://schemas.microsoft.com/office/drawing/2014/main" id="{7DD56A54-9998-47BD-03B0-199A0F094AFE}"/>
+              </a:ext>
+            </a:extLst>
+          </p:cNvPr>
+          <p:cNvSpPr>
+            <a:spLocks noGrp="1"/>
+          </p:cNvSpPr>
+          <p:nvPr>
+            <p:ph idx="1"/>
+          </p:nvPr>
+        </p:nvSpPr>
+        <p:spPr>
+          <a:xfrm>
+            <a:off x="630936" y="2660904"/>
+            <a:ext cx="4818888" cy="3547872"/>
+          </a:xfrm>
+        </p:spPr>
+        <p:txBody>
+          <a:bodyPr anchor="t">
+            <a:normAutofit/>
+          </a:bodyPr>
+          <a:lstStyle/>
+          <a:p>
+            <a:r>
+              <a:rPr lang="en-US" sz="2200" dirty="0"/>
+              <a:t>Most mushrooms are brown (“n” category) and gray (“g” category).</a:t>
+            </a:r>
+          </a:p>
+          <a:p>
+            <a:r>
+              <a:rPr lang="en-US" sz="2200" dirty="0"/>
+              <a:t>Some colors such as green (“r” category) and a few others are hardly present. </a:t>
+            </a:r>
+          </a:p>
+          <a:p>
+            <a:r>
+              <a:rPr lang="en-US" sz="2200" dirty="0"/>
+              <a:t>Colors appear to alternative in having more edible or poisonous mushrooms from left to right and are not entirely dominated by one category (no/minimal correlation?)</a:t>
+            </a:r>
+          </a:p>
+        </p:txBody>
+      </p:sp>
+      <p:pic>
+        <p:nvPicPr>
+          <p:cNvPr id="4" name="Picture 3">
+            <a:extLst>
+              <a:ext uri="{FF2B5EF4-FFF2-40B4-BE49-F238E27FC236}">
+                <a16:creationId xmlns:a16="http://schemas.microsoft.com/office/drawing/2014/main" id="{618B842E-5046-4AEE-7C4D-85EC35C5FFF3}"/>
+              </a:ext>
+            </a:extLst>
+          </p:cNvPr>
+          <p:cNvPicPr>
+            <a:picLocks noChangeAspect="1"/>
+          </p:cNvPicPr>
+          <p:nvPr/>
+        </p:nvPicPr>
+        <p:blipFill>
+          <a:blip r:embed="rId2"/>
+          <a:stretch>
+            <a:fillRect/>
+          </a:stretch>
+        </p:blipFill>
+        <p:spPr>
+          <a:xfrm>
+            <a:off x="6099048" y="1347768"/>
+            <a:ext cx="5458968" cy="4162463"/>
+          </a:xfrm>
+          <a:prstGeom prst="rect">
+            <a:avLst/>
+          </a:prstGeom>
+        </p:spPr>
+      </p:pic>
+    </p:spTree>
+    <p:extLst>
+      <p:ext uri="{BB962C8B-B14F-4D97-AF65-F5344CB8AC3E}">
+        <p14:creationId xmlns:p14="http://schemas.microsoft.com/office/powerpoint/2010/main" val="3320213074"/>
+      </p:ext>
+    </p:extLst>
+  </p:cSld>
+  <p:clrMapOvr>
+    <a:masterClrMapping/>
+  </p:clrMapOvr>
+</p:sld>
+</file>
+
+<file path=ppt/slides/slide19.xml><?xml version="1.0" encoding="utf-8"?>
+<p:sld xmlns:a="http://schemas.openxmlformats.org/drawingml/2006/main" xmlns:r="http://schemas.openxmlformats.org/officeDocument/2006/relationships" xmlns:p="http://schemas.openxmlformats.org/presentationml/2006/main">
+  <p:cSld>
+    <p:bg>
+      <p:bgPr>
+        <a:solidFill>
+          <a:schemeClr val="bg1"/>
+        </a:solidFill>
+        <a:effectLst/>
+      </p:bgPr>
+    </p:bg>
+    <p:spTree>
+      <p:nvGrpSpPr>
+        <p:cNvPr id="1" name=""/>
+        <p:cNvGrpSpPr/>
+        <p:nvPr/>
+      </p:nvGrpSpPr>
+      <p:grpSpPr>
+        <a:xfrm>
+          <a:off x="0" y="0"/>
+          <a:ext cx="0" cy="0"/>
+          <a:chOff x="0" y="0"/>
+          <a:chExt cx="0" cy="0"/>
+        </a:xfrm>
+      </p:grpSpPr>
+      <p:sp useBgFill="1">
+        <p:nvSpPr>
+          <p:cNvPr id="9" name="Rectangle 8">
+            <a:extLst>
+              <a:ext uri="{FF2B5EF4-FFF2-40B4-BE49-F238E27FC236}">
+                <a16:creationId xmlns:a16="http://schemas.microsoft.com/office/drawing/2014/main" id="{2B97F24A-32CE-4C1C-A50D-3016B394DCFB}"/>
+              </a:ext>
+              <a:ext uri="{C183D7F6-B498-43B3-948B-1728B52AA6E4}">
+                <adec:decorative xmlns:adec="http://schemas.microsoft.com/office/drawing/2017/decorative" val="1"/>
+              </a:ext>
+            </a:extLst>
+          </p:cNvPr>
+          <p:cNvSpPr>
+            <a:spLocks noGrp="1" noRot="1" noChangeAspect="1" noMove="1" noResize="1" noEditPoints="1" noAdjustHandles="1" noChangeArrowheads="1" noChangeShapeType="1" noTextEdit="1"/>
+          </p:cNvSpPr>
+          <p:nvPr>
+            <p:extLst>
+              <p:ext uri="{386F3935-93C4-4BCD-93E2-E3B085C9AB24}">
+                <p16:designElem xmlns:p16="http://schemas.microsoft.com/office/powerpoint/2015/main" val="1"/>
+              </p:ext>
+            </p:extLst>
+          </p:nvPr>
+        </p:nvSpPr>
+        <p:spPr>
+          <a:xfrm>
+            <a:off x="0" y="0"/>
+            <a:ext cx="12192000" cy="6858000"/>
+          </a:xfrm>
+          <a:prstGeom prst="rect">
+            <a:avLst/>
+          </a:prstGeom>
+          <a:ln>
+            <a:noFill/>
+          </a:ln>
+        </p:spPr>
+        <p:style>
+          <a:lnRef idx="2">
+            <a:schemeClr val="accent1">
+              <a:shade val="50000"/>
+            </a:schemeClr>
+          </a:lnRef>
+          <a:fillRef idx="1">
+            <a:schemeClr val="accent1"/>
+          </a:fillRef>
+          <a:effectRef idx="0">
+            <a:schemeClr val="accent1"/>
+          </a:effectRef>
+          <a:fontRef idx="minor">
+            <a:schemeClr val="lt1"/>
+          </a:fontRef>
+        </p:style>
+        <p:txBody>
+          <a:bodyPr rtlCol="0" anchor="ctr"/>
+          <a:lstStyle/>
+          <a:p>
+            <a:pPr algn="ctr"/>
+            <a:endParaRPr lang="en-US"/>
+          </a:p>
+        </p:txBody>
+      </p:sp>
+      <p:sp>
+        <p:nvSpPr>
+          <p:cNvPr id="2" name="Title 1">
+            <a:extLst>
+              <a:ext uri="{FF2B5EF4-FFF2-40B4-BE49-F238E27FC236}">
+                <a16:creationId xmlns:a16="http://schemas.microsoft.com/office/drawing/2014/main" id="{2741041B-4CB3-CDE7-9DF3-44C02DEF1E13}"/>
+              </a:ext>
+            </a:extLst>
+          </p:cNvPr>
+          <p:cNvSpPr>
+            <a:spLocks noGrp="1"/>
+          </p:cNvSpPr>
+          <p:nvPr>
+            <p:ph type="title"/>
+          </p:nvPr>
+        </p:nvSpPr>
+        <p:spPr>
+          <a:xfrm>
+            <a:off x="630936" y="639520"/>
+            <a:ext cx="3429000" cy="1719072"/>
+          </a:xfrm>
+        </p:spPr>
+        <p:txBody>
+          <a:bodyPr anchor="b">
+            <a:noAutofit/>
+          </a:bodyPr>
+          <a:lstStyle/>
+          <a:p>
+            <a:r>
+              <a:rPr lang="en-US" dirty="0"/>
+              <a:t>Prepare - Veil Color and Edibility</a:t>
+            </a:r>
+          </a:p>
+        </p:txBody>
+      </p:sp>
+      <p:sp>
+        <p:nvSpPr>
+          <p:cNvPr id="11" name="sketch line">
+            <a:extLst>
+              <a:ext uri="{FF2B5EF4-FFF2-40B4-BE49-F238E27FC236}">
+                <a16:creationId xmlns:a16="http://schemas.microsoft.com/office/drawing/2014/main" id="{6357EC4F-235E-4222-A36F-C7878ACE37F2}"/>
+              </a:ext>
+              <a:ext uri="{C183D7F6-B498-43B3-948B-1728B52AA6E4}">
+                <adec:decorative xmlns:adec="http://schemas.microsoft.com/office/drawing/2017/decorative" val="1"/>
+              </a:ext>
+            </a:extLst>
+          </p:cNvPr>
+          <p:cNvSpPr>
+            <a:spLocks noGrp="1" noRot="1" noChangeAspect="1" noMove="1" noResize="1" noEditPoints="1" noAdjustHandles="1" noChangeArrowheads="1" noChangeShapeType="1" noTextEdit="1"/>
+          </p:cNvSpPr>
+          <p:nvPr>
+            <p:extLst>
+              <p:ext uri="{386F3935-93C4-4BCD-93E2-E3B085C9AB24}">
+                <p16:designElem xmlns:p16="http://schemas.microsoft.com/office/powerpoint/2015/main" val="1"/>
+              </p:ext>
+            </p:extLst>
+          </p:nvPr>
+        </p:nvSpPr>
+        <p:spPr>
+          <a:xfrm>
+            <a:off x="643278" y="2573756"/>
+            <a:ext cx="3255095" cy="18288"/>
+          </a:xfrm>
+          <a:custGeom>
+            <a:avLst/>
+            <a:gdLst>
+              <a:gd name="connsiteX0" fmla="*/ 0 w 3255095"/>
+              <a:gd name="connsiteY0" fmla="*/ 0 h 18288"/>
+              <a:gd name="connsiteX1" fmla="*/ 618468 w 3255095"/>
+              <a:gd name="connsiteY1" fmla="*/ 0 h 18288"/>
+              <a:gd name="connsiteX2" fmla="*/ 1269487 w 3255095"/>
+              <a:gd name="connsiteY2" fmla="*/ 0 h 18288"/>
+              <a:gd name="connsiteX3" fmla="*/ 1953057 w 3255095"/>
+              <a:gd name="connsiteY3" fmla="*/ 0 h 18288"/>
+              <a:gd name="connsiteX4" fmla="*/ 2636627 w 3255095"/>
+              <a:gd name="connsiteY4" fmla="*/ 0 h 18288"/>
+              <a:gd name="connsiteX5" fmla="*/ 3255095 w 3255095"/>
+              <a:gd name="connsiteY5" fmla="*/ 0 h 18288"/>
+              <a:gd name="connsiteX6" fmla="*/ 3255095 w 3255095"/>
+              <a:gd name="connsiteY6" fmla="*/ 18288 h 18288"/>
+              <a:gd name="connsiteX7" fmla="*/ 2538974 w 3255095"/>
+              <a:gd name="connsiteY7" fmla="*/ 18288 h 18288"/>
+              <a:gd name="connsiteX8" fmla="*/ 1822853 w 3255095"/>
+              <a:gd name="connsiteY8" fmla="*/ 18288 h 18288"/>
+              <a:gd name="connsiteX9" fmla="*/ 1171834 w 3255095"/>
+              <a:gd name="connsiteY9" fmla="*/ 18288 h 18288"/>
+              <a:gd name="connsiteX10" fmla="*/ 0 w 3255095"/>
+              <a:gd name="connsiteY10" fmla="*/ 18288 h 18288"/>
+              <a:gd name="connsiteX11" fmla="*/ 0 w 3255095"/>
+              <a:gd name="connsiteY11" fmla="*/ 0 h 18288"/>
+            </a:gdLst>
+            <a:ahLst/>
+            <a:cxnLst>
+              <a:cxn ang="0">
+                <a:pos x="connsiteX0" y="connsiteY0"/>
+              </a:cxn>
+              <a:cxn ang="0">
+                <a:pos x="connsiteX1" y="connsiteY1"/>
+              </a:cxn>
+              <a:cxn ang="0">
+                <a:pos x="connsiteX2" y="connsiteY2"/>
+              </a:cxn>
+              <a:cxn ang="0">
+                <a:pos x="connsiteX3" y="connsiteY3"/>
+              </a:cxn>
+              <a:cxn ang="0">
+                <a:pos x="connsiteX4" y="connsiteY4"/>
+              </a:cxn>
+              <a:cxn ang="0">
+                <a:pos x="connsiteX5" y="connsiteY5"/>
+              </a:cxn>
+              <a:cxn ang="0">
+                <a:pos x="connsiteX6" y="connsiteY6"/>
+              </a:cxn>
+              <a:cxn ang="0">
+                <a:pos x="connsiteX7" y="connsiteY7"/>
+              </a:cxn>
+              <a:cxn ang="0">
+                <a:pos x="connsiteX8" y="connsiteY8"/>
+              </a:cxn>
+              <a:cxn ang="0">
+                <a:pos x="connsiteX9" y="connsiteY9"/>
+              </a:cxn>
+              <a:cxn ang="0">
+                <a:pos x="connsiteX10" y="connsiteY10"/>
+              </a:cxn>
+              <a:cxn ang="0">
+                <a:pos x="connsiteX11" y="connsiteY11"/>
+              </a:cxn>
+            </a:cxnLst>
+            <a:rect l="l" t="t" r="r" b="b"/>
+            <a:pathLst>
+              <a:path w="3255095" h="18288" fill="none" extrusionOk="0">
+                <a:moveTo>
+                  <a:pt x="0" y="0"/>
+                </a:moveTo>
+                <a:cubicBezTo>
+                  <a:pt x="240201" y="-22123"/>
+                  <a:pt x="462021" y="-19623"/>
+                  <a:pt x="618468" y="0"/>
+                </a:cubicBezTo>
+                <a:cubicBezTo>
+                  <a:pt x="774915" y="19623"/>
+                  <a:pt x="974734" y="2035"/>
+                  <a:pt x="1269487" y="0"/>
+                </a:cubicBezTo>
+                <a:cubicBezTo>
+                  <a:pt x="1564240" y="-2035"/>
+                  <a:pt x="1733579" y="10639"/>
+                  <a:pt x="1953057" y="0"/>
+                </a:cubicBezTo>
+                <a:cubicBezTo>
+                  <a:pt x="2172535" y="-10639"/>
+                  <a:pt x="2453962" y="14018"/>
+                  <a:pt x="2636627" y="0"/>
+                </a:cubicBezTo>
+                <a:cubicBezTo>
+                  <a:pt x="2819292" y="-14018"/>
+                  <a:pt x="3121375" y="5399"/>
+                  <a:pt x="3255095" y="0"/>
+                </a:cubicBezTo>
+                <a:cubicBezTo>
+                  <a:pt x="3254386" y="8157"/>
+                  <a:pt x="3254682" y="12125"/>
+                  <a:pt x="3255095" y="18288"/>
+                </a:cubicBezTo>
+                <a:cubicBezTo>
+                  <a:pt x="3088545" y="23203"/>
+                  <a:pt x="2687475" y="7419"/>
+                  <a:pt x="2538974" y="18288"/>
+                </a:cubicBezTo>
+                <a:cubicBezTo>
+                  <a:pt x="2390473" y="29157"/>
+                  <a:pt x="2137381" y="-8959"/>
+                  <a:pt x="1822853" y="18288"/>
+                </a:cubicBezTo>
+                <a:cubicBezTo>
+                  <a:pt x="1508325" y="45535"/>
+                  <a:pt x="1466437" y="20385"/>
+                  <a:pt x="1171834" y="18288"/>
+                </a:cubicBezTo>
+                <a:cubicBezTo>
+                  <a:pt x="877231" y="16191"/>
+                  <a:pt x="561097" y="37643"/>
+                  <a:pt x="0" y="18288"/>
+                </a:cubicBezTo>
+                <a:cubicBezTo>
+                  <a:pt x="-46" y="12483"/>
+                  <a:pt x="-203" y="6491"/>
+                  <a:pt x="0" y="0"/>
+                </a:cubicBezTo>
+                <a:close/>
+              </a:path>
+              <a:path w="3255095" h="18288" stroke="0" extrusionOk="0">
+                <a:moveTo>
+                  <a:pt x="0" y="0"/>
+                </a:moveTo>
+                <a:cubicBezTo>
+                  <a:pt x="291965" y="19429"/>
+                  <a:pt x="363155" y="8568"/>
+                  <a:pt x="618468" y="0"/>
+                </a:cubicBezTo>
+                <a:cubicBezTo>
+                  <a:pt x="873781" y="-8568"/>
+                  <a:pt x="904459" y="-19505"/>
+                  <a:pt x="1171834" y="0"/>
+                </a:cubicBezTo>
+                <a:cubicBezTo>
+                  <a:pt x="1439209" y="19505"/>
+                  <a:pt x="1744369" y="9790"/>
+                  <a:pt x="1887955" y="0"/>
+                </a:cubicBezTo>
+                <a:cubicBezTo>
+                  <a:pt x="2031541" y="-9790"/>
+                  <a:pt x="2346378" y="21240"/>
+                  <a:pt x="2506423" y="0"/>
+                </a:cubicBezTo>
+                <a:cubicBezTo>
+                  <a:pt x="2666468" y="-21240"/>
+                  <a:pt x="2990257" y="30414"/>
+                  <a:pt x="3255095" y="0"/>
+                </a:cubicBezTo>
+                <a:cubicBezTo>
+                  <a:pt x="3254831" y="4493"/>
+                  <a:pt x="3255479" y="9472"/>
+                  <a:pt x="3255095" y="18288"/>
+                </a:cubicBezTo>
+                <a:cubicBezTo>
+                  <a:pt x="3120743" y="16690"/>
+                  <a:pt x="2759628" y="42462"/>
+                  <a:pt x="2604076" y="18288"/>
+                </a:cubicBezTo>
+                <a:cubicBezTo>
+                  <a:pt x="2448524" y="-5886"/>
+                  <a:pt x="2184336" y="19599"/>
+                  <a:pt x="1887955" y="18288"/>
+                </a:cubicBezTo>
+                <a:cubicBezTo>
+                  <a:pt x="1591574" y="16977"/>
+                  <a:pt x="1548845" y="6870"/>
+                  <a:pt x="1334589" y="18288"/>
+                </a:cubicBezTo>
+                <a:cubicBezTo>
+                  <a:pt x="1120333" y="29706"/>
+                  <a:pt x="996014" y="9662"/>
+                  <a:pt x="683570" y="18288"/>
+                </a:cubicBezTo>
+                <a:cubicBezTo>
+                  <a:pt x="371126" y="26914"/>
+                  <a:pt x="198687" y="16167"/>
+                  <a:pt x="0" y="18288"/>
+                </a:cubicBezTo>
+                <a:cubicBezTo>
+                  <a:pt x="843" y="9577"/>
+                  <a:pt x="371" y="6900"/>
+                  <a:pt x="0" y="0"/>
+                </a:cubicBezTo>
+                <a:close/>
+              </a:path>
+            </a:pathLst>
+          </a:custGeom>
+          <a:solidFill>
+            <a:schemeClr val="accent2"/>
+          </a:solidFill>
+          <a:ln w="38100" cap="rnd">
+            <a:solidFill>
+              <a:schemeClr val="accent2"/>
+            </a:solidFill>
+            <a:round/>
+            <a:extLst>
+              <a:ext uri="{C807C97D-BFC1-408E-A445-0C87EB9F89A2}">
+                <ask:lineSketchStyleProps xmlns:ask="http://schemas.microsoft.com/office/drawing/2018/sketchyshapes" sd="1219033472">
+                  <a:prstGeom prst="rect">
+                    <a:avLst/>
+                  </a:prstGeom>
+                  <ask:type>
+                    <ask:lineSketchFreehand/>
+                  </ask:type>
+                </ask:lineSketchStyleProps>
+              </a:ext>
+            </a:extLst>
+          </a:ln>
+        </p:spPr>
+        <p:style>
+          <a:lnRef idx="2">
+            <a:schemeClr val="accent1">
+              <a:shade val="50000"/>
+            </a:schemeClr>
+          </a:lnRef>
+          <a:fillRef idx="1">
+            <a:schemeClr val="accent1"/>
+          </a:fillRef>
+          <a:effectRef idx="0">
+            <a:schemeClr val="accent1"/>
+          </a:effectRef>
+          <a:fontRef idx="minor">
+            <a:schemeClr val="lt1"/>
+          </a:fontRef>
+        </p:style>
+        <p:txBody>
+          <a:bodyPr rtlCol="0" anchor="ctr"/>
+          <a:lstStyle/>
+          <a:p>
+            <a:pPr algn="ctr"/>
+            <a:endParaRPr lang="en-US"/>
+          </a:p>
+        </p:txBody>
+      </p:sp>
+      <p:sp>
+        <p:nvSpPr>
+          <p:cNvPr id="3" name="Content Placeholder 2">
+            <a:extLst>
+              <a:ext uri="{FF2B5EF4-FFF2-40B4-BE49-F238E27FC236}">
+                <a16:creationId xmlns:a16="http://schemas.microsoft.com/office/drawing/2014/main" id="{CF3CB2A6-3BE7-F084-1293-3E5C150F851D}"/>
+              </a:ext>
+            </a:extLst>
+          </p:cNvPr>
+          <p:cNvSpPr>
+            <a:spLocks noGrp="1"/>
+          </p:cNvSpPr>
+          <p:nvPr>
+            <p:ph idx="1"/>
+          </p:nvPr>
+        </p:nvSpPr>
+        <p:spPr>
+          <a:xfrm>
+            <a:off x="630936" y="2807208"/>
+            <a:ext cx="3429000" cy="3410712"/>
+          </a:xfrm>
+        </p:spPr>
+        <p:txBody>
+          <a:bodyPr anchor="t">
+            <a:normAutofit/>
+          </a:bodyPr>
+          <a:lstStyle/>
+          <a:p>
+            <a:r>
+              <a:rPr lang="en-US" sz="2200" dirty="0"/>
+              <a:t>Almost every veil is white (“w”)</a:t>
+            </a:r>
+          </a:p>
+          <a:p>
+            <a:r>
+              <a:rPr lang="en-US" sz="2200" dirty="0"/>
+              <a:t>Suspect that this variable may not be useful in classification</a:t>
+            </a:r>
+          </a:p>
+          <a:p>
+            <a:r>
+              <a:rPr lang="en-US" sz="2200" dirty="0"/>
+              <a:t>Another variable may be selected</a:t>
+            </a:r>
+          </a:p>
+        </p:txBody>
+      </p:sp>
+      <p:pic>
+        <p:nvPicPr>
+          <p:cNvPr id="4" name="Picture 3">
+            <a:extLst>
+              <a:ext uri="{FF2B5EF4-FFF2-40B4-BE49-F238E27FC236}">
+                <a16:creationId xmlns:a16="http://schemas.microsoft.com/office/drawing/2014/main" id="{5EF80593-6FF5-7EC2-5D9A-CB453FE976D1}"/>
+              </a:ext>
+            </a:extLst>
+          </p:cNvPr>
+          <p:cNvPicPr>
+            <a:picLocks noChangeAspect="1"/>
+          </p:cNvPicPr>
+          <p:nvPr/>
+        </p:nvPicPr>
+        <p:blipFill>
+          <a:blip r:embed="rId2"/>
+          <a:stretch>
+            <a:fillRect/>
+          </a:stretch>
+        </p:blipFill>
+        <p:spPr>
+          <a:xfrm>
+            <a:off x="5015940" y="640080"/>
+            <a:ext cx="6180432" cy="5577840"/>
+          </a:xfrm>
+          <a:prstGeom prst="rect">
+            <a:avLst/>
+          </a:prstGeom>
+        </p:spPr>
+      </p:pic>
+    </p:spTree>
+    <p:extLst>
+      <p:ext uri="{BB962C8B-B14F-4D97-AF65-F5344CB8AC3E}">
+        <p14:creationId xmlns:p14="http://schemas.microsoft.com/office/powerpoint/2010/main" val="2922387455"/>
+      </p:ext>
+    </p:extLst>
+  </p:cSld>
+  <p:clrMapOvr>
+    <a:masterClrMapping/>
+  </p:clrMapOvr>
+</p:sld>
+</file>
+
+<file path=ppt/slides/slide2.xml><?xml version="1.0" encoding="utf-8"?>
+<p:sld xmlns:a="http://schemas.openxmlformats.org/drawingml/2006/main" xmlns:r="http://schemas.openxmlformats.org/officeDocument/2006/relationships" xmlns:p="http://schemas.openxmlformats.org/presentationml/2006/main">
+  <p:cSld>
+    <p:bg>
+      <p:bgPr>
+        <a:solidFill>
+          <a:schemeClr val="bg1"/>
+        </a:solidFill>
+        <a:effectLst/>
+      </p:bgPr>
+    </p:bg>
+    <p:spTree>
+      <p:nvGrpSpPr>
+        <p:cNvPr id="1" name=""/>
+        <p:cNvGrpSpPr/>
+        <p:nvPr/>
+      </p:nvGrpSpPr>
+      <p:grpSpPr>
+        <a:xfrm>
+          <a:off x="0" y="0"/>
+          <a:ext cx="0" cy="0"/>
+          <a:chOff x="0" y="0"/>
+          <a:chExt cx="0" cy="0"/>
+        </a:xfrm>
+      </p:grpSpPr>
+      <p:sp>
+        <p:nvSpPr>
+          <p:cNvPr id="2" name="Title 1">
+            <a:extLst>
+              <a:ext uri="{FF2B5EF4-FFF2-40B4-BE49-F238E27FC236}">
+                <a16:creationId xmlns:a16="http://schemas.microsoft.com/office/drawing/2014/main" id="{8B8302AB-CEDA-4E89-A1DC-6BABC9C3F7D4}"/>
+              </a:ext>
+            </a:extLst>
+          </p:cNvPr>
+          <p:cNvSpPr>
+            <a:spLocks noGrp="1"/>
+          </p:cNvSpPr>
+          <p:nvPr>
+            <p:ph type="title"/>
+          </p:nvPr>
+        </p:nvSpPr>
+        <p:spPr>
+          <a:xfrm>
+            <a:off x="5868557" y="1138036"/>
+            <a:ext cx="5444382" cy="1402470"/>
+          </a:xfrm>
+        </p:spPr>
+        <p:txBody>
+          <a:bodyPr anchor="t">
+            <a:normAutofit/>
+          </a:bodyPr>
+          <a:lstStyle/>
+          <a:p>
+            <a:r>
+              <a:rPr lang="en-US" sz="3200"/>
+              <a:t>Problem Statement</a:t>
+            </a:r>
+          </a:p>
+        </p:txBody>
+      </p:sp>
+      <p:pic>
+        <p:nvPicPr>
+          <p:cNvPr id="5" name="Picture 4" descr="Mushroom growing on a moss">
+            <a:extLst>
+              <a:ext uri="{FF2B5EF4-FFF2-40B4-BE49-F238E27FC236}">
+                <a16:creationId xmlns:a16="http://schemas.microsoft.com/office/drawing/2014/main" id="{D072E265-F2F7-9A16-83AB-25A6F772E876}"/>
+              </a:ext>
+            </a:extLst>
+          </p:cNvPr>
+          <p:cNvPicPr>
+            <a:picLocks noChangeAspect="1"/>
+          </p:cNvPicPr>
+          <p:nvPr/>
+        </p:nvPicPr>
+        <p:blipFill rotWithShape="1">
+          <a:blip r:embed="rId2"/>
+          <a:srcRect l="21011" r="22655"/>
+          <a:stretch/>
+        </p:blipFill>
+        <p:spPr>
+          <a:xfrm>
+            <a:off x="-1" y="10"/>
+            <a:ext cx="5151179" cy="6857990"/>
+          </a:xfrm>
+          <a:prstGeom prst="rect">
+            <a:avLst/>
+          </a:prstGeom>
+        </p:spPr>
+      </p:pic>
+      <p:cxnSp>
+        <p:nvCxnSpPr>
+          <p:cNvPr id="9" name="Straight Connector 8">
+            <a:extLst>
+              <a:ext uri="{FF2B5EF4-FFF2-40B4-BE49-F238E27FC236}">
+                <a16:creationId xmlns:a16="http://schemas.microsoft.com/office/drawing/2014/main" id="{1503BFE4-729B-D9D0-C17B-501E6AF1127A}"/>
+              </a:ext>
+              <a:ext uri="{C183D7F6-B498-43B3-948B-1728B52AA6E4}">
+                <adec:decorative xmlns:adec="http://schemas.microsoft.com/office/drawing/2017/decorative" val="1"/>
+              </a:ext>
+            </a:extLst>
+          </p:cNvPr>
+          <p:cNvCxnSpPr>
+            <a:cxnSpLocks noGrp="1" noRot="1" noChangeAspect="1" noMove="1" noResize="1" noEditPoints="1" noAdjustHandles="1" noChangeArrowheads="1" noChangeShapeType="1"/>
+          </p:cNvCxnSpPr>
+          <p:nvPr>
+            <p:extLst>
+              <p:ext uri="{386F3935-93C4-4BCD-93E2-E3B085C9AB24}">
+                <p16:designElem xmlns:p16="http://schemas.microsoft.com/office/powerpoint/2015/main" val="1"/>
+              </p:ext>
+            </p:extLst>
+          </p:nvPr>
+        </p:nvCxnSpPr>
+        <p:spPr>
+          <a:xfrm>
+            <a:off x="5971697" y="871146"/>
+            <a:ext cx="736939" cy="0"/>
+          </a:xfrm>
+          <a:prstGeom prst="line">
+            <a:avLst/>
+          </a:prstGeom>
+          <a:ln w="57150">
+            <a:solidFill>
+              <a:schemeClr val="accent4"/>
+            </a:solidFill>
+          </a:ln>
+        </p:spPr>
+        <p:style>
+          <a:lnRef idx="1">
+            <a:schemeClr val="accent1"/>
+          </a:lnRef>
+          <a:fillRef idx="0">
+            <a:schemeClr val="accent1"/>
+          </a:fillRef>
+          <a:effectRef idx="0">
+            <a:schemeClr val="accent1"/>
+          </a:effectRef>
+          <a:fontRef idx="minor">
+            <a:schemeClr val="tx1"/>
+          </a:fontRef>
+        </p:style>
+      </p:cxnSp>
+      <p:sp>
+        <p:nvSpPr>
+          <p:cNvPr id="3" name="Content Placeholder 2">
+            <a:extLst>
+              <a:ext uri="{FF2B5EF4-FFF2-40B4-BE49-F238E27FC236}">
+                <a16:creationId xmlns:a16="http://schemas.microsoft.com/office/drawing/2014/main" id="{05AD07EA-4B74-4BFA-A23D-5147B6A28FC4}"/>
+              </a:ext>
+            </a:extLst>
+          </p:cNvPr>
+          <p:cNvSpPr>
+            <a:spLocks noGrp="1"/>
+          </p:cNvSpPr>
+          <p:nvPr>
+            <p:ph idx="1"/>
+          </p:nvPr>
+        </p:nvSpPr>
+        <p:spPr>
+          <a:xfrm>
+            <a:off x="5868557" y="2551176"/>
+            <a:ext cx="5444382" cy="3591207"/>
+          </a:xfrm>
+        </p:spPr>
+        <p:txBody>
+          <a:bodyPr>
+            <a:normAutofit/>
+          </a:bodyPr>
+          <a:lstStyle/>
+          <a:p>
+            <a:pPr marL="0" indent="0">
+              <a:buNone/>
+            </a:pPr>
+            <a:r>
+              <a:rPr lang="en-US" sz="1900" b="0" i="0">
+                <a:effectLst/>
+                <a:latin typeface="Times New Roman" panose="02020603050405020304" pitchFamily="18" charset="0"/>
+                <a:cs typeface="Times New Roman" panose="02020603050405020304" pitchFamily="18" charset="0"/>
+              </a:rPr>
+              <a:t>Background: A dataset containing various characteristics of mushrooms will be utilized to investigate which features are most indicative of a mushroom's edibility. The dataset consists of attributes like odor, cap color, veil color, and habitat, with the target variable "Class" having two categories: edible and poisonous. Distinguishing between poisonous and edible mushrooms is crucial, as ingestion of toxic mushrooms can lead to severe health issues, including hallucinations and even death. This study aims to explore the attributes that contribute to a mushroom's edibility to aid in better identification and decision-making.</a:t>
+            </a:r>
+          </a:p>
+          <a:p>
+            <a:pPr marL="0" indent="0">
+              <a:buNone/>
+            </a:pPr>
+            <a:endParaRPr lang="en-US" sz="1900">
+              <a:latin typeface="Times New Roman" panose="02020603050405020304" pitchFamily="18" charset="0"/>
+            </a:endParaRPr>
+          </a:p>
+        </p:txBody>
+      </p:sp>
+    </p:spTree>
+    <p:extLst>
+      <p:ext uri="{BB962C8B-B14F-4D97-AF65-F5344CB8AC3E}">
+        <p14:creationId xmlns:p14="http://schemas.microsoft.com/office/powerpoint/2010/main" val="1880678406"/>
+      </p:ext>
+    </p:extLst>
+  </p:cSld>
+  <p:clrMapOvr>
+    <a:masterClrMapping/>
+  </p:clrMapOvr>
+</p:sld>
+</file>
+
+<file path=ppt/slides/slide20.xml><?xml version="1.0" encoding="utf-8"?>
+<p:sld xmlns:a="http://schemas.openxmlformats.org/drawingml/2006/main" xmlns:r="http://schemas.openxmlformats.org/officeDocument/2006/relationships" xmlns:p="http://schemas.openxmlformats.org/presentationml/2006/main">
+  <p:cSld>
+    <p:bg>
+      <p:bgPr>
+        <a:solidFill>
+          <a:schemeClr val="bg1"/>
+        </a:solidFill>
+        <a:effectLst/>
+      </p:bgPr>
+    </p:bg>
+    <p:spTree>
+      <p:nvGrpSpPr>
+        <p:cNvPr id="1" name=""/>
+        <p:cNvGrpSpPr/>
+        <p:nvPr/>
+      </p:nvGrpSpPr>
+      <p:grpSpPr>
+        <a:xfrm>
+          <a:off x="0" y="0"/>
+          <a:ext cx="0" cy="0"/>
+          <a:chOff x="0" y="0"/>
+          <a:chExt cx="0" cy="0"/>
+        </a:xfrm>
+      </p:grpSpPr>
+      <p:sp useBgFill="1">
+        <p:nvSpPr>
+          <p:cNvPr id="11" name="Rectangle 10">
+            <a:extLst>
+              <a:ext uri="{FF2B5EF4-FFF2-40B4-BE49-F238E27FC236}">
+                <a16:creationId xmlns:a16="http://schemas.microsoft.com/office/drawing/2014/main" id="{2B97F24A-32CE-4C1C-A50D-3016B394DCFB}"/>
+              </a:ext>
+              <a:ext uri="{C183D7F6-B498-43B3-948B-1728B52AA6E4}">
+                <adec:decorative xmlns:adec="http://schemas.microsoft.com/office/drawing/2017/decorative" val="1"/>
+              </a:ext>
+            </a:extLst>
+          </p:cNvPr>
+          <p:cNvSpPr>
+            <a:spLocks noGrp="1" noRot="1" noChangeAspect="1" noMove="1" noResize="1" noEditPoints="1" noAdjustHandles="1" noChangeArrowheads="1" noChangeShapeType="1" noTextEdit="1"/>
+          </p:cNvSpPr>
+          <p:nvPr>
+            <p:extLst>
+              <p:ext uri="{386F3935-93C4-4BCD-93E2-E3B085C9AB24}">
+                <p16:designElem xmlns:p16="http://schemas.microsoft.com/office/powerpoint/2015/main" val="1"/>
+              </p:ext>
+            </p:extLst>
+          </p:nvPr>
+        </p:nvSpPr>
+        <p:spPr>
+          <a:xfrm>
+            <a:off x="0" y="0"/>
+            <a:ext cx="12192000" cy="6858000"/>
+          </a:xfrm>
+          <a:prstGeom prst="rect">
+            <a:avLst/>
+          </a:prstGeom>
+          <a:ln>
+            <a:noFill/>
+          </a:ln>
+        </p:spPr>
+        <p:style>
+          <a:lnRef idx="2">
+            <a:schemeClr val="accent1">
+              <a:shade val="50000"/>
+            </a:schemeClr>
+          </a:lnRef>
+          <a:fillRef idx="1">
+            <a:schemeClr val="accent1"/>
+          </a:fillRef>
+          <a:effectRef idx="0">
+            <a:schemeClr val="accent1"/>
+          </a:effectRef>
+          <a:fontRef idx="minor">
+            <a:schemeClr val="lt1"/>
+          </a:fontRef>
+        </p:style>
+        <p:txBody>
+          <a:bodyPr rtlCol="0" anchor="ctr"/>
+          <a:lstStyle/>
+          <a:p>
+            <a:pPr algn="ctr"/>
+            <a:endParaRPr lang="en-US"/>
+          </a:p>
+        </p:txBody>
+      </p:sp>
+      <p:sp>
+        <p:nvSpPr>
+          <p:cNvPr id="2" name="Title 1">
+            <a:extLst>
+              <a:ext uri="{FF2B5EF4-FFF2-40B4-BE49-F238E27FC236}">
+                <a16:creationId xmlns:a16="http://schemas.microsoft.com/office/drawing/2014/main" id="{6DA8777D-D340-C01C-9B15-440A1A7F7F50}"/>
+              </a:ext>
+            </a:extLst>
+          </p:cNvPr>
+          <p:cNvSpPr>
+            <a:spLocks noGrp="1"/>
+          </p:cNvSpPr>
+          <p:nvPr>
+            <p:ph type="title"/>
+          </p:nvPr>
+        </p:nvSpPr>
+        <p:spPr>
+          <a:xfrm>
+            <a:off x="630936" y="639520"/>
+            <a:ext cx="3429000" cy="1719072"/>
+          </a:xfrm>
+        </p:spPr>
+        <p:txBody>
+          <a:bodyPr anchor="b">
+            <a:noAutofit/>
+          </a:bodyPr>
+          <a:lstStyle/>
+          <a:p>
+            <a:r>
+              <a:rPr lang="en-US" dirty="0"/>
+              <a:t>Prepare – Habitat vs Edibility</a:t>
+            </a:r>
+          </a:p>
+        </p:txBody>
+      </p:sp>
+      <p:sp>
+        <p:nvSpPr>
+          <p:cNvPr id="13" name="sketch line">
+            <a:extLst>
+              <a:ext uri="{FF2B5EF4-FFF2-40B4-BE49-F238E27FC236}">
+                <a16:creationId xmlns:a16="http://schemas.microsoft.com/office/drawing/2014/main" id="{6357EC4F-235E-4222-A36F-C7878ACE37F2}"/>
+              </a:ext>
+              <a:ext uri="{C183D7F6-B498-43B3-948B-1728B52AA6E4}">
+                <adec:decorative xmlns:adec="http://schemas.microsoft.com/office/drawing/2017/decorative" val="1"/>
+              </a:ext>
+            </a:extLst>
+          </p:cNvPr>
+          <p:cNvSpPr>
+            <a:spLocks noGrp="1" noRot="1" noChangeAspect="1" noMove="1" noResize="1" noEditPoints="1" noAdjustHandles="1" noChangeArrowheads="1" noChangeShapeType="1" noTextEdit="1"/>
+          </p:cNvSpPr>
+          <p:nvPr>
+            <p:extLst>
+              <p:ext uri="{386F3935-93C4-4BCD-93E2-E3B085C9AB24}">
+                <p16:designElem xmlns:p16="http://schemas.microsoft.com/office/powerpoint/2015/main" val="1"/>
+              </p:ext>
+            </p:extLst>
+          </p:nvPr>
+        </p:nvSpPr>
+        <p:spPr>
+          <a:xfrm>
+            <a:off x="643278" y="2573756"/>
+            <a:ext cx="3255095" cy="18288"/>
+          </a:xfrm>
+          <a:custGeom>
+            <a:avLst/>
+            <a:gdLst>
+              <a:gd name="connsiteX0" fmla="*/ 0 w 3255095"/>
+              <a:gd name="connsiteY0" fmla="*/ 0 h 18288"/>
+              <a:gd name="connsiteX1" fmla="*/ 618468 w 3255095"/>
+              <a:gd name="connsiteY1" fmla="*/ 0 h 18288"/>
+              <a:gd name="connsiteX2" fmla="*/ 1269487 w 3255095"/>
+              <a:gd name="connsiteY2" fmla="*/ 0 h 18288"/>
+              <a:gd name="connsiteX3" fmla="*/ 1953057 w 3255095"/>
+              <a:gd name="connsiteY3" fmla="*/ 0 h 18288"/>
+              <a:gd name="connsiteX4" fmla="*/ 2636627 w 3255095"/>
+              <a:gd name="connsiteY4" fmla="*/ 0 h 18288"/>
+              <a:gd name="connsiteX5" fmla="*/ 3255095 w 3255095"/>
+              <a:gd name="connsiteY5" fmla="*/ 0 h 18288"/>
+              <a:gd name="connsiteX6" fmla="*/ 3255095 w 3255095"/>
+              <a:gd name="connsiteY6" fmla="*/ 18288 h 18288"/>
+              <a:gd name="connsiteX7" fmla="*/ 2538974 w 3255095"/>
+              <a:gd name="connsiteY7" fmla="*/ 18288 h 18288"/>
+              <a:gd name="connsiteX8" fmla="*/ 1822853 w 3255095"/>
+              <a:gd name="connsiteY8" fmla="*/ 18288 h 18288"/>
+              <a:gd name="connsiteX9" fmla="*/ 1171834 w 3255095"/>
+              <a:gd name="connsiteY9" fmla="*/ 18288 h 18288"/>
+              <a:gd name="connsiteX10" fmla="*/ 0 w 3255095"/>
+              <a:gd name="connsiteY10" fmla="*/ 18288 h 18288"/>
+              <a:gd name="connsiteX11" fmla="*/ 0 w 3255095"/>
+              <a:gd name="connsiteY11" fmla="*/ 0 h 18288"/>
+            </a:gdLst>
+            <a:ahLst/>
+            <a:cxnLst>
+              <a:cxn ang="0">
+                <a:pos x="connsiteX0" y="connsiteY0"/>
+              </a:cxn>
+              <a:cxn ang="0">
+                <a:pos x="connsiteX1" y="connsiteY1"/>
+              </a:cxn>
+              <a:cxn ang="0">
+                <a:pos x="connsiteX2" y="connsiteY2"/>
+              </a:cxn>
+              <a:cxn ang="0">
+                <a:pos x="connsiteX3" y="connsiteY3"/>
+              </a:cxn>
+              <a:cxn ang="0">
+                <a:pos x="connsiteX4" y="connsiteY4"/>
+              </a:cxn>
+              <a:cxn ang="0">
+                <a:pos x="connsiteX5" y="connsiteY5"/>
+              </a:cxn>
+              <a:cxn ang="0">
+                <a:pos x="connsiteX6" y="connsiteY6"/>
+              </a:cxn>
+              <a:cxn ang="0">
+                <a:pos x="connsiteX7" y="connsiteY7"/>
+              </a:cxn>
+              <a:cxn ang="0">
+                <a:pos x="connsiteX8" y="connsiteY8"/>
+              </a:cxn>
+              <a:cxn ang="0">
+                <a:pos x="connsiteX9" y="connsiteY9"/>
+              </a:cxn>
+              <a:cxn ang="0">
+                <a:pos x="connsiteX10" y="connsiteY10"/>
+              </a:cxn>
+              <a:cxn ang="0">
+                <a:pos x="connsiteX11" y="connsiteY11"/>
+              </a:cxn>
+            </a:cxnLst>
+            <a:rect l="l" t="t" r="r" b="b"/>
+            <a:pathLst>
+              <a:path w="3255095" h="18288" fill="none" extrusionOk="0">
+                <a:moveTo>
+                  <a:pt x="0" y="0"/>
+                </a:moveTo>
+                <a:cubicBezTo>
+                  <a:pt x="240201" y="-22123"/>
+                  <a:pt x="462021" y="-19623"/>
+                  <a:pt x="618468" y="0"/>
+                </a:cubicBezTo>
+                <a:cubicBezTo>
+                  <a:pt x="774915" y="19623"/>
+                  <a:pt x="974734" y="2035"/>
+                  <a:pt x="1269487" y="0"/>
+                </a:cubicBezTo>
+                <a:cubicBezTo>
+                  <a:pt x="1564240" y="-2035"/>
+                  <a:pt x="1733579" y="10639"/>
+                  <a:pt x="1953057" y="0"/>
+                </a:cubicBezTo>
+                <a:cubicBezTo>
+                  <a:pt x="2172535" y="-10639"/>
+                  <a:pt x="2453962" y="14018"/>
+                  <a:pt x="2636627" y="0"/>
+                </a:cubicBezTo>
+                <a:cubicBezTo>
+                  <a:pt x="2819292" y="-14018"/>
+                  <a:pt x="3121375" y="5399"/>
+                  <a:pt x="3255095" y="0"/>
+                </a:cubicBezTo>
+                <a:cubicBezTo>
+                  <a:pt x="3254386" y="8157"/>
+                  <a:pt x="3254682" y="12125"/>
+                  <a:pt x="3255095" y="18288"/>
+                </a:cubicBezTo>
+                <a:cubicBezTo>
+                  <a:pt x="3088545" y="23203"/>
+                  <a:pt x="2687475" y="7419"/>
+                  <a:pt x="2538974" y="18288"/>
+                </a:cubicBezTo>
+                <a:cubicBezTo>
+                  <a:pt x="2390473" y="29157"/>
+                  <a:pt x="2137381" y="-8959"/>
+                  <a:pt x="1822853" y="18288"/>
+                </a:cubicBezTo>
+                <a:cubicBezTo>
+                  <a:pt x="1508325" y="45535"/>
+                  <a:pt x="1466437" y="20385"/>
+                  <a:pt x="1171834" y="18288"/>
+                </a:cubicBezTo>
+                <a:cubicBezTo>
+                  <a:pt x="877231" y="16191"/>
+                  <a:pt x="561097" y="37643"/>
+                  <a:pt x="0" y="18288"/>
+                </a:cubicBezTo>
+                <a:cubicBezTo>
+                  <a:pt x="-46" y="12483"/>
+                  <a:pt x="-203" y="6491"/>
+                  <a:pt x="0" y="0"/>
+                </a:cubicBezTo>
+                <a:close/>
+              </a:path>
+              <a:path w="3255095" h="18288" stroke="0" extrusionOk="0">
+                <a:moveTo>
+                  <a:pt x="0" y="0"/>
+                </a:moveTo>
+                <a:cubicBezTo>
+                  <a:pt x="291965" y="19429"/>
+                  <a:pt x="363155" y="8568"/>
+                  <a:pt x="618468" y="0"/>
+                </a:cubicBezTo>
+                <a:cubicBezTo>
+                  <a:pt x="873781" y="-8568"/>
+                  <a:pt x="904459" y="-19505"/>
+                  <a:pt x="1171834" y="0"/>
+                </a:cubicBezTo>
+                <a:cubicBezTo>
+                  <a:pt x="1439209" y="19505"/>
+                  <a:pt x="1744369" y="9790"/>
+                  <a:pt x="1887955" y="0"/>
+                </a:cubicBezTo>
+                <a:cubicBezTo>
+                  <a:pt x="2031541" y="-9790"/>
+                  <a:pt x="2346378" y="21240"/>
+                  <a:pt x="2506423" y="0"/>
+                </a:cubicBezTo>
+                <a:cubicBezTo>
+                  <a:pt x="2666468" y="-21240"/>
+                  <a:pt x="2990257" y="30414"/>
+                  <a:pt x="3255095" y="0"/>
+                </a:cubicBezTo>
+                <a:cubicBezTo>
+                  <a:pt x="3254831" y="4493"/>
+                  <a:pt x="3255479" y="9472"/>
+                  <a:pt x="3255095" y="18288"/>
+                </a:cubicBezTo>
+                <a:cubicBezTo>
+                  <a:pt x="3120743" y="16690"/>
+                  <a:pt x="2759628" y="42462"/>
+                  <a:pt x="2604076" y="18288"/>
+                </a:cubicBezTo>
+                <a:cubicBezTo>
+                  <a:pt x="2448524" y="-5886"/>
+                  <a:pt x="2184336" y="19599"/>
+                  <a:pt x="1887955" y="18288"/>
+                </a:cubicBezTo>
+                <a:cubicBezTo>
+                  <a:pt x="1591574" y="16977"/>
+                  <a:pt x="1548845" y="6870"/>
+                  <a:pt x="1334589" y="18288"/>
+                </a:cubicBezTo>
+                <a:cubicBezTo>
+                  <a:pt x="1120333" y="29706"/>
+                  <a:pt x="996014" y="9662"/>
+                  <a:pt x="683570" y="18288"/>
+                </a:cubicBezTo>
+                <a:cubicBezTo>
+                  <a:pt x="371126" y="26914"/>
+                  <a:pt x="198687" y="16167"/>
+                  <a:pt x="0" y="18288"/>
+                </a:cubicBezTo>
+                <a:cubicBezTo>
+                  <a:pt x="843" y="9577"/>
+                  <a:pt x="371" y="6900"/>
+                  <a:pt x="0" y="0"/>
+                </a:cubicBezTo>
+                <a:close/>
+              </a:path>
+            </a:pathLst>
+          </a:custGeom>
+          <a:solidFill>
+            <a:schemeClr val="accent2"/>
+          </a:solidFill>
+          <a:ln w="38100" cap="rnd">
+            <a:solidFill>
+              <a:schemeClr val="accent2"/>
+            </a:solidFill>
+            <a:round/>
+            <a:extLst>
+              <a:ext uri="{C807C97D-BFC1-408E-A445-0C87EB9F89A2}">
+                <ask:lineSketchStyleProps xmlns:ask="http://schemas.microsoft.com/office/drawing/2018/sketchyshapes" sd="1219033472">
+                  <a:prstGeom prst="rect">
+                    <a:avLst/>
+                  </a:prstGeom>
+                  <ask:type>
+                    <ask:lineSketchFreehand/>
+                  </ask:type>
+                </ask:lineSketchStyleProps>
+              </a:ext>
+            </a:extLst>
+          </a:ln>
+        </p:spPr>
+        <p:style>
+          <a:lnRef idx="2">
+            <a:schemeClr val="accent1">
+              <a:shade val="50000"/>
+            </a:schemeClr>
+          </a:lnRef>
+          <a:fillRef idx="1">
+            <a:schemeClr val="accent1"/>
+          </a:fillRef>
+          <a:effectRef idx="0">
+            <a:schemeClr val="accent1"/>
+          </a:effectRef>
+          <a:fontRef idx="minor">
+            <a:schemeClr val="lt1"/>
+          </a:fontRef>
+        </p:style>
+        <p:txBody>
+          <a:bodyPr rtlCol="0" anchor="ctr"/>
+          <a:lstStyle/>
+          <a:p>
+            <a:pPr algn="ctr"/>
+            <a:endParaRPr lang="en-US"/>
+          </a:p>
+        </p:txBody>
+      </p:sp>
+      <p:sp>
+        <p:nvSpPr>
+          <p:cNvPr id="8" name="Content Placeholder 7">
+            <a:extLst>
+              <a:ext uri="{FF2B5EF4-FFF2-40B4-BE49-F238E27FC236}">
+                <a16:creationId xmlns:a16="http://schemas.microsoft.com/office/drawing/2014/main" id="{BA979B74-C0C6-686B-2ECF-829290E16C81}"/>
+              </a:ext>
+            </a:extLst>
+          </p:cNvPr>
+          <p:cNvSpPr>
+            <a:spLocks noGrp="1"/>
+          </p:cNvSpPr>
+          <p:nvPr>
+            <p:ph idx="1"/>
+          </p:nvPr>
+        </p:nvSpPr>
+        <p:spPr>
+          <a:xfrm>
+            <a:off x="630936" y="2807208"/>
+            <a:ext cx="3429000" cy="3410712"/>
+          </a:xfrm>
+        </p:spPr>
+        <p:txBody>
+          <a:bodyPr anchor="t">
+            <a:normAutofit fontScale="92500" lnSpcReduction="10000"/>
+          </a:bodyPr>
+          <a:lstStyle/>
+          <a:p>
+            <a:r>
+              <a:rPr lang="en-US" sz="2200" dirty="0"/>
+              <a:t>Every habitat appears to have a dominant class</a:t>
+            </a:r>
+          </a:p>
+          <a:p>
+            <a:r>
+              <a:rPr lang="en-US" sz="2200" dirty="0"/>
+              <a:t>Categories “g”, “m”, and “d” (grasses, meadows and woods) show more edible mushrooms.</a:t>
+            </a:r>
+          </a:p>
+          <a:p>
+            <a:r>
+              <a:rPr lang="en-US" sz="2200" dirty="0"/>
+              <a:t>Category “w” Waste shows no poisonous mushrooms</a:t>
+            </a:r>
+          </a:p>
+          <a:p>
+            <a:r>
+              <a:rPr lang="en-US" sz="2200" dirty="0"/>
+              <a:t>All other habitats are dominated by poisonous mushrooms</a:t>
+            </a:r>
+          </a:p>
+        </p:txBody>
+      </p:sp>
+      <p:pic>
+        <p:nvPicPr>
+          <p:cNvPr id="4" name="Content Placeholder 3" descr="A screen shot of a graph&#10;&#10;Description automatically generated">
+            <a:extLst>
+              <a:ext uri="{FF2B5EF4-FFF2-40B4-BE49-F238E27FC236}">
+                <a16:creationId xmlns:a16="http://schemas.microsoft.com/office/drawing/2014/main" id="{5D68F471-A677-A03F-5BB4-45B2BBF2FDBD}"/>
+              </a:ext>
+            </a:extLst>
+          </p:cNvPr>
+          <p:cNvPicPr>
+            <a:picLocks noChangeAspect="1"/>
+          </p:cNvPicPr>
+          <p:nvPr/>
+        </p:nvPicPr>
+        <p:blipFill>
+          <a:blip r:embed="rId2"/>
+          <a:stretch>
+            <a:fillRect/>
+          </a:stretch>
+        </p:blipFill>
+        <p:spPr>
+          <a:xfrm>
+            <a:off x="5058156" y="640080"/>
+            <a:ext cx="6095999" cy="5577840"/>
+          </a:xfrm>
+          <a:prstGeom prst="rect">
+            <a:avLst/>
+          </a:prstGeom>
+        </p:spPr>
+      </p:pic>
+    </p:spTree>
+    <p:extLst>
+      <p:ext uri="{BB962C8B-B14F-4D97-AF65-F5344CB8AC3E}">
+        <p14:creationId xmlns:p14="http://schemas.microsoft.com/office/powerpoint/2010/main" val="3759433552"/>
+      </p:ext>
+    </p:extLst>
+  </p:cSld>
+  <p:clrMapOvr>
+    <a:masterClrMapping/>
+  </p:clrMapOvr>
+</p:sld>
+</file>
+
+<file path=ppt/slides/slide21.xml><?xml version="1.0" encoding="utf-8"?>
+<p:sld xmlns:a="http://schemas.openxmlformats.org/drawingml/2006/main" xmlns:r="http://schemas.openxmlformats.org/officeDocument/2006/relationships" xmlns:p="http://schemas.openxmlformats.org/presentationml/2006/main">
+  <p:cSld>
+    <p:bg>
+      <p:bgPr>
+        <a:solidFill>
+          <a:schemeClr val="bg1"/>
+        </a:solidFill>
+        <a:effectLst/>
+      </p:bgPr>
+    </p:bg>
+    <p:spTree>
+      <p:nvGrpSpPr>
+        <p:cNvPr id="1" name=""/>
+        <p:cNvGrpSpPr/>
+        <p:nvPr/>
+      </p:nvGrpSpPr>
+      <p:grpSpPr>
+        <a:xfrm>
+          <a:off x="0" y="0"/>
+          <a:ext cx="0" cy="0"/>
+          <a:chOff x="0" y="0"/>
+          <a:chExt cx="0" cy="0"/>
+        </a:xfrm>
+      </p:grpSpPr>
+      <p:sp useBgFill="1">
+        <p:nvSpPr>
+          <p:cNvPr id="15" name="Rectangle 7">
+            <a:extLst>
+              <a:ext uri="{FF2B5EF4-FFF2-40B4-BE49-F238E27FC236}">
+                <a16:creationId xmlns:a16="http://schemas.microsoft.com/office/drawing/2014/main" id="{907EF6B7-1338-4443-8C46-6A318D952DFD}"/>
+              </a:ext>
+              <a:ext uri="{C183D7F6-B498-43B3-948B-1728B52AA6E4}">
+                <adec:decorative xmlns:adec="http://schemas.microsoft.com/office/drawing/2017/decorative" val="1"/>
+              </a:ext>
+            </a:extLst>
+          </p:cNvPr>
+          <p:cNvSpPr>
+            <a:spLocks noGrp="1" noRot="1" noChangeAspect="1" noMove="1" noResize="1" noEditPoints="1" noAdjustHandles="1" noChangeArrowheads="1" noChangeShapeType="1" noTextEdit="1"/>
+          </p:cNvSpPr>
+          <p:nvPr>
+            <p:extLst>
+              <p:ext uri="{386F3935-93C4-4BCD-93E2-E3B085C9AB24}">
+                <p16:designElem xmlns:p16="http://schemas.microsoft.com/office/powerpoint/2015/main" val="1"/>
+              </p:ext>
+            </p:extLst>
+          </p:nvPr>
+        </p:nvSpPr>
+        <p:spPr>
+          <a:xfrm>
+            <a:off x="3048" y="0"/>
+            <a:ext cx="12188952" cy="6858000"/>
+          </a:xfrm>
+          <a:prstGeom prst="rect">
+            <a:avLst/>
+          </a:prstGeom>
+          <a:ln>
+            <a:noFill/>
+          </a:ln>
+        </p:spPr>
+        <p:style>
+          <a:lnRef idx="2">
+            <a:schemeClr val="accent1">
+              <a:shade val="50000"/>
+            </a:schemeClr>
+          </a:lnRef>
+          <a:fillRef idx="1">
+            <a:schemeClr val="accent1"/>
+          </a:fillRef>
+          <a:effectRef idx="0">
+            <a:schemeClr val="accent1"/>
+          </a:effectRef>
+          <a:fontRef idx="minor">
+            <a:schemeClr val="lt1"/>
+          </a:fontRef>
+        </p:style>
+        <p:txBody>
+          <a:bodyPr rtlCol="0" anchor="ctr"/>
+          <a:lstStyle/>
+          <a:p>
+            <a:pPr algn="ctr"/>
+            <a:endParaRPr lang="en-US"/>
+          </a:p>
+        </p:txBody>
+      </p:sp>
+      <p:sp>
+        <p:nvSpPr>
+          <p:cNvPr id="16" name="Freeform: Shape 9">
+            <a:extLst>
+              <a:ext uri="{FF2B5EF4-FFF2-40B4-BE49-F238E27FC236}">
+                <a16:creationId xmlns:a16="http://schemas.microsoft.com/office/drawing/2014/main" id="{DAAE4CDD-124C-4DCF-9584-B6033B545DD5}"/>
+              </a:ext>
+              <a:ext uri="{C183D7F6-B498-43B3-948B-1728B52AA6E4}">
+                <adec:decorative xmlns:adec="http://schemas.microsoft.com/office/drawing/2017/decorative" val="1"/>
+              </a:ext>
+            </a:extLst>
+          </p:cNvPr>
+          <p:cNvSpPr>
+            <a:spLocks noGrp="1" noRot="1" noChangeAspect="1" noMove="1" noResize="1" noEditPoints="1" noAdjustHandles="1" noChangeArrowheads="1" noChangeShapeType="1" noTextEdit="1"/>
+          </p:cNvSpPr>
+          <p:nvPr>
+            <p:extLst>
+              <p:ext uri="{386F3935-93C4-4BCD-93E2-E3B085C9AB24}">
+                <p16:designElem xmlns:p16="http://schemas.microsoft.com/office/powerpoint/2015/main" val="1"/>
+              </p:ext>
+            </p:extLst>
+          </p:nvPr>
+        </p:nvSpPr>
+        <p:spPr>
+          <a:xfrm>
+            <a:off x="1" y="0"/>
+            <a:ext cx="4167271" cy="6858000"/>
+          </a:xfrm>
+          <a:custGeom>
+            <a:avLst/>
+            <a:gdLst>
+              <a:gd name="connsiteX0" fmla="*/ 0 w 4167271"/>
+              <a:gd name="connsiteY0" fmla="*/ 0 h 6858000"/>
+              <a:gd name="connsiteX1" fmla="*/ 2259550 w 4167271"/>
+              <a:gd name="connsiteY1" fmla="*/ 0 h 6858000"/>
+              <a:gd name="connsiteX2" fmla="*/ 2387803 w 4167271"/>
+              <a:gd name="connsiteY2" fmla="*/ 82222 h 6858000"/>
+              <a:gd name="connsiteX3" fmla="*/ 4167271 w 4167271"/>
+              <a:gd name="connsiteY3" fmla="*/ 3429000 h 6858000"/>
+              <a:gd name="connsiteX4" fmla="*/ 2387803 w 4167271"/>
+              <a:gd name="connsiteY4" fmla="*/ 6775779 h 6858000"/>
+              <a:gd name="connsiteX5" fmla="*/ 2259550 w 4167271"/>
+              <a:gd name="connsiteY5" fmla="*/ 6858000 h 6858000"/>
+              <a:gd name="connsiteX6" fmla="*/ 0 w 4167271"/>
+              <a:gd name="connsiteY6" fmla="*/ 6858000 h 6858000"/>
+            </a:gdLst>
+            <a:ahLst/>
+            <a:cxnLst>
+              <a:cxn ang="0">
+                <a:pos x="connsiteX0" y="connsiteY0"/>
+              </a:cxn>
+              <a:cxn ang="0">
+                <a:pos x="connsiteX1" y="connsiteY1"/>
+              </a:cxn>
+              <a:cxn ang="0">
+                <a:pos x="connsiteX2" y="connsiteY2"/>
+              </a:cxn>
+              <a:cxn ang="0">
+                <a:pos x="connsiteX3" y="connsiteY3"/>
+              </a:cxn>
+              <a:cxn ang="0">
+                <a:pos x="connsiteX4" y="connsiteY4"/>
+              </a:cxn>
+              <a:cxn ang="0">
+                <a:pos x="connsiteX5" y="connsiteY5"/>
+              </a:cxn>
+              <a:cxn ang="0">
+                <a:pos x="connsiteX6" y="connsiteY6"/>
+              </a:cxn>
+            </a:cxnLst>
+            <a:rect l="l" t="t" r="r" b="b"/>
+            <a:pathLst>
+              <a:path w="4167271" h="6858000">
+                <a:moveTo>
+                  <a:pt x="0" y="0"/>
+                </a:moveTo>
+                <a:lnTo>
+                  <a:pt x="2259550" y="0"/>
+                </a:lnTo>
+                <a:lnTo>
+                  <a:pt x="2387803" y="82222"/>
+                </a:lnTo>
+                <a:cubicBezTo>
+                  <a:pt x="3461407" y="807534"/>
+                  <a:pt x="4167271" y="2035835"/>
+                  <a:pt x="4167271" y="3429000"/>
+                </a:cubicBezTo>
+                <a:cubicBezTo>
+                  <a:pt x="4167271" y="4822165"/>
+                  <a:pt x="3461407" y="6050467"/>
+                  <a:pt x="2387803" y="6775779"/>
+                </a:cubicBezTo>
+                <a:lnTo>
+                  <a:pt x="2259550" y="6858000"/>
+                </a:lnTo>
+                <a:lnTo>
+                  <a:pt x="0" y="6858000"/>
+                </a:lnTo>
+                <a:close/>
+              </a:path>
+            </a:pathLst>
+          </a:custGeom>
+          <a:solidFill>
+            <a:schemeClr val="accent2"/>
+          </a:solidFill>
+          <a:ln>
+            <a:noFill/>
+          </a:ln>
+        </p:spPr>
+        <p:style>
+          <a:lnRef idx="2">
+            <a:schemeClr val="accent1">
+              <a:shade val="50000"/>
+            </a:schemeClr>
+          </a:lnRef>
+          <a:fillRef idx="1">
+            <a:schemeClr val="accent1"/>
+          </a:fillRef>
+          <a:effectRef idx="0">
+            <a:schemeClr val="accent1"/>
+          </a:effectRef>
+          <a:fontRef idx="minor">
+            <a:schemeClr val="lt1"/>
+          </a:fontRef>
+        </p:style>
+        <p:txBody>
+          <a:bodyPr rtlCol="0" anchor="ctr"/>
+          <a:lstStyle/>
+          <a:p>
+            <a:pPr algn="ctr"/>
+            <a:endParaRPr lang="en-US"/>
+          </a:p>
+        </p:txBody>
+      </p:sp>
+      <p:sp>
+        <p:nvSpPr>
+          <p:cNvPr id="2" name="Title 1">
+            <a:extLst>
+              <a:ext uri="{FF2B5EF4-FFF2-40B4-BE49-F238E27FC236}">
+                <a16:creationId xmlns:a16="http://schemas.microsoft.com/office/drawing/2014/main" id="{795CAE83-C691-32AE-0EC9-FD500DC94F0E}"/>
+              </a:ext>
+            </a:extLst>
+          </p:cNvPr>
+          <p:cNvSpPr>
+            <a:spLocks noGrp="1"/>
+          </p:cNvSpPr>
+          <p:nvPr>
+            <p:ph type="title"/>
+          </p:nvPr>
+        </p:nvSpPr>
+        <p:spPr>
+          <a:xfrm>
+            <a:off x="686834" y="1153572"/>
+            <a:ext cx="3200400" cy="4461163"/>
+          </a:xfrm>
+        </p:spPr>
+        <p:txBody>
+          <a:bodyPr>
+            <a:normAutofit/>
+          </a:bodyPr>
+          <a:lstStyle/>
+          <a:p>
+            <a:r>
+              <a:rPr lang="en-US">
+                <a:solidFill>
+                  <a:srgbClr val="FFFFFF"/>
+                </a:solidFill>
+              </a:rPr>
+              <a:t>Prepare – Preliminary EDA results</a:t>
+            </a:r>
+          </a:p>
+        </p:txBody>
+      </p:sp>
+      <p:sp>
+        <p:nvSpPr>
+          <p:cNvPr id="12" name="Arc 11">
+            <a:extLst>
+              <a:ext uri="{FF2B5EF4-FFF2-40B4-BE49-F238E27FC236}">
+                <a16:creationId xmlns:a16="http://schemas.microsoft.com/office/drawing/2014/main" id="{081E4A58-353D-44AE-B2FC-2A74E2E400F7}"/>
+              </a:ext>
+              <a:ext uri="{C183D7F6-B498-43B3-948B-1728B52AA6E4}">
+                <adec:decorative xmlns:adec="http://schemas.microsoft.com/office/drawing/2017/decorative" val="1"/>
+              </a:ext>
+            </a:extLst>
+          </p:cNvPr>
+          <p:cNvSpPr>
+            <a:spLocks noGrp="1" noRot="1" noChangeAspect="1" noMove="1" noResize="1" noEditPoints="1" noAdjustHandles="1" noChangeArrowheads="1" noChangeShapeType="1" noTextEdit="1"/>
+          </p:cNvSpPr>
+          <p:nvPr>
+            <p:extLst>
+              <p:ext uri="{386F3935-93C4-4BCD-93E2-E3B085C9AB24}">
+                <p16:designElem xmlns:p16="http://schemas.microsoft.com/office/powerpoint/2015/main" val="1"/>
+              </p:ext>
+            </p:extLst>
+          </p:nvPr>
+        </p:nvSpPr>
+        <p:spPr>
+          <a:xfrm flipV="1">
+            <a:off x="7550402" y="2455479"/>
+            <a:ext cx="4083433" cy="4083433"/>
+          </a:xfrm>
+          <a:prstGeom prst="arc">
+            <a:avLst/>
+          </a:prstGeom>
+          <a:ln w="127000" cap="rnd">
+            <a:solidFill>
+              <a:schemeClr val="accent4"/>
+            </a:solidFill>
+            <a:prstDash val="dash"/>
+          </a:ln>
+        </p:spPr>
+        <p:style>
+          <a:lnRef idx="1">
+            <a:schemeClr val="accent1"/>
+          </a:lnRef>
+          <a:fillRef idx="0">
+            <a:schemeClr val="accent1"/>
+          </a:fillRef>
+          <a:effectRef idx="0">
+            <a:schemeClr val="accent1"/>
+          </a:effectRef>
+          <a:fontRef idx="minor">
+            <a:schemeClr val="tx1"/>
+          </a:fontRef>
+        </p:style>
+        <p:txBody>
+          <a:bodyPr rtlCol="0" anchor="ctr"/>
+          <a:lstStyle/>
+          <a:p>
+            <a:pPr algn="ctr"/>
+            <a:endParaRPr lang="en-US" dirty="0"/>
+          </a:p>
+        </p:txBody>
+      </p:sp>
+      <p:sp>
+        <p:nvSpPr>
+          <p:cNvPr id="17" name="Content Placeholder 2">
+            <a:extLst>
+              <a:ext uri="{FF2B5EF4-FFF2-40B4-BE49-F238E27FC236}">
+                <a16:creationId xmlns:a16="http://schemas.microsoft.com/office/drawing/2014/main" id="{338EC865-40F8-D3B4-573F-1A4A47913CDF}"/>
+              </a:ext>
+            </a:extLst>
+          </p:cNvPr>
+          <p:cNvSpPr>
+            <a:spLocks noGrp="1"/>
+          </p:cNvSpPr>
+          <p:nvPr>
+            <p:ph idx="1"/>
+          </p:nvPr>
+        </p:nvSpPr>
+        <p:spPr>
+          <a:xfrm>
+            <a:off x="4447308" y="591344"/>
+            <a:ext cx="6906491" cy="5585619"/>
+          </a:xfrm>
+        </p:spPr>
+        <p:txBody>
+          <a:bodyPr anchor="ctr">
+            <a:normAutofit/>
+          </a:bodyPr>
+          <a:lstStyle/>
+          <a:p>
+            <a:r>
+              <a:rPr lang="en-US" dirty="0"/>
+              <a:t>The target variable is nearly balanced</a:t>
+            </a:r>
+          </a:p>
+          <a:p>
+            <a:r>
+              <a:rPr lang="en-US" dirty="0"/>
+              <a:t>All variables are categorical</a:t>
+            </a:r>
+          </a:p>
+          <a:p>
+            <a:r>
+              <a:rPr lang="en-US" dirty="0"/>
+              <a:t>There are no missing values</a:t>
+            </a:r>
+          </a:p>
+          <a:p>
+            <a:r>
+              <a:rPr lang="en-US" dirty="0"/>
+              <a:t>Some of the chosen predictor variables hint at no correlation to the target variable</a:t>
+            </a:r>
+          </a:p>
+          <a:p>
+            <a:r>
+              <a:rPr lang="en-US" dirty="0"/>
+              <a:t>They may be swapped for other variables</a:t>
+            </a:r>
+          </a:p>
+          <a:p>
+            <a:r>
+              <a:rPr lang="en-US" dirty="0"/>
+              <a:t>The possibility of creating dummy variables exists to allow more statistical analysis and algorithms</a:t>
+            </a:r>
+          </a:p>
+          <a:p>
+            <a:endParaRPr lang="en-US" dirty="0"/>
+          </a:p>
+        </p:txBody>
+      </p:sp>
+    </p:spTree>
+    <p:extLst>
+      <p:ext uri="{BB962C8B-B14F-4D97-AF65-F5344CB8AC3E}">
+        <p14:creationId xmlns:p14="http://schemas.microsoft.com/office/powerpoint/2010/main" val="1553208946"/>
+      </p:ext>
+    </p:extLst>
+  </p:cSld>
+  <p:clrMapOvr>
+    <a:masterClrMapping/>
+  </p:clrMapOvr>
+</p:sld>
+</file>
+
+<file path=ppt/slides/slide22.xml><?xml version="1.0" encoding="utf-8"?>
+<p:sld xmlns:a="http://schemas.openxmlformats.org/drawingml/2006/main" xmlns:r="http://schemas.openxmlformats.org/officeDocument/2006/relationships" xmlns:p="http://schemas.openxmlformats.org/presentationml/2006/main">
+  <p:cSld>
+    <p:bg>
+      <p:bgPr>
+        <a:solidFill>
+          <a:schemeClr val="bg1"/>
+        </a:solidFill>
+        <a:effectLst/>
+      </p:bgPr>
+    </p:bg>
+    <p:spTree>
+      <p:nvGrpSpPr>
+        <p:cNvPr id="1" name=""/>
+        <p:cNvGrpSpPr/>
+        <p:nvPr/>
+      </p:nvGrpSpPr>
+      <p:grpSpPr>
+        <a:xfrm>
+          <a:off x="0" y="0"/>
+          <a:ext cx="0" cy="0"/>
+          <a:chOff x="0" y="0"/>
+          <a:chExt cx="0" cy="0"/>
+        </a:xfrm>
+      </p:grpSpPr>
       <p:sp>
         <p:nvSpPr>
           <p:cNvPr id="18" name="!!Rectangle">
@@ -9029,7 +14582,7 @@
 </p:sld>
 </file>
 
-<file path=ppt/slides/slide13.xml><?xml version="1.0" encoding="utf-8"?>
+<file path=ppt/slides/slide23.xml><?xml version="1.0" encoding="utf-8"?>
 <p:sld xmlns:a="http://schemas.openxmlformats.org/drawingml/2006/main" xmlns:r="http://schemas.openxmlformats.org/officeDocument/2006/relationships" xmlns:p="http://schemas.openxmlformats.org/presentationml/2006/main" show="0">
   <p:cSld>
     <p:spTree>
@@ -9069,7 +14622,7 @@
           <a:p>
             <a:r>
               <a:rPr lang="en-US" dirty="0"/>
-              <a:t>Prepare</a:t>
+              <a:t>Analyze data</a:t>
             </a:r>
           </a:p>
         </p:txBody>
@@ -9104,7 +14657,7 @@
                 <a:latin typeface="Times New Roman" panose="02020603050405020304" pitchFamily="18" charset="0"/>
                 <a:ea typeface="Times New Roman" panose="02020603050405020304" pitchFamily="18" charset="0"/>
               </a:rPr>
-              <a:t>&lt;explore and pre-process&gt;</a:t>
+              <a:t>&lt;select analytical technique, build models&gt;</a:t>
             </a:r>
           </a:p>
           <a:p>
@@ -9115,7 +14668,7 @@
     </p:spTree>
     <p:extLst>
       <p:ext uri="{BB962C8B-B14F-4D97-AF65-F5344CB8AC3E}">
-        <p14:creationId xmlns:p14="http://schemas.microsoft.com/office/powerpoint/2010/main" val="2788217980"/>
+        <p14:creationId xmlns:p14="http://schemas.microsoft.com/office/powerpoint/2010/main" val="69798042"/>
       </p:ext>
     </p:extLst>
   </p:cSld>
@@ -9125,7 +14678,7 @@
 </p:sld>
 </file>
 
-<file path=ppt/slides/slide14.xml><?xml version="1.0" encoding="utf-8"?>
+<file path=ppt/slides/slide24.xml><?xml version="1.0" encoding="utf-8"?>
 <p:sld xmlns:a="http://schemas.openxmlformats.org/drawingml/2006/main" xmlns:r="http://schemas.openxmlformats.org/officeDocument/2006/relationships" xmlns:p="http://schemas.openxmlformats.org/presentationml/2006/main" show="0">
   <p:cSld>
     <p:spTree>
@@ -9165,7 +14718,7 @@
           <a:p>
             <a:r>
               <a:rPr lang="en-US" dirty="0"/>
-              <a:t>Analyze data</a:t>
+              <a:t>Report</a:t>
             </a:r>
           </a:p>
         </p:txBody>
@@ -9200,7 +14753,7 @@
                 <a:latin typeface="Times New Roman" panose="02020603050405020304" pitchFamily="18" charset="0"/>
                 <a:ea typeface="Times New Roman" panose="02020603050405020304" pitchFamily="18" charset="0"/>
               </a:rPr>
-              <a:t>&lt;select analytical technique, build models&gt;</a:t>
+              <a:t>&lt;communicate results&gt;</a:t>
             </a:r>
           </a:p>
           <a:p>
@@ -9211,7 +14764,7 @@
     </p:spTree>
     <p:extLst>
       <p:ext uri="{BB962C8B-B14F-4D97-AF65-F5344CB8AC3E}">
-        <p14:creationId xmlns:p14="http://schemas.microsoft.com/office/powerpoint/2010/main" val="69798042"/>
+        <p14:creationId xmlns:p14="http://schemas.microsoft.com/office/powerpoint/2010/main" val="2309908418"/>
       </p:ext>
     </p:extLst>
   </p:cSld>
@@ -9221,7 +14774,7 @@
 </p:sld>
 </file>
 
-<file path=ppt/slides/slide15.xml><?xml version="1.0" encoding="utf-8"?>
+<file path=ppt/slides/slide25.xml><?xml version="1.0" encoding="utf-8"?>
 <p:sld xmlns:a="http://schemas.openxmlformats.org/drawingml/2006/main" xmlns:r="http://schemas.openxmlformats.org/officeDocument/2006/relationships" xmlns:p="http://schemas.openxmlformats.org/presentationml/2006/main" show="0">
   <p:cSld>
     <p:spTree>
@@ -9243,7 +14796,7 @@
           <p:cNvPr id="2" name="Title 1">
             <a:extLst>
               <a:ext uri="{FF2B5EF4-FFF2-40B4-BE49-F238E27FC236}">
-                <a16:creationId xmlns:a16="http://schemas.microsoft.com/office/drawing/2014/main" id="{DB2A7252-6823-44F9-B464-D7A15D12BB65}"/>
+                <a16:creationId xmlns:a16="http://schemas.microsoft.com/office/drawing/2014/main" id="{7998C1A2-E365-4EAD-A777-10EF9BD2588C}"/>
               </a:ext>
             </a:extLst>
           </p:cNvPr>
@@ -9261,7 +14814,7 @@
           <a:p>
             <a:r>
               <a:rPr lang="en-US" dirty="0"/>
-              <a:t>Report</a:t>
+              <a:t>Act</a:t>
             </a:r>
           </a:p>
         </p:txBody>
@@ -9271,7 +14824,7 @@
           <p:cNvPr id="3" name="Content Placeholder 2">
             <a:extLst>
               <a:ext uri="{FF2B5EF4-FFF2-40B4-BE49-F238E27FC236}">
-                <a16:creationId xmlns:a16="http://schemas.microsoft.com/office/drawing/2014/main" id="{7FEAE391-6366-4E20-A14E-0ECFAEA8029A}"/>
+                <a16:creationId xmlns:a16="http://schemas.microsoft.com/office/drawing/2014/main" id="{83DC0D0A-FDCC-4561-A8EB-1F836A94AACC}"/>
               </a:ext>
             </a:extLst>
           </p:cNvPr>
@@ -9296,102 +14849,6 @@
                 <a:latin typeface="Times New Roman" panose="02020603050405020304" pitchFamily="18" charset="0"/>
                 <a:ea typeface="Times New Roman" panose="02020603050405020304" pitchFamily="18" charset="0"/>
               </a:rPr>
-              <a:t>&lt;communicate results&gt;</a:t>
-            </a:r>
-          </a:p>
-          <a:p>
-            <a:endParaRPr lang="en-US" dirty="0"/>
-          </a:p>
-        </p:txBody>
-      </p:sp>
-    </p:spTree>
-    <p:extLst>
-      <p:ext uri="{BB962C8B-B14F-4D97-AF65-F5344CB8AC3E}">
-        <p14:creationId xmlns:p14="http://schemas.microsoft.com/office/powerpoint/2010/main" val="2309908418"/>
-      </p:ext>
-    </p:extLst>
-  </p:cSld>
-  <p:clrMapOvr>
-    <a:masterClrMapping/>
-  </p:clrMapOvr>
-</p:sld>
-</file>
-
-<file path=ppt/slides/slide16.xml><?xml version="1.0" encoding="utf-8"?>
-<p:sld xmlns:a="http://schemas.openxmlformats.org/drawingml/2006/main" xmlns:r="http://schemas.openxmlformats.org/officeDocument/2006/relationships" xmlns:p="http://schemas.openxmlformats.org/presentationml/2006/main" show="0">
-  <p:cSld>
-    <p:spTree>
-      <p:nvGrpSpPr>
-        <p:cNvPr id="1" name=""/>
-        <p:cNvGrpSpPr/>
-        <p:nvPr/>
-      </p:nvGrpSpPr>
-      <p:grpSpPr>
-        <a:xfrm>
-          <a:off x="0" y="0"/>
-          <a:ext cx="0" cy="0"/>
-          <a:chOff x="0" y="0"/>
-          <a:chExt cx="0" cy="0"/>
-        </a:xfrm>
-      </p:grpSpPr>
-      <p:sp>
-        <p:nvSpPr>
-          <p:cNvPr id="2" name="Title 1">
-            <a:extLst>
-              <a:ext uri="{FF2B5EF4-FFF2-40B4-BE49-F238E27FC236}">
-                <a16:creationId xmlns:a16="http://schemas.microsoft.com/office/drawing/2014/main" id="{7998C1A2-E365-4EAD-A777-10EF9BD2588C}"/>
-              </a:ext>
-            </a:extLst>
-          </p:cNvPr>
-          <p:cNvSpPr>
-            <a:spLocks noGrp="1"/>
-          </p:cNvSpPr>
-          <p:nvPr>
-            <p:ph type="title"/>
-          </p:nvPr>
-        </p:nvSpPr>
-        <p:spPr/>
-        <p:txBody>
-          <a:bodyPr/>
-          <a:lstStyle/>
-          <a:p>
-            <a:r>
-              <a:rPr lang="en-US" dirty="0"/>
-              <a:t>Act</a:t>
-            </a:r>
-          </a:p>
-        </p:txBody>
-      </p:sp>
-      <p:sp>
-        <p:nvSpPr>
-          <p:cNvPr id="3" name="Content Placeholder 2">
-            <a:extLst>
-              <a:ext uri="{FF2B5EF4-FFF2-40B4-BE49-F238E27FC236}">
-                <a16:creationId xmlns:a16="http://schemas.microsoft.com/office/drawing/2014/main" id="{83DC0D0A-FDCC-4561-A8EB-1F836A94AACC}"/>
-              </a:ext>
-            </a:extLst>
-          </p:cNvPr>
-          <p:cNvSpPr>
-            <a:spLocks noGrp="1"/>
-          </p:cNvSpPr>
-          <p:nvPr>
-            <p:ph idx="1"/>
-          </p:nvPr>
-        </p:nvSpPr>
-        <p:spPr/>
-        <p:txBody>
-          <a:bodyPr/>
-          <a:lstStyle/>
-          <a:p>
-            <a:r>
-              <a:rPr lang="en-US" sz="1800" dirty="0">
-                <a:solidFill>
-                  <a:srgbClr val="000000"/>
-                </a:solidFill>
-                <a:effectLst/>
-                <a:latin typeface="Times New Roman" panose="02020603050405020304" pitchFamily="18" charset="0"/>
-                <a:ea typeface="Times New Roman" panose="02020603050405020304" pitchFamily="18" charset="0"/>
-              </a:rPr>
               <a:t>&lt;apply results, connect results with the chosen problem statement or business question&gt;</a:t>
             </a:r>
             <a:endParaRPr lang="en-US" dirty="0"/>
@@ -9402,210 +14859,6 @@
     <p:extLst>
       <p:ext uri="{BB962C8B-B14F-4D97-AF65-F5344CB8AC3E}">
         <p14:creationId xmlns:p14="http://schemas.microsoft.com/office/powerpoint/2010/main" val="4024108741"/>
-      </p:ext>
-    </p:extLst>
-  </p:cSld>
-  <p:clrMapOvr>
-    <a:masterClrMapping/>
-  </p:clrMapOvr>
-</p:sld>
-</file>
-
-<file path=ppt/slides/slide2.xml><?xml version="1.0" encoding="utf-8"?>
-<p:sld xmlns:a="http://schemas.openxmlformats.org/drawingml/2006/main" xmlns:r="http://schemas.openxmlformats.org/officeDocument/2006/relationships" xmlns:p="http://schemas.openxmlformats.org/presentationml/2006/main">
-  <p:cSld>
-    <p:bg>
-      <p:bgPr>
-        <a:solidFill>
-          <a:schemeClr val="bg1"/>
-        </a:solidFill>
-        <a:effectLst/>
-      </p:bgPr>
-    </p:bg>
-    <p:spTree>
-      <p:nvGrpSpPr>
-        <p:cNvPr id="1" name=""/>
-        <p:cNvGrpSpPr/>
-        <p:nvPr/>
-      </p:nvGrpSpPr>
-      <p:grpSpPr>
-        <a:xfrm>
-          <a:off x="0" y="0"/>
-          <a:ext cx="0" cy="0"/>
-          <a:chOff x="0" y="0"/>
-          <a:chExt cx="0" cy="0"/>
-        </a:xfrm>
-      </p:grpSpPr>
-      <p:sp>
-        <p:nvSpPr>
-          <p:cNvPr id="2" name="Title 1">
-            <a:extLst>
-              <a:ext uri="{FF2B5EF4-FFF2-40B4-BE49-F238E27FC236}">
-                <a16:creationId xmlns:a16="http://schemas.microsoft.com/office/drawing/2014/main" id="{8B8302AB-CEDA-4E89-A1DC-6BABC9C3F7D4}"/>
-              </a:ext>
-            </a:extLst>
-          </p:cNvPr>
-          <p:cNvSpPr>
-            <a:spLocks noGrp="1"/>
-          </p:cNvSpPr>
-          <p:nvPr>
-            <p:ph type="title"/>
-          </p:nvPr>
-        </p:nvSpPr>
-        <p:spPr>
-          <a:xfrm>
-            <a:off x="5868557" y="1138036"/>
-            <a:ext cx="5444382" cy="1402470"/>
-          </a:xfrm>
-        </p:spPr>
-        <p:txBody>
-          <a:bodyPr anchor="t">
-            <a:normAutofit/>
-          </a:bodyPr>
-          <a:lstStyle/>
-          <a:p>
-            <a:r>
-              <a:rPr lang="en-US" sz="3200"/>
-              <a:t>Problem Statement</a:t>
-            </a:r>
-          </a:p>
-        </p:txBody>
-      </p:sp>
-      <p:pic>
-        <p:nvPicPr>
-          <p:cNvPr id="5" name="Picture 4" descr="Mushroom growing on a moss">
-            <a:extLst>
-              <a:ext uri="{FF2B5EF4-FFF2-40B4-BE49-F238E27FC236}">
-                <a16:creationId xmlns:a16="http://schemas.microsoft.com/office/drawing/2014/main" id="{D072E265-F2F7-9A16-83AB-25A6F772E876}"/>
-              </a:ext>
-            </a:extLst>
-          </p:cNvPr>
-          <p:cNvPicPr>
-            <a:picLocks noChangeAspect="1"/>
-          </p:cNvPicPr>
-          <p:nvPr/>
-        </p:nvPicPr>
-        <p:blipFill rotWithShape="1">
-          <a:blip r:embed="rId2"/>
-          <a:srcRect l="21011" r="22655"/>
-          <a:stretch/>
-        </p:blipFill>
-        <p:spPr>
-          <a:xfrm>
-            <a:off x="-1" y="10"/>
-            <a:ext cx="5151179" cy="6857990"/>
-          </a:xfrm>
-          <a:prstGeom prst="rect">
-            <a:avLst/>
-          </a:prstGeom>
-        </p:spPr>
-      </p:pic>
-      <p:cxnSp>
-        <p:nvCxnSpPr>
-          <p:cNvPr id="9" name="Straight Connector 8">
-            <a:extLst>
-              <a:ext uri="{FF2B5EF4-FFF2-40B4-BE49-F238E27FC236}">
-                <a16:creationId xmlns:a16="http://schemas.microsoft.com/office/drawing/2014/main" id="{1503BFE4-729B-D9D0-C17B-501E6AF1127A}"/>
-              </a:ext>
-              <a:ext uri="{C183D7F6-B498-43B3-948B-1728B52AA6E4}">
-                <adec:decorative xmlns:adec="http://schemas.microsoft.com/office/drawing/2017/decorative" val="1"/>
-              </a:ext>
-            </a:extLst>
-          </p:cNvPr>
-          <p:cNvCxnSpPr>
-            <a:cxnSpLocks noGrp="1" noRot="1" noChangeAspect="1" noMove="1" noResize="1" noEditPoints="1" noAdjustHandles="1" noChangeArrowheads="1" noChangeShapeType="1"/>
-          </p:cNvCxnSpPr>
-          <p:nvPr>
-            <p:extLst>
-              <p:ext uri="{386F3935-93C4-4BCD-93E2-E3B085C9AB24}">
-                <p16:designElem xmlns:p16="http://schemas.microsoft.com/office/powerpoint/2015/main" val="1"/>
-              </p:ext>
-            </p:extLst>
-          </p:nvPr>
-        </p:nvCxnSpPr>
-        <p:spPr>
-          <a:xfrm>
-            <a:off x="5971697" y="871146"/>
-            <a:ext cx="736939" cy="0"/>
-          </a:xfrm>
-          <a:prstGeom prst="line">
-            <a:avLst/>
-          </a:prstGeom>
-          <a:ln w="57150">
-            <a:solidFill>
-              <a:schemeClr val="accent4"/>
-            </a:solidFill>
-          </a:ln>
-        </p:spPr>
-        <p:style>
-          <a:lnRef idx="1">
-            <a:schemeClr val="accent1"/>
-          </a:lnRef>
-          <a:fillRef idx="0">
-            <a:schemeClr val="accent1"/>
-          </a:fillRef>
-          <a:effectRef idx="0">
-            <a:schemeClr val="accent1"/>
-          </a:effectRef>
-          <a:fontRef idx="minor">
-            <a:schemeClr val="tx1"/>
-          </a:fontRef>
-        </p:style>
-      </p:cxnSp>
-      <p:sp>
-        <p:nvSpPr>
-          <p:cNvPr id="3" name="Content Placeholder 2">
-            <a:extLst>
-              <a:ext uri="{FF2B5EF4-FFF2-40B4-BE49-F238E27FC236}">
-                <a16:creationId xmlns:a16="http://schemas.microsoft.com/office/drawing/2014/main" id="{05AD07EA-4B74-4BFA-A23D-5147B6A28FC4}"/>
-              </a:ext>
-            </a:extLst>
-          </p:cNvPr>
-          <p:cNvSpPr>
-            <a:spLocks noGrp="1"/>
-          </p:cNvSpPr>
-          <p:nvPr>
-            <p:ph idx="1"/>
-          </p:nvPr>
-        </p:nvSpPr>
-        <p:spPr>
-          <a:xfrm>
-            <a:off x="5868557" y="2551176"/>
-            <a:ext cx="5444382" cy="3591207"/>
-          </a:xfrm>
-        </p:spPr>
-        <p:txBody>
-          <a:bodyPr>
-            <a:normAutofit/>
-          </a:bodyPr>
-          <a:lstStyle/>
-          <a:p>
-            <a:pPr marL="0" indent="0">
-              <a:buNone/>
-            </a:pPr>
-            <a:r>
-              <a:rPr lang="en-US" sz="1900" b="0" i="0">
-                <a:effectLst/>
-                <a:latin typeface="Times New Roman" panose="02020603050405020304" pitchFamily="18" charset="0"/>
-                <a:cs typeface="Times New Roman" panose="02020603050405020304" pitchFamily="18" charset="0"/>
-              </a:rPr>
-              <a:t>Background: A dataset containing various characteristics of mushrooms will be utilized to investigate which features are most indicative of a mushroom's edibility. The dataset consists of attributes like odor, cap color, veil color, and habitat, with the target variable "Class" having two categories: edible and poisonous. Distinguishing between poisonous and edible mushrooms is crucial, as ingestion of toxic mushrooms can lead to severe health issues, including hallucinations and even death. This study aims to explore the attributes that contribute to a mushroom's edibility to aid in better identification and decision-making.</a:t>
-            </a:r>
-          </a:p>
-          <a:p>
-            <a:pPr marL="0" indent="0">
-              <a:buNone/>
-            </a:pPr>
-            <a:endParaRPr lang="en-US" sz="1900">
-              <a:latin typeface="Times New Roman" panose="02020603050405020304" pitchFamily="18" charset="0"/>
-            </a:endParaRPr>
-          </a:p>
-        </p:txBody>
-      </p:sp>
-    </p:spTree>
-    <p:extLst>
-      <p:ext uri="{BB962C8B-B14F-4D97-AF65-F5344CB8AC3E}">
-        <p14:creationId xmlns:p14="http://schemas.microsoft.com/office/powerpoint/2010/main" val="1880678406"/>
       </p:ext>
     </p:extLst>
   </p:cSld>
